--- a/Anleitung_Korrekturpipeline.pptx
+++ b/Anleitung_Korrekturpipeline.pptx
@@ -9,24 +9,34 @@
     <p:sldId id="257" r:id="rId3"/>
     <p:sldId id="258" r:id="rId4"/>
     <p:sldId id="259" r:id="rId5"/>
-    <p:sldId id="260" r:id="rId6"/>
-    <p:sldId id="261" r:id="rId7"/>
-    <p:sldId id="262" r:id="rId8"/>
-    <p:sldId id="263" r:id="rId9"/>
-    <p:sldId id="264" r:id="rId10"/>
-    <p:sldId id="265" r:id="rId11"/>
-    <p:sldId id="266" r:id="rId12"/>
-    <p:sldId id="267" r:id="rId13"/>
-    <p:sldId id="268" r:id="rId14"/>
-    <p:sldId id="269" r:id="rId15"/>
-    <p:sldId id="270" r:id="rId16"/>
-    <p:sldId id="271" r:id="rId17"/>
-    <p:sldId id="272" r:id="rId18"/>
-    <p:sldId id="273" r:id="rId19"/>
-    <p:sldId id="274" r:id="rId20"/>
-    <p:sldId id="275" r:id="rId21"/>
-    <p:sldId id="276" r:id="rId22"/>
-    <p:sldId id="277" r:id="rId23"/>
+    <p:sldId id="278" r:id="rId6"/>
+    <p:sldId id="260" r:id="rId7"/>
+    <p:sldId id="261" r:id="rId8"/>
+    <p:sldId id="262" r:id="rId9"/>
+    <p:sldId id="263" r:id="rId10"/>
+    <p:sldId id="264" r:id="rId11"/>
+    <p:sldId id="265" r:id="rId12"/>
+    <p:sldId id="266" r:id="rId13"/>
+    <p:sldId id="279" r:id="rId14"/>
+    <p:sldId id="282" r:id="rId15"/>
+    <p:sldId id="283" r:id="rId16"/>
+    <p:sldId id="284" r:id="rId17"/>
+    <p:sldId id="285" r:id="rId18"/>
+    <p:sldId id="281" r:id="rId19"/>
+    <p:sldId id="286" r:id="rId20"/>
+    <p:sldId id="287" r:id="rId21"/>
+    <p:sldId id="280" r:id="rId22"/>
+    <p:sldId id="267" r:id="rId23"/>
+    <p:sldId id="268" r:id="rId24"/>
+    <p:sldId id="269" r:id="rId25"/>
+    <p:sldId id="270" r:id="rId26"/>
+    <p:sldId id="271" r:id="rId27"/>
+    <p:sldId id="272" r:id="rId28"/>
+    <p:sldId id="273" r:id="rId29"/>
+    <p:sldId id="274" r:id="rId30"/>
+    <p:sldId id="275" r:id="rId31"/>
+    <p:sldId id="276" r:id="rId32"/>
+    <p:sldId id="277" r:id="rId33"/>
   </p:sldIdLst>
   <p:sldSz cx="9144000" cy="5143500" type="screen16x9"/>
   <p:notesSz cx="6858000" cy="9144000"/>
@@ -309,7 +319,7 @@
           <a:p>
             <a:fld id="{1BA50D42-C9CD-4801-B293-61D1F53EC57E}" type="datetimeFigureOut">
               <a:rPr lang="de-DE" smtClean="0"/>
-              <a:t>18.05.2020</a:t>
+              <a:t>20.05.2020</a:t>
             </a:fld>
             <a:endParaRPr lang="de-DE"/>
           </a:p>
@@ -474,7 +484,7 @@
           <a:p>
             <a:fld id="{1BA50D42-C9CD-4801-B293-61D1F53EC57E}" type="datetimeFigureOut">
               <a:rPr lang="de-DE" smtClean="0"/>
-              <a:t>18.05.2020</a:t>
+              <a:t>20.05.2020</a:t>
             </a:fld>
             <a:endParaRPr lang="de-DE"/>
           </a:p>
@@ -649,7 +659,7 @@
           <a:p>
             <a:fld id="{1BA50D42-C9CD-4801-B293-61D1F53EC57E}" type="datetimeFigureOut">
               <a:rPr lang="de-DE" smtClean="0"/>
-              <a:t>18.05.2020</a:t>
+              <a:t>20.05.2020</a:t>
             </a:fld>
             <a:endParaRPr lang="de-DE"/>
           </a:p>
@@ -814,7 +824,7 @@
           <a:p>
             <a:fld id="{1BA50D42-C9CD-4801-B293-61D1F53EC57E}" type="datetimeFigureOut">
               <a:rPr lang="de-DE" smtClean="0"/>
-              <a:t>18.05.2020</a:t>
+              <a:t>20.05.2020</a:t>
             </a:fld>
             <a:endParaRPr lang="de-DE"/>
           </a:p>
@@ -1062,7 +1072,7 @@
           <a:p>
             <a:fld id="{1BA50D42-C9CD-4801-B293-61D1F53EC57E}" type="datetimeFigureOut">
               <a:rPr lang="de-DE" smtClean="0"/>
-              <a:t>18.05.2020</a:t>
+              <a:t>20.05.2020</a:t>
             </a:fld>
             <a:endParaRPr lang="de-DE"/>
           </a:p>
@@ -1352,7 +1362,7 @@
           <a:p>
             <a:fld id="{1BA50D42-C9CD-4801-B293-61D1F53EC57E}" type="datetimeFigureOut">
               <a:rPr lang="de-DE" smtClean="0"/>
-              <a:t>18.05.2020</a:t>
+              <a:t>20.05.2020</a:t>
             </a:fld>
             <a:endParaRPr lang="de-DE"/>
           </a:p>
@@ -1769,7 +1779,7 @@
           <a:p>
             <a:fld id="{1BA50D42-C9CD-4801-B293-61D1F53EC57E}" type="datetimeFigureOut">
               <a:rPr lang="de-DE" smtClean="0"/>
-              <a:t>18.05.2020</a:t>
+              <a:t>20.05.2020</a:t>
             </a:fld>
             <a:endParaRPr lang="de-DE"/>
           </a:p>
@@ -1882,7 +1892,7 @@
           <a:p>
             <a:fld id="{1BA50D42-C9CD-4801-B293-61D1F53EC57E}" type="datetimeFigureOut">
               <a:rPr lang="de-DE" smtClean="0"/>
-              <a:t>18.05.2020</a:t>
+              <a:t>20.05.2020</a:t>
             </a:fld>
             <a:endParaRPr lang="de-DE"/>
           </a:p>
@@ -1972,7 +1982,7 @@
           <a:p>
             <a:fld id="{1BA50D42-C9CD-4801-B293-61D1F53EC57E}" type="datetimeFigureOut">
               <a:rPr lang="de-DE" smtClean="0"/>
-              <a:t>18.05.2020</a:t>
+              <a:t>20.05.2020</a:t>
             </a:fld>
             <a:endParaRPr lang="de-DE"/>
           </a:p>
@@ -2244,7 +2254,7 @@
           <a:p>
             <a:fld id="{1BA50D42-C9CD-4801-B293-61D1F53EC57E}" type="datetimeFigureOut">
               <a:rPr lang="de-DE" smtClean="0"/>
-              <a:t>18.05.2020</a:t>
+              <a:t>20.05.2020</a:t>
             </a:fld>
             <a:endParaRPr lang="de-DE"/>
           </a:p>
@@ -2492,7 +2502,7 @@
           <a:p>
             <a:fld id="{1BA50D42-C9CD-4801-B293-61D1F53EC57E}" type="datetimeFigureOut">
               <a:rPr lang="de-DE" smtClean="0"/>
-              <a:t>18.05.2020</a:t>
+              <a:t>20.05.2020</a:t>
             </a:fld>
             <a:endParaRPr lang="de-DE"/>
           </a:p>
@@ -2700,7 +2710,7 @@
           <a:p>
             <a:fld id="{1BA50D42-C9CD-4801-B293-61D1F53EC57E}" type="datetimeFigureOut">
               <a:rPr lang="de-DE" smtClean="0"/>
-              <a:t>18.05.2020</a:t>
+              <a:t>20.05.2020</a:t>
             </a:fld>
             <a:endParaRPr lang="de-DE"/>
           </a:p>
@@ -3169,9 +3179,197 @@
           <a:chExt cx="0" cy="0"/>
         </a:xfrm>
       </p:grpSpPr>
+      <p:sp>
+        <p:nvSpPr>
+          <p:cNvPr id="2" name="Titel 1"/>
+          <p:cNvSpPr>
+            <a:spLocks noGrp="1"/>
+          </p:cNvSpPr>
+          <p:nvPr>
+            <p:ph type="title"/>
+          </p:nvPr>
+        </p:nvSpPr>
+        <p:spPr/>
+        <p:txBody>
+          <a:bodyPr/>
+          <a:lstStyle/>
+          <a:p>
+            <a:r>
+              <a:rPr lang="de-CH" smtClean="0"/>
+              <a:t>Beispiele</a:t>
+            </a:r>
+            <a:endParaRPr lang="de-CH"/>
+          </a:p>
+        </p:txBody>
+      </p:sp>
+      <p:sp>
+        <p:nvSpPr>
+          <p:cNvPr id="3" name="Inhaltsplatzhalter 2"/>
+          <p:cNvSpPr>
+            <a:spLocks noGrp="1"/>
+          </p:cNvSpPr>
+          <p:nvPr>
+            <p:ph idx="1"/>
+          </p:nvPr>
+        </p:nvSpPr>
+        <p:spPr>
+          <a:xfrm>
+            <a:off x="457200" y="1200151"/>
+            <a:ext cx="8229600" cy="507503"/>
+          </a:xfrm>
+        </p:spPr>
+        <p:txBody>
+          <a:bodyPr/>
+          <a:lstStyle/>
+          <a:p>
+            <a:pPr marL="0" indent="0">
+              <a:buNone/>
+            </a:pPr>
+            <a:r>
+              <a:rPr lang="de-CH" b="1" smtClean="0"/>
+              <a:t>Beispiel für eine Single Choice Frage</a:t>
+            </a:r>
+            <a:endParaRPr lang="de-CH" b="1"/>
+          </a:p>
+        </p:txBody>
+      </p:sp>
+      <p:sp>
+        <p:nvSpPr>
+          <p:cNvPr id="4" name="Rechteckige Legende 3"/>
+          <p:cNvSpPr/>
+          <p:nvPr/>
+        </p:nvSpPr>
+        <p:spPr>
+          <a:xfrm>
+            <a:off x="3059832" y="4011910"/>
+            <a:ext cx="1656184" cy="864096"/>
+          </a:xfrm>
+          <a:prstGeom prst="wedgeRectCallout">
+            <a:avLst>
+              <a:gd name="adj1" fmla="val 73240"/>
+              <a:gd name="adj2" fmla="val -94957"/>
+            </a:avLst>
+          </a:prstGeom>
+        </p:spPr>
+        <p:style>
+          <a:lnRef idx="1">
+            <a:schemeClr val="accent3"/>
+          </a:lnRef>
+          <a:fillRef idx="2">
+            <a:schemeClr val="accent3"/>
+          </a:fillRef>
+          <a:effectRef idx="1">
+            <a:schemeClr val="accent3"/>
+          </a:effectRef>
+          <a:fontRef idx="minor">
+            <a:schemeClr val="dk1"/>
+          </a:fontRef>
+        </p:style>
+        <p:txBody>
+          <a:bodyPr rtlCol="0" anchor="ctr"/>
+          <a:lstStyle/>
+          <a:p>
+            <a:pPr algn="ctr"/>
+            <a:r>
+              <a:rPr lang="de-CH" sz="1400" smtClean="0"/>
+              <a:t>Text der Aussage, die richtig oder falsch sein kann</a:t>
+            </a:r>
+            <a:endParaRPr lang="de-CH" sz="1400"/>
+          </a:p>
+        </p:txBody>
+      </p:sp>
+      <p:sp>
+        <p:nvSpPr>
+          <p:cNvPr id="8" name="Rechteckige Legende 7"/>
+          <p:cNvSpPr/>
+          <p:nvPr/>
+        </p:nvSpPr>
+        <p:spPr>
+          <a:xfrm>
+            <a:off x="5988107" y="4011910"/>
+            <a:ext cx="1656184" cy="864096"/>
+          </a:xfrm>
+          <a:prstGeom prst="wedgeRectCallout">
+            <a:avLst>
+              <a:gd name="adj1" fmla="val -47160"/>
+              <a:gd name="adj2" fmla="val -93682"/>
+            </a:avLst>
+          </a:prstGeom>
+        </p:spPr>
+        <p:style>
+          <a:lnRef idx="1">
+            <a:schemeClr val="accent3"/>
+          </a:lnRef>
+          <a:fillRef idx="2">
+            <a:schemeClr val="accent3"/>
+          </a:fillRef>
+          <a:effectRef idx="1">
+            <a:schemeClr val="accent3"/>
+          </a:effectRef>
+          <a:fontRef idx="minor">
+            <a:schemeClr val="dk1"/>
+          </a:fontRef>
+        </p:style>
+        <p:txBody>
+          <a:bodyPr rtlCol="0" anchor="ctr"/>
+          <a:lstStyle/>
+          <a:p>
+            <a:pPr algn="ctr"/>
+            <a:r>
+              <a:rPr lang="de-CH" sz="1400" smtClean="0"/>
+              <a:t>Lösungen für die Korrektur.</a:t>
+            </a:r>
+          </a:p>
+        </p:txBody>
+      </p:sp>
+      <p:sp>
+        <p:nvSpPr>
+          <p:cNvPr id="10" name="Rechteckige Legende 9"/>
+          <p:cNvSpPr/>
+          <p:nvPr/>
+        </p:nvSpPr>
+        <p:spPr>
+          <a:xfrm>
+            <a:off x="6948264" y="2685108"/>
+            <a:ext cx="1872208" cy="1051658"/>
+          </a:xfrm>
+          <a:prstGeom prst="wedgeRectCallout">
+            <a:avLst>
+              <a:gd name="adj1" fmla="val -73973"/>
+              <a:gd name="adj2" fmla="val -2163"/>
+            </a:avLst>
+          </a:prstGeom>
+        </p:spPr>
+        <p:style>
+          <a:lnRef idx="1">
+            <a:schemeClr val="accent3"/>
+          </a:lnRef>
+          <a:fillRef idx="2">
+            <a:schemeClr val="accent3"/>
+          </a:fillRef>
+          <a:effectRef idx="1">
+            <a:schemeClr val="accent3"/>
+          </a:effectRef>
+          <a:fontRef idx="minor">
+            <a:schemeClr val="dk1"/>
+          </a:fontRef>
+        </p:style>
+        <p:txBody>
+          <a:bodyPr rtlCol="0" anchor="ctr"/>
+          <a:lstStyle/>
+          <a:p>
+            <a:pPr algn="ctr"/>
+            <a:r>
+              <a:rPr lang="de-CH" sz="1400" smtClean="0"/>
+              <a:t>Bei Single-Choice ist die korrekte Antwort eine 1, die anderen sind Nullen</a:t>
+            </a:r>
+            <a:endParaRPr lang="de-CH" sz="1400"/>
+          </a:p>
+        </p:txBody>
+      </p:sp>
       <p:pic>
         <p:nvPicPr>
-          <p:cNvPr id="8194" name="Picture 2"/>
+          <p:cNvPr id="7170" name="Picture 2"/>
           <p:cNvPicPr>
             <a:picLocks noChangeAspect="1" noChangeArrowheads="1"/>
           </p:cNvPicPr>
@@ -3192,8 +3390,8 @@
         </p:blipFill>
         <p:spPr bwMode="auto">
           <a:xfrm>
-            <a:off x="1763688" y="1837928"/>
-            <a:ext cx="4781550" cy="1885950"/>
+            <a:off x="1691680" y="1851670"/>
+            <a:ext cx="4819650" cy="1666875"/>
           </a:xfrm>
           <a:prstGeom prst="rect">
             <a:avLst/>
@@ -3223,198 +3421,10 @@
           </a:extLst>
         </p:spPr>
       </p:pic>
-      <p:sp>
-        <p:nvSpPr>
-          <p:cNvPr id="2" name="Titel 1"/>
-          <p:cNvSpPr>
-            <a:spLocks noGrp="1"/>
-          </p:cNvSpPr>
-          <p:nvPr>
-            <p:ph type="title"/>
-          </p:nvPr>
-        </p:nvSpPr>
-        <p:spPr/>
-        <p:txBody>
-          <a:bodyPr/>
-          <a:lstStyle/>
-          <a:p>
-            <a:r>
-              <a:rPr lang="de-CH" smtClean="0"/>
-              <a:t>Beispiele</a:t>
-            </a:r>
-            <a:endParaRPr lang="de-CH"/>
-          </a:p>
-        </p:txBody>
-      </p:sp>
-      <p:sp>
-        <p:nvSpPr>
-          <p:cNvPr id="3" name="Inhaltsplatzhalter 2"/>
-          <p:cNvSpPr>
-            <a:spLocks noGrp="1"/>
-          </p:cNvSpPr>
-          <p:nvPr>
-            <p:ph idx="1"/>
-          </p:nvPr>
-        </p:nvSpPr>
-        <p:spPr>
-          <a:xfrm>
-            <a:off x="457200" y="1200151"/>
-            <a:ext cx="8229600" cy="507503"/>
-          </a:xfrm>
-        </p:spPr>
-        <p:txBody>
-          <a:bodyPr/>
-          <a:lstStyle/>
-          <a:p>
-            <a:pPr marL="0" indent="0">
-              <a:buNone/>
-            </a:pPr>
-            <a:r>
-              <a:rPr lang="de-CH" b="1" smtClean="0"/>
-              <a:t>Beispiel für eine Multiple Choice Frage</a:t>
-            </a:r>
-            <a:endParaRPr lang="de-CH" b="1"/>
-          </a:p>
-        </p:txBody>
-      </p:sp>
-      <p:sp>
-        <p:nvSpPr>
-          <p:cNvPr id="4" name="Rechteckige Legende 3"/>
-          <p:cNvSpPr/>
-          <p:nvPr/>
-        </p:nvSpPr>
-        <p:spPr>
-          <a:xfrm>
-            <a:off x="3059832" y="4011910"/>
-            <a:ext cx="1656184" cy="864096"/>
-          </a:xfrm>
-          <a:prstGeom prst="wedgeRectCallout">
-            <a:avLst>
-              <a:gd name="adj1" fmla="val 73240"/>
-              <a:gd name="adj2" fmla="val -94957"/>
-            </a:avLst>
-          </a:prstGeom>
-        </p:spPr>
-        <p:style>
-          <a:lnRef idx="1">
-            <a:schemeClr val="accent3"/>
-          </a:lnRef>
-          <a:fillRef idx="2">
-            <a:schemeClr val="accent3"/>
-          </a:fillRef>
-          <a:effectRef idx="1">
-            <a:schemeClr val="accent3"/>
-          </a:effectRef>
-          <a:fontRef idx="minor">
-            <a:schemeClr val="dk1"/>
-          </a:fontRef>
-        </p:style>
-        <p:txBody>
-          <a:bodyPr rtlCol="0" anchor="ctr"/>
-          <a:lstStyle/>
-          <a:p>
-            <a:pPr algn="ctr"/>
-            <a:r>
-              <a:rPr lang="de-CH" sz="1400" smtClean="0"/>
-              <a:t>Text der Aussage, die richtig oder falsch sein kann</a:t>
-            </a:r>
-            <a:endParaRPr lang="de-CH" sz="1400"/>
-          </a:p>
-        </p:txBody>
-      </p:sp>
-      <p:sp>
-        <p:nvSpPr>
-          <p:cNvPr id="8" name="Rechteckige Legende 7"/>
-          <p:cNvSpPr/>
-          <p:nvPr/>
-        </p:nvSpPr>
-        <p:spPr>
-          <a:xfrm>
-            <a:off x="5988107" y="4011910"/>
-            <a:ext cx="1656184" cy="864096"/>
-          </a:xfrm>
-          <a:prstGeom prst="wedgeRectCallout">
-            <a:avLst>
-              <a:gd name="adj1" fmla="val -47160"/>
-              <a:gd name="adj2" fmla="val -93682"/>
-            </a:avLst>
-          </a:prstGeom>
-        </p:spPr>
-        <p:style>
-          <a:lnRef idx="1">
-            <a:schemeClr val="accent3"/>
-          </a:lnRef>
-          <a:fillRef idx="2">
-            <a:schemeClr val="accent3"/>
-          </a:fillRef>
-          <a:effectRef idx="1">
-            <a:schemeClr val="accent3"/>
-          </a:effectRef>
-          <a:fontRef idx="minor">
-            <a:schemeClr val="dk1"/>
-          </a:fontRef>
-        </p:style>
-        <p:txBody>
-          <a:bodyPr rtlCol="0" anchor="ctr"/>
-          <a:lstStyle/>
-          <a:p>
-            <a:pPr algn="ctr"/>
-            <a:r>
-              <a:rPr lang="de-CH" sz="1400" smtClean="0"/>
-              <a:t>Lösungen für die Korrektur.</a:t>
-            </a:r>
-          </a:p>
-        </p:txBody>
-      </p:sp>
-      <p:sp>
-        <p:nvSpPr>
-          <p:cNvPr id="10" name="Rechteckige Legende 9"/>
-          <p:cNvSpPr/>
-          <p:nvPr/>
-        </p:nvSpPr>
-        <p:spPr>
-          <a:xfrm>
-            <a:off x="6948264" y="2685108"/>
-            <a:ext cx="1872208" cy="1051658"/>
-          </a:xfrm>
-          <a:prstGeom prst="wedgeRectCallout">
-            <a:avLst>
-              <a:gd name="adj1" fmla="val -73973"/>
-              <a:gd name="adj2" fmla="val -2163"/>
-            </a:avLst>
-          </a:prstGeom>
-        </p:spPr>
-        <p:style>
-          <a:lnRef idx="1">
-            <a:schemeClr val="accent3"/>
-          </a:lnRef>
-          <a:fillRef idx="2">
-            <a:schemeClr val="accent3"/>
-          </a:fillRef>
-          <a:effectRef idx="1">
-            <a:schemeClr val="accent3"/>
-          </a:effectRef>
-          <a:fontRef idx="minor">
-            <a:schemeClr val="dk1"/>
-          </a:fontRef>
-        </p:style>
-        <p:txBody>
-          <a:bodyPr rtlCol="0" anchor="ctr"/>
-          <a:lstStyle/>
-          <a:p>
-            <a:pPr algn="ctr"/>
-            <a:r>
-              <a:rPr lang="de-CH" sz="1400" smtClean="0"/>
-              <a:t>Bei MC sind die korrekten Antworten eine 1, die anderen sind Nullen</a:t>
-            </a:r>
-            <a:endParaRPr lang="de-CH" sz="1400"/>
-          </a:p>
-        </p:txBody>
-      </p:sp>
     </p:spTree>
     <p:extLst>
       <p:ext uri="{BB962C8B-B14F-4D97-AF65-F5344CB8AC3E}">
-        <p14:creationId xmlns:p14="http://schemas.microsoft.com/office/powerpoint/2010/main" val="3504597989"/>
+        <p14:creationId xmlns:p14="http://schemas.microsoft.com/office/powerpoint/2010/main" val="425027646"/>
       </p:ext>
     </p:extLst>
   </p:cSld>
@@ -3448,82 +3458,9 @@
           <a:chExt cx="0" cy="0"/>
         </a:xfrm>
       </p:grpSpPr>
-      <p:sp>
-        <p:nvSpPr>
-          <p:cNvPr id="3" name="Inhaltsplatzhalter 2"/>
-          <p:cNvSpPr>
-            <a:spLocks noGrp="1"/>
-          </p:cNvSpPr>
-          <p:nvPr>
-            <p:ph idx="1"/>
-          </p:nvPr>
-        </p:nvSpPr>
-        <p:spPr>
-          <a:xfrm>
-            <a:off x="457200" y="1200151"/>
-            <a:ext cx="8229600" cy="1947663"/>
-          </a:xfrm>
-        </p:spPr>
-        <p:txBody>
-          <a:bodyPr>
-            <a:normAutofit/>
-          </a:bodyPr>
-          <a:lstStyle/>
-          <a:p>
-            <a:r>
-              <a:rPr lang="de-CH" smtClean="0"/>
-              <a:t>Wenn für jede Frage die korrekte Antwort notiert ist, kann man die Datei wieder speichern.</a:t>
-            </a:r>
-          </a:p>
-          <a:p>
-            <a:r>
-              <a:rPr lang="de-CH" smtClean="0"/>
-              <a:t>Auch hier meckert Excel wieder, weil die Erweiterung falsch ist. Das spielt aber keine Rolle. Bestätigen Sie mit 'Ja', dass die Ausgabe als .XLS gespeichert werden soll.</a:t>
-            </a:r>
-          </a:p>
-          <a:p>
-            <a:r>
-              <a:rPr lang="de-CH" b="1" smtClean="0">
-                <a:solidFill>
-                  <a:srgbClr val="FF0000"/>
-                </a:solidFill>
-              </a:rPr>
-              <a:t>Wichtig</a:t>
-            </a:r>
-            <a:r>
-              <a:rPr lang="de-CH" b="1" smtClean="0"/>
-              <a:t>: Auf keinen Fall als richtiges .XLS oder gar .XLSX speichern.</a:t>
-            </a:r>
-            <a:endParaRPr lang="de-CH" b="1"/>
-          </a:p>
-        </p:txBody>
-      </p:sp>
-      <p:sp>
-        <p:nvSpPr>
-          <p:cNvPr id="4" name="Titel 1"/>
-          <p:cNvSpPr>
-            <a:spLocks noGrp="1"/>
-          </p:cNvSpPr>
-          <p:nvPr>
-            <p:ph type="title"/>
-          </p:nvPr>
-        </p:nvSpPr>
-        <p:spPr/>
-        <p:txBody>
-          <a:bodyPr/>
-          <a:lstStyle/>
-          <a:p>
-            <a:r>
-              <a:rPr lang="de-CH" smtClean="0"/>
-              <a:t>1. Schritt: Korrekte Antworten</a:t>
-            </a:r>
-            <a:endParaRPr lang="de-CH"/>
-          </a:p>
-        </p:txBody>
-      </p:sp>
       <p:pic>
         <p:nvPicPr>
-          <p:cNvPr id="9218" name="Picture 2"/>
+          <p:cNvPr id="8194" name="Picture 2"/>
           <p:cNvPicPr>
             <a:picLocks noChangeAspect="1" noChangeArrowheads="1"/>
           </p:cNvPicPr>
@@ -3544,8 +3481,8 @@
         </p:blipFill>
         <p:spPr bwMode="auto">
           <a:xfrm>
-            <a:off x="519113" y="3363838"/>
-            <a:ext cx="8105775" cy="1476375"/>
+            <a:off x="1763688" y="1837928"/>
+            <a:ext cx="4781550" cy="1885950"/>
           </a:xfrm>
           <a:prstGeom prst="rect">
             <a:avLst/>
@@ -3577,34 +3514,88 @@
       </p:pic>
       <p:sp>
         <p:nvSpPr>
-          <p:cNvPr id="6" name="Pfeil nach rechts 5"/>
+          <p:cNvPr id="2" name="Titel 1"/>
+          <p:cNvSpPr>
+            <a:spLocks noGrp="1"/>
+          </p:cNvSpPr>
+          <p:nvPr>
+            <p:ph type="title"/>
+          </p:nvPr>
+        </p:nvSpPr>
+        <p:spPr/>
+        <p:txBody>
+          <a:bodyPr/>
+          <a:lstStyle/>
+          <a:p>
+            <a:r>
+              <a:rPr lang="de-CH" smtClean="0"/>
+              <a:t>Beispiele</a:t>
+            </a:r>
+            <a:endParaRPr lang="de-CH"/>
+          </a:p>
+        </p:txBody>
+      </p:sp>
+      <p:sp>
+        <p:nvSpPr>
+          <p:cNvPr id="3" name="Inhaltsplatzhalter 2"/>
+          <p:cNvSpPr>
+            <a:spLocks noGrp="1"/>
+          </p:cNvSpPr>
+          <p:nvPr>
+            <p:ph idx="1"/>
+          </p:nvPr>
+        </p:nvSpPr>
+        <p:spPr>
+          <a:xfrm>
+            <a:off x="457200" y="1200151"/>
+            <a:ext cx="8229600" cy="507503"/>
+          </a:xfrm>
+        </p:spPr>
+        <p:txBody>
+          <a:bodyPr/>
+          <a:lstStyle/>
+          <a:p>
+            <a:pPr marL="0" indent="0">
+              <a:buNone/>
+            </a:pPr>
+            <a:r>
+              <a:rPr lang="de-CH" b="1" smtClean="0"/>
+              <a:t>Beispiel für eine Multiple Choice Frage</a:t>
+            </a:r>
+            <a:endParaRPr lang="de-CH" b="1"/>
+          </a:p>
+        </p:txBody>
+      </p:sp>
+      <p:sp>
+        <p:nvSpPr>
+          <p:cNvPr id="4" name="Rechteckige Legende 3"/>
           <p:cNvSpPr/>
           <p:nvPr/>
         </p:nvSpPr>
         <p:spPr>
-          <a:xfrm rot="20052889">
-            <a:off x="2538305" y="4594728"/>
-            <a:ext cx="792088" cy="432048"/>
-          </a:xfrm>
-          <a:prstGeom prst="rightArrow">
+          <a:xfrm>
+            <a:off x="3059832" y="4011910"/>
+            <a:ext cx="1656184" cy="864096"/>
+          </a:xfrm>
+          <a:prstGeom prst="wedgeRectCallout">
             <a:avLst>
-              <a:gd name="adj1" fmla="val 50000"/>
-              <a:gd name="adj2" fmla="val 44900"/>
+              <a:gd name="adj1" fmla="val 73240"/>
+              <a:gd name="adj2" fmla="val -94957"/>
             </a:avLst>
           </a:prstGeom>
         </p:spPr>
         <p:style>
           <a:lnRef idx="1">
-            <a:schemeClr val="accent2"/>
+            <a:schemeClr val="accent3"/>
           </a:lnRef>
-          <a:fillRef idx="3">
-            <a:schemeClr val="accent2"/>
+          <a:fillRef idx="2">
+            <a:schemeClr val="accent3"/>
           </a:fillRef>
-          <a:effectRef idx="2">
-            <a:schemeClr val="accent2"/>
+          <a:effectRef idx="1">
+            <a:schemeClr val="accent3"/>
           </a:effectRef>
           <a:fontRef idx="minor">
-            <a:schemeClr val="lt1"/>
+            <a:schemeClr val="dk1"/>
           </a:fontRef>
         </p:style>
         <p:txBody>
@@ -3612,14 +3603,107 @@
           <a:lstStyle/>
           <a:p>
             <a:pPr algn="ctr"/>
-            <a:endParaRPr lang="de-CH"/>
+            <a:r>
+              <a:rPr lang="de-CH" sz="1400" smtClean="0"/>
+              <a:t>Text der Aussage, die richtig oder falsch sein kann</a:t>
+            </a:r>
+            <a:endParaRPr lang="de-CH" sz="1400"/>
+          </a:p>
+        </p:txBody>
+      </p:sp>
+      <p:sp>
+        <p:nvSpPr>
+          <p:cNvPr id="8" name="Rechteckige Legende 7"/>
+          <p:cNvSpPr/>
+          <p:nvPr/>
+        </p:nvSpPr>
+        <p:spPr>
+          <a:xfrm>
+            <a:off x="5988107" y="4011910"/>
+            <a:ext cx="1656184" cy="864096"/>
+          </a:xfrm>
+          <a:prstGeom prst="wedgeRectCallout">
+            <a:avLst>
+              <a:gd name="adj1" fmla="val -47160"/>
+              <a:gd name="adj2" fmla="val -93682"/>
+            </a:avLst>
+          </a:prstGeom>
+        </p:spPr>
+        <p:style>
+          <a:lnRef idx="1">
+            <a:schemeClr val="accent3"/>
+          </a:lnRef>
+          <a:fillRef idx="2">
+            <a:schemeClr val="accent3"/>
+          </a:fillRef>
+          <a:effectRef idx="1">
+            <a:schemeClr val="accent3"/>
+          </a:effectRef>
+          <a:fontRef idx="minor">
+            <a:schemeClr val="dk1"/>
+          </a:fontRef>
+        </p:style>
+        <p:txBody>
+          <a:bodyPr rtlCol="0" anchor="ctr"/>
+          <a:lstStyle/>
+          <a:p>
+            <a:pPr algn="ctr"/>
+            <a:r>
+              <a:rPr lang="de-CH" sz="1400" smtClean="0"/>
+              <a:t>Lösungen für die Korrektur.</a:t>
+            </a:r>
+          </a:p>
+        </p:txBody>
+      </p:sp>
+      <p:sp>
+        <p:nvSpPr>
+          <p:cNvPr id="10" name="Rechteckige Legende 9"/>
+          <p:cNvSpPr/>
+          <p:nvPr/>
+        </p:nvSpPr>
+        <p:spPr>
+          <a:xfrm>
+            <a:off x="6948264" y="2685108"/>
+            <a:ext cx="1872208" cy="1051658"/>
+          </a:xfrm>
+          <a:prstGeom prst="wedgeRectCallout">
+            <a:avLst>
+              <a:gd name="adj1" fmla="val -73973"/>
+              <a:gd name="adj2" fmla="val -2163"/>
+            </a:avLst>
+          </a:prstGeom>
+        </p:spPr>
+        <p:style>
+          <a:lnRef idx="1">
+            <a:schemeClr val="accent3"/>
+          </a:lnRef>
+          <a:fillRef idx="2">
+            <a:schemeClr val="accent3"/>
+          </a:fillRef>
+          <a:effectRef idx="1">
+            <a:schemeClr val="accent3"/>
+          </a:effectRef>
+          <a:fontRef idx="minor">
+            <a:schemeClr val="dk1"/>
+          </a:fontRef>
+        </p:style>
+        <p:txBody>
+          <a:bodyPr rtlCol="0" anchor="ctr"/>
+          <a:lstStyle/>
+          <a:p>
+            <a:pPr algn="ctr"/>
+            <a:r>
+              <a:rPr lang="de-CH" sz="1400" smtClean="0"/>
+              <a:t>Bei MC sind die korrekten Antworten eine 1, die anderen sind Nullen</a:t>
+            </a:r>
+            <a:endParaRPr lang="de-CH" sz="1400"/>
           </a:p>
         </p:txBody>
       </p:sp>
     </p:spTree>
     <p:extLst>
       <p:ext uri="{BB962C8B-B14F-4D97-AF65-F5344CB8AC3E}">
-        <p14:creationId xmlns:p14="http://schemas.microsoft.com/office/powerpoint/2010/main" val="3482854451"/>
+        <p14:creationId xmlns:p14="http://schemas.microsoft.com/office/powerpoint/2010/main" val="3504597989"/>
       </p:ext>
     </p:extLst>
   </p:cSld>
@@ -3655,7 +3739,57 @@
       </p:grpSpPr>
       <p:sp>
         <p:nvSpPr>
-          <p:cNvPr id="2" name="Titel 1"/>
+          <p:cNvPr id="3" name="Inhaltsplatzhalter 2"/>
+          <p:cNvSpPr>
+            <a:spLocks noGrp="1"/>
+          </p:cNvSpPr>
+          <p:nvPr>
+            <p:ph idx="1"/>
+          </p:nvPr>
+        </p:nvSpPr>
+        <p:spPr>
+          <a:xfrm>
+            <a:off x="457200" y="1200151"/>
+            <a:ext cx="8229600" cy="1947663"/>
+          </a:xfrm>
+        </p:spPr>
+        <p:txBody>
+          <a:bodyPr>
+            <a:normAutofit/>
+          </a:bodyPr>
+          <a:lstStyle/>
+          <a:p>
+            <a:r>
+              <a:rPr lang="de-CH" smtClean="0"/>
+              <a:t>Wenn für jede Frage die korrekte Antwort notiert ist, kann man die Datei wieder speichern.</a:t>
+            </a:r>
+          </a:p>
+          <a:p>
+            <a:r>
+              <a:rPr lang="de-CH" smtClean="0"/>
+              <a:t>Auch hier meckert Excel wieder, weil die Erweiterung falsch ist. Das spielt aber keine Rolle. Bestätigen Sie mit 'Ja', dass die Ausgabe als .XLS gespeichert werden soll.</a:t>
+            </a:r>
+          </a:p>
+          <a:p>
+            <a:r>
+              <a:rPr lang="de-CH" b="1" smtClean="0">
+                <a:solidFill>
+                  <a:srgbClr val="FF0000"/>
+                </a:solidFill>
+              </a:rPr>
+              <a:t>Wichtig</a:t>
+            </a:r>
+            <a:r>
+              <a:rPr lang="de-CH" b="1" smtClean="0"/>
+              <a:t>: Auf keinen Fall als richtiges .XLS oder gar .XLSX speichern.</a:t>
+            </a:r>
+            <a:endParaRPr lang="de-CH" b="1"/>
+          </a:p>
+        </p:txBody>
+      </p:sp>
+      <p:sp>
+        <p:nvSpPr>
+          <p:cNvPr id="4" name="Titel 1"/>
           <p:cNvSpPr>
             <a:spLocks noGrp="1"/>
           </p:cNvSpPr>
@@ -3670,106 +3804,111 @@
           <a:p>
             <a:r>
               <a:rPr lang="de-CH" smtClean="0"/>
-              <a:t>2. Schritt: Automatische Korrektur</a:t>
+              <a:t>1. Schritt: Korrekte Antworten</a:t>
             </a:r>
             <a:endParaRPr lang="de-CH"/>
           </a:p>
         </p:txBody>
       </p:sp>
-      <p:sp>
-        <p:nvSpPr>
-          <p:cNvPr id="3" name="Inhaltsplatzhalter 2"/>
-          <p:cNvSpPr>
-            <a:spLocks noGrp="1"/>
-          </p:cNvSpPr>
-          <p:nvPr>
-            <p:ph idx="1"/>
-          </p:nvPr>
-        </p:nvSpPr>
-        <p:spPr/>
-        <p:txBody>
-          <a:bodyPr/>
-          <a:lstStyle/>
-          <a:p>
-            <a:r>
-              <a:rPr lang="de-CH" smtClean="0"/>
-              <a:t>Nun kann der erste Teil der Pipeline verwendet werden, um alles automatisch zu korrigieren, was sich automatisch korrigieren lässt (SC, MC, KPRIM, Lückentext).</a:t>
-            </a:r>
-          </a:p>
-          <a:p>
-            <a:r>
-              <a:rPr lang="de-CH" smtClean="0"/>
-              <a:t>Benennen Sie dafür das .XLS-Dokument um, so dass es neu </a:t>
-            </a:r>
-            <a:r>
-              <a:rPr lang="de-CH" b="1" i="1" smtClean="0"/>
-              <a:t>"Eingabe.XLS"</a:t>
-            </a:r>
-            <a:r>
-              <a:rPr lang="de-CH" smtClean="0"/>
-              <a:t> heisst. (Alternativ kann man den Namen auch belassen und den Code des ersten </a:t>
-            </a:r>
-            <a:r>
-              <a:rPr lang="de-CH" smtClean="0"/>
-              <a:t>Python-Skripts auf Zeile 207 ändern. Dort ist der Dateiname definiert.)</a:t>
-            </a:r>
-            <a:endParaRPr lang="de-CH" smtClean="0"/>
-          </a:p>
-          <a:p>
-            <a:r>
-              <a:rPr lang="de-CH"/>
-              <a:t>Doppelklicken Sie dann auf </a:t>
-            </a:r>
-            <a:r>
-              <a:rPr lang="de-CH" b="1" i="1" smtClean="0"/>
-              <a:t>'1_create_JSON.py'</a:t>
-            </a:r>
-          </a:p>
-          <a:p>
-            <a:r>
-              <a:rPr lang="de-CH" smtClean="0"/>
-              <a:t>Es passieren zwei Dinge:</a:t>
-            </a:r>
-          </a:p>
-          <a:p>
-            <a:pPr lvl="1">
-              <a:buFont typeface="+mj-lt"/>
-              <a:buAutoNum type="arabicPeriod"/>
-            </a:pPr>
-            <a:r>
-              <a:rPr lang="de-CH" smtClean="0"/>
-              <a:t>Eine schwarze Konsole öffnet sich und zeigt Daten an.</a:t>
-            </a:r>
-          </a:p>
-          <a:p>
-            <a:pPr lvl="1">
-              <a:buFont typeface="+mj-lt"/>
-              <a:buAutoNum type="arabicPeriod"/>
-            </a:pPr>
-            <a:r>
-              <a:rPr lang="de-CH" smtClean="0"/>
-              <a:t>Eine neue Datei wird geschrieben: </a:t>
-            </a:r>
-            <a:r>
-              <a:rPr lang="de-CH" b="1" i="1" smtClean="0"/>
-              <a:t>'results.json</a:t>
-            </a:r>
-            <a:r>
-              <a:rPr lang="de-CH" b="1" i="1" smtClean="0"/>
-              <a:t>'</a:t>
-            </a:r>
-            <a:r>
-              <a:rPr lang="de-CH" smtClean="0"/>
-              <a:t>. Diese Datei enthält alle Fragen, Antworten und automatischen Korrekturen.</a:t>
-            </a:r>
-            <a:endParaRPr lang="de-CH" b="1" i="1"/>
+      <p:pic>
+        <p:nvPicPr>
+          <p:cNvPr id="9218" name="Picture 2"/>
+          <p:cNvPicPr>
+            <a:picLocks noChangeAspect="1" noChangeArrowheads="1"/>
+          </p:cNvPicPr>
+          <p:nvPr/>
+        </p:nvPicPr>
+        <p:blipFill>
+          <a:blip r:embed="rId2">
+            <a:extLst>
+              <a:ext uri="{28A0092B-C50C-407E-A947-70E740481C1C}">
+                <a14:useLocalDpi xmlns:a14="http://schemas.microsoft.com/office/drawing/2010/main" val="0"/>
+              </a:ext>
+            </a:extLst>
+          </a:blip>
+          <a:srcRect/>
+          <a:stretch>
+            <a:fillRect/>
+          </a:stretch>
+        </p:blipFill>
+        <p:spPr bwMode="auto">
+          <a:xfrm>
+            <a:off x="519113" y="3363838"/>
+            <a:ext cx="8105775" cy="1476375"/>
+          </a:xfrm>
+          <a:prstGeom prst="rect">
+            <a:avLst/>
+          </a:prstGeom>
+          <a:noFill/>
+          <a:ln>
+            <a:noFill/>
+          </a:ln>
+          <a:extLst>
+            <a:ext uri="{909E8E84-426E-40DD-AFC4-6F175D3DCCD1}">
+              <a14:hiddenFill xmlns:a14="http://schemas.microsoft.com/office/drawing/2010/main">
+                <a:solidFill>
+                  <a:schemeClr val="accent1"/>
+                </a:solidFill>
+              </a14:hiddenFill>
+            </a:ext>
+            <a:ext uri="{91240B29-F687-4F45-9708-019B960494DF}">
+              <a14:hiddenLine xmlns:a14="http://schemas.microsoft.com/office/drawing/2010/main" w="9525">
+                <a:solidFill>
+                  <a:schemeClr val="tx1"/>
+                </a:solidFill>
+                <a:miter lim="800000"/>
+                <a:headEnd/>
+                <a:tailEnd/>
+              </a14:hiddenLine>
+            </a:ext>
+          </a:extLst>
+        </p:spPr>
+      </p:pic>
+      <p:sp>
+        <p:nvSpPr>
+          <p:cNvPr id="6" name="Pfeil nach rechts 5"/>
+          <p:cNvSpPr/>
+          <p:nvPr/>
+        </p:nvSpPr>
+        <p:spPr>
+          <a:xfrm rot="20052889">
+            <a:off x="2538305" y="4594728"/>
+            <a:ext cx="792088" cy="432048"/>
+          </a:xfrm>
+          <a:prstGeom prst="rightArrow">
+            <a:avLst>
+              <a:gd name="adj1" fmla="val 50000"/>
+              <a:gd name="adj2" fmla="val 44900"/>
+            </a:avLst>
+          </a:prstGeom>
+        </p:spPr>
+        <p:style>
+          <a:lnRef idx="1">
+            <a:schemeClr val="accent2"/>
+          </a:lnRef>
+          <a:fillRef idx="3">
+            <a:schemeClr val="accent2"/>
+          </a:fillRef>
+          <a:effectRef idx="2">
+            <a:schemeClr val="accent2"/>
+          </a:effectRef>
+          <a:fontRef idx="minor">
+            <a:schemeClr val="lt1"/>
+          </a:fontRef>
+        </p:style>
+        <p:txBody>
+          <a:bodyPr rtlCol="0" anchor="ctr"/>
+          <a:lstStyle/>
+          <a:p>
+            <a:pPr algn="ctr"/>
+            <a:endParaRPr lang="de-CH"/>
           </a:p>
         </p:txBody>
       </p:sp>
     </p:spTree>
     <p:extLst>
       <p:ext uri="{BB962C8B-B14F-4D97-AF65-F5344CB8AC3E}">
-        <p14:creationId xmlns:p14="http://schemas.microsoft.com/office/powerpoint/2010/main" val="1381894376"/>
+        <p14:creationId xmlns:p14="http://schemas.microsoft.com/office/powerpoint/2010/main" val="3482854451"/>
       </p:ext>
     </p:extLst>
   </p:cSld>
@@ -3815,12 +3954,14 @@
         </p:nvSpPr>
         <p:spPr/>
         <p:txBody>
-          <a:bodyPr/>
-          <a:lstStyle/>
-          <a:p>
-            <a:r>
-              <a:rPr lang="de-CH" smtClean="0"/>
-              <a:t>2. Schritt: Automatische Korrektur</a:t>
+          <a:bodyPr>
+            <a:normAutofit fontScale="90000"/>
+          </a:bodyPr>
+          <a:lstStyle/>
+          <a:p>
+            <a:r>
+              <a:rPr lang="de-CH" smtClean="0"/>
+              <a:t>2. Schritt Halbautomatische Korrektur</a:t>
             </a:r>
             <a:endParaRPr lang="de-CH"/>
           </a:p>
@@ -3838,61 +3979,112 @@
         </p:nvSpPr>
         <p:spPr>
           <a:xfrm>
-            <a:off x="457200" y="1200151"/>
-            <a:ext cx="3970784" cy="3394472"/>
+            <a:off x="457200" y="1200150"/>
+            <a:ext cx="8229600" cy="3747863"/>
           </a:xfrm>
         </p:spPr>
         <p:txBody>
           <a:bodyPr>
-            <a:normAutofit lnSpcReduction="10000"/>
+            <a:normAutofit/>
           </a:bodyPr>
           <a:lstStyle/>
           <a:p>
             <a:r>
               <a:rPr lang="de-CH" smtClean="0"/>
-              <a:t>In der Konsole werden Informationen für alle Fragen dargestellt.</a:t>
-            </a:r>
-          </a:p>
-          <a:p>
-            <a:r>
-              <a:rPr lang="de-CH" smtClean="0"/>
-              <a:t>Die Nummerierung der Fragen entspricht den OLAT-internen Nummern. Die sind etwas lang.</a:t>
-            </a:r>
-          </a:p>
-          <a:p>
-            <a:r>
-              <a:rPr lang="de-CH" smtClean="0"/>
-              <a:t>Für Jede Frage wird unter </a:t>
+              <a:t>Führen Sie das Skript </a:t>
             </a:r>
             <a:r>
               <a:rPr lang="de-CH" b="1" i="1" smtClean="0"/>
-              <a:t>'Ans:'</a:t>
-            </a:r>
-            <a:r>
-              <a:rPr lang="de-CH" smtClean="0"/>
-              <a:t> eine Liste der Antworten angegeben. Prüfen Sie, ob für jede Frage Antworten vorhanden sind</a:t>
-            </a:r>
-            <a:r>
-              <a:rPr lang="de-CH" smtClean="0"/>
-              <a:t>.</a:t>
-            </a:r>
-          </a:p>
-          <a:p>
-            <a:r>
-              <a:rPr lang="de-CH" smtClean="0"/>
-              <a:t>Falls etwas nicht stimmt: Schritt 1 und 2 wiederholen.</a:t>
-            </a:r>
-            <a:endParaRPr lang="de-CH" smtClean="0"/>
-          </a:p>
-        </p:txBody>
-      </p:sp>
+              <a:t>All_In.py*</a:t>
+            </a:r>
+            <a:r>
+              <a:rPr lang="de-CH" smtClean="0"/>
+              <a:t> oder das Windows-Executable </a:t>
+            </a:r>
+            <a:r>
+              <a:rPr lang="de-CH" b="1" i="1" smtClean="0"/>
+              <a:t>Korrektur.exe</a:t>
+            </a:r>
+            <a:r>
+              <a:rPr lang="de-CH" smtClean="0"/>
+              <a:t> aus.</a:t>
+            </a:r>
+          </a:p>
+          <a:p>
+            <a:r>
+              <a:rPr lang="de-CH" smtClean="0"/>
+              <a:t>Falls Sie die korrekten Antworten in einer Datei namens 'Eingabe.xls' gespeichert haben, wird automatisch die Antwort des ersten Kandidaten für die erste Frage geladen.</a:t>
+            </a:r>
+          </a:p>
+          <a:p>
+            <a:r>
+              <a:rPr lang="de-CH" smtClean="0"/>
+              <a:t>Falls Sie die korrekten Antworten in eine andere Datei gespeichert haben, wird nach dem Dateinamen gefragt.</a:t>
+            </a:r>
+          </a:p>
+          <a:p>
+            <a:endParaRPr lang="de-CH"/>
+          </a:p>
+          <a:p>
+            <a:r>
+              <a:rPr lang="de-CH" smtClean="0"/>
+              <a:t>Das Programm korrigiert alle Antworten automatisch, für welche eine automatische Korrektur möglich ist. Für die anderen wird eine manuelle Eingabe benötigt.</a:t>
+            </a:r>
+          </a:p>
+          <a:p>
+            <a:endParaRPr lang="de-CH"/>
+          </a:p>
+          <a:p>
+            <a:pPr marL="0" indent="0">
+              <a:buNone/>
+            </a:pPr>
+            <a:r>
+              <a:rPr lang="de-CH" i="1" smtClean="0"/>
+              <a:t>*) All_In.py benötigt das Paket fpdf, sonst lädt es nicht.</a:t>
+            </a:r>
+            <a:endParaRPr lang="de-CH" i="1"/>
+          </a:p>
+        </p:txBody>
+      </p:sp>
+    </p:spTree>
+    <p:extLst>
+      <p:ext uri="{BB962C8B-B14F-4D97-AF65-F5344CB8AC3E}">
+        <p14:creationId xmlns:p14="http://schemas.microsoft.com/office/powerpoint/2010/main" val="3817344023"/>
+      </p:ext>
+    </p:extLst>
+  </p:cSld>
+  <p:clrMapOvr>
+    <a:masterClrMapping/>
+  </p:clrMapOvr>
+</p:sld>
+</file>
+
+<file path=ppt/slides/slide14.xml><?xml version="1.0" encoding="utf-8"?>
+<p:sld xmlns:a="http://schemas.openxmlformats.org/drawingml/2006/main" xmlns:r="http://schemas.openxmlformats.org/officeDocument/2006/relationships" xmlns:p="http://schemas.openxmlformats.org/presentationml/2006/main">
+  <p:cSld>
+    <p:spTree>
+      <p:nvGrpSpPr>
+        <p:cNvPr id="1" name=""/>
+        <p:cNvGrpSpPr/>
+        <p:nvPr/>
+      </p:nvGrpSpPr>
+      <p:grpSpPr>
+        <a:xfrm>
+          <a:off x="0" y="0"/>
+          <a:ext cx="0" cy="0"/>
+          <a:chOff x="0" y="0"/>
+          <a:chExt cx="0" cy="0"/>
+        </a:xfrm>
+      </p:grpSpPr>
       <p:pic>
         <p:nvPicPr>
-          <p:cNvPr id="10242" name="Picture 2"/>
+          <p:cNvPr id="11266" name="Picture 2"/>
           <p:cNvPicPr>
-            <a:picLocks noChangeAspect="1" noChangeArrowheads="1"/>
+            <a:picLocks noGrp="1" noChangeAspect="1" noChangeArrowheads="1"/>
           </p:cNvPicPr>
-          <p:nvPr/>
+          <p:nvPr>
+            <p:ph idx="1"/>
+          </p:nvPr>
         </p:nvPicPr>
         <p:blipFill>
           <a:blip r:embed="rId2">
@@ -3909,8 +4101,8 @@
         </p:blipFill>
         <p:spPr bwMode="auto">
           <a:xfrm>
-            <a:off x="4640788" y="1059582"/>
-            <a:ext cx="4251692" cy="3910875"/>
+            <a:off x="1442482" y="1200150"/>
+            <a:ext cx="6259035" cy="3394075"/>
           </a:xfrm>
           <a:prstGeom prst="rect">
             <a:avLst/>
@@ -3940,127 +4132,364 @@
           </a:extLst>
         </p:spPr>
       </p:pic>
+      <p:sp>
+        <p:nvSpPr>
+          <p:cNvPr id="5" name="Rechteckige Legende 4"/>
+          <p:cNvSpPr/>
+          <p:nvPr/>
+        </p:nvSpPr>
+        <p:spPr>
+          <a:xfrm>
+            <a:off x="0" y="699542"/>
+            <a:ext cx="1656184" cy="432048"/>
+          </a:xfrm>
+          <a:prstGeom prst="wedgeRectCallout">
+            <a:avLst>
+              <a:gd name="adj1" fmla="val 47963"/>
+              <a:gd name="adj2" fmla="val 114136"/>
+            </a:avLst>
+          </a:prstGeom>
+        </p:spPr>
+        <p:style>
+          <a:lnRef idx="1">
+            <a:schemeClr val="accent3"/>
+          </a:lnRef>
+          <a:fillRef idx="2">
+            <a:schemeClr val="accent3"/>
+          </a:fillRef>
+          <a:effectRef idx="1">
+            <a:schemeClr val="accent3"/>
+          </a:effectRef>
+          <a:fontRef idx="minor">
+            <a:schemeClr val="dk1"/>
+          </a:fontRef>
+        </p:style>
+        <p:txBody>
+          <a:bodyPr rtlCol="0" anchor="ctr"/>
+          <a:lstStyle/>
+          <a:p>
+            <a:pPr algn="ctr"/>
+            <a:r>
+              <a:rPr lang="de-CH" sz="1400" smtClean="0"/>
+              <a:t>Frage auswählen</a:t>
+            </a:r>
+            <a:endParaRPr lang="de-CH" sz="1400"/>
+          </a:p>
+        </p:txBody>
+      </p:sp>
+      <p:sp>
+        <p:nvSpPr>
+          <p:cNvPr id="6" name="Rechteckige Legende 5"/>
+          <p:cNvSpPr/>
+          <p:nvPr/>
+        </p:nvSpPr>
+        <p:spPr>
+          <a:xfrm>
+            <a:off x="395536" y="4371950"/>
+            <a:ext cx="1656184" cy="432048"/>
+          </a:xfrm>
+          <a:prstGeom prst="wedgeRectCallout">
+            <a:avLst>
+              <a:gd name="adj1" fmla="val 73906"/>
+              <a:gd name="adj2" fmla="val -26110"/>
+            </a:avLst>
+          </a:prstGeom>
+        </p:spPr>
+        <p:style>
+          <a:lnRef idx="1">
+            <a:schemeClr val="accent3"/>
+          </a:lnRef>
+          <a:fillRef idx="2">
+            <a:schemeClr val="accent3"/>
+          </a:fillRef>
+          <a:effectRef idx="1">
+            <a:schemeClr val="accent3"/>
+          </a:effectRef>
+          <a:fontRef idx="minor">
+            <a:schemeClr val="dk1"/>
+          </a:fontRef>
+        </p:style>
+        <p:txBody>
+          <a:bodyPr rtlCol="0" anchor="ctr"/>
+          <a:lstStyle/>
+          <a:p>
+            <a:pPr algn="ctr"/>
+            <a:r>
+              <a:rPr lang="de-CH" sz="1400" smtClean="0"/>
+              <a:t>Vorheriger Kandidat</a:t>
+            </a:r>
+            <a:endParaRPr lang="de-CH" sz="1400"/>
+          </a:p>
+        </p:txBody>
+      </p:sp>
+      <p:sp>
+        <p:nvSpPr>
+          <p:cNvPr id="7" name="Rechteckige Legende 6"/>
+          <p:cNvSpPr/>
+          <p:nvPr/>
+        </p:nvSpPr>
+        <p:spPr>
+          <a:xfrm>
+            <a:off x="7020272" y="4447876"/>
+            <a:ext cx="1656184" cy="432048"/>
+          </a:xfrm>
+          <a:prstGeom prst="wedgeRectCallout">
+            <a:avLst>
+              <a:gd name="adj1" fmla="val -74432"/>
+              <a:gd name="adj2" fmla="val -33759"/>
+            </a:avLst>
+          </a:prstGeom>
+        </p:spPr>
+        <p:style>
+          <a:lnRef idx="1">
+            <a:schemeClr val="accent3"/>
+          </a:lnRef>
+          <a:fillRef idx="2">
+            <a:schemeClr val="accent3"/>
+          </a:fillRef>
+          <a:effectRef idx="1">
+            <a:schemeClr val="accent3"/>
+          </a:effectRef>
+          <a:fontRef idx="minor">
+            <a:schemeClr val="dk1"/>
+          </a:fontRef>
+        </p:style>
+        <p:txBody>
+          <a:bodyPr rtlCol="0" anchor="ctr"/>
+          <a:lstStyle/>
+          <a:p>
+            <a:pPr algn="ctr"/>
+            <a:r>
+              <a:rPr lang="de-CH" sz="1400" smtClean="0"/>
+              <a:t>Nächster Kandidat</a:t>
+            </a:r>
+            <a:endParaRPr lang="de-CH" sz="1400"/>
+          </a:p>
+        </p:txBody>
+      </p:sp>
+      <p:sp>
+        <p:nvSpPr>
+          <p:cNvPr id="8" name="Rechteckige Legende 7"/>
+          <p:cNvSpPr/>
+          <p:nvPr/>
+        </p:nvSpPr>
+        <p:spPr>
+          <a:xfrm>
+            <a:off x="6876256" y="2211710"/>
+            <a:ext cx="2016224" cy="864096"/>
+          </a:xfrm>
+          <a:prstGeom prst="wedgeRectCallout">
+            <a:avLst>
+              <a:gd name="adj1" fmla="val -93818"/>
+              <a:gd name="adj2" fmla="val 65688"/>
+            </a:avLst>
+          </a:prstGeom>
+        </p:spPr>
+        <p:style>
+          <a:lnRef idx="1">
+            <a:schemeClr val="accent3"/>
+          </a:lnRef>
+          <a:fillRef idx="2">
+            <a:schemeClr val="accent3"/>
+          </a:fillRef>
+          <a:effectRef idx="1">
+            <a:schemeClr val="accent3"/>
+          </a:effectRef>
+          <a:fontRef idx="minor">
+            <a:schemeClr val="dk1"/>
+          </a:fontRef>
+        </p:style>
+        <p:txBody>
+          <a:bodyPr rtlCol="0" anchor="ctr"/>
+          <a:lstStyle/>
+          <a:p>
+            <a:pPr algn="ctr"/>
+            <a:r>
+              <a:rPr lang="de-CH" sz="1400" smtClean="0"/>
+              <a:t>Punkte vergeben </a:t>
+            </a:r>
+          </a:p>
+          <a:p>
+            <a:pPr algn="ctr"/>
+            <a:r>
+              <a:rPr lang="de-CH" sz="1400" smtClean="0"/>
+              <a:t>(evtl. sind schon automatisch vergebene Punkte notiert)</a:t>
+            </a:r>
+            <a:endParaRPr lang="de-CH" sz="1400"/>
+          </a:p>
+        </p:txBody>
+      </p:sp>
+      <p:sp>
+        <p:nvSpPr>
+          <p:cNvPr id="9" name="Rechteckige Legende 8"/>
+          <p:cNvSpPr/>
+          <p:nvPr/>
+        </p:nvSpPr>
+        <p:spPr>
+          <a:xfrm>
+            <a:off x="-28545" y="3075806"/>
+            <a:ext cx="2016224" cy="1080120"/>
+          </a:xfrm>
+          <a:prstGeom prst="wedgeRectCallout">
+            <a:avLst>
+              <a:gd name="adj1" fmla="val 67920"/>
+              <a:gd name="adj2" fmla="val -4690"/>
+            </a:avLst>
+          </a:prstGeom>
+        </p:spPr>
+        <p:style>
+          <a:lnRef idx="1">
+            <a:schemeClr val="accent3"/>
+          </a:lnRef>
+          <a:fillRef idx="2">
+            <a:schemeClr val="accent3"/>
+          </a:fillRef>
+          <a:effectRef idx="1">
+            <a:schemeClr val="accent3"/>
+          </a:effectRef>
+          <a:fontRef idx="minor">
+            <a:schemeClr val="dk1"/>
+          </a:fontRef>
+        </p:style>
+        <p:txBody>
+          <a:bodyPr rtlCol="0" anchor="ctr"/>
+          <a:lstStyle/>
+          <a:p>
+            <a:pPr algn="ctr"/>
+            <a:r>
+              <a:rPr lang="de-CH" sz="1400" smtClean="0"/>
+              <a:t>Gründe für Punktabzug eintragen.</a:t>
+            </a:r>
+          </a:p>
+          <a:p>
+            <a:pPr algn="ctr"/>
+            <a:r>
+              <a:rPr lang="de-CH" sz="1400" smtClean="0"/>
+              <a:t>Wird für die Prüfungseinsicht verwendet.</a:t>
+            </a:r>
+            <a:endParaRPr lang="de-CH" sz="1400"/>
+          </a:p>
+        </p:txBody>
+      </p:sp>
+      <p:sp>
+        <p:nvSpPr>
+          <p:cNvPr id="10" name="Rechteckige Legende 9"/>
+          <p:cNvSpPr/>
+          <p:nvPr/>
+        </p:nvSpPr>
+        <p:spPr>
+          <a:xfrm>
+            <a:off x="3923928" y="2499742"/>
+            <a:ext cx="2016224" cy="432048"/>
+          </a:xfrm>
+          <a:prstGeom prst="wedgeRectCallout">
+            <a:avLst>
+              <a:gd name="adj1" fmla="val -17866"/>
+              <a:gd name="adj2" fmla="val -87307"/>
+            </a:avLst>
+          </a:prstGeom>
+        </p:spPr>
+        <p:style>
+          <a:lnRef idx="1">
+            <a:schemeClr val="accent3"/>
+          </a:lnRef>
+          <a:fillRef idx="2">
+            <a:schemeClr val="accent3"/>
+          </a:fillRef>
+          <a:effectRef idx="1">
+            <a:schemeClr val="accent3"/>
+          </a:effectRef>
+          <a:fontRef idx="minor">
+            <a:schemeClr val="dk1"/>
+          </a:fontRef>
+        </p:style>
+        <p:txBody>
+          <a:bodyPr rtlCol="0" anchor="ctr"/>
+          <a:lstStyle/>
+          <a:p>
+            <a:pPr algn="ctr"/>
+            <a:r>
+              <a:rPr lang="de-CH" sz="1400" smtClean="0"/>
+              <a:t>Korrekte und gegebene Antwort zum Vergleich</a:t>
+            </a:r>
+            <a:endParaRPr lang="de-CH" sz="1400"/>
+          </a:p>
+        </p:txBody>
+      </p:sp>
+      <p:sp>
+        <p:nvSpPr>
+          <p:cNvPr id="11" name="Rechteckige Legende 10"/>
+          <p:cNvSpPr/>
+          <p:nvPr/>
+        </p:nvSpPr>
+        <p:spPr>
+          <a:xfrm>
+            <a:off x="6228184" y="1347614"/>
+            <a:ext cx="2016224" cy="432048"/>
+          </a:xfrm>
+          <a:prstGeom prst="wedgeRectCallout">
+            <a:avLst>
+              <a:gd name="adj1" fmla="val -83435"/>
+              <a:gd name="adj2" fmla="val -18459"/>
+            </a:avLst>
+          </a:prstGeom>
+        </p:spPr>
+        <p:style>
+          <a:lnRef idx="1">
+            <a:schemeClr val="accent3"/>
+          </a:lnRef>
+          <a:fillRef idx="2">
+            <a:schemeClr val="accent3"/>
+          </a:fillRef>
+          <a:effectRef idx="1">
+            <a:schemeClr val="accent3"/>
+          </a:effectRef>
+          <a:fontRef idx="minor">
+            <a:schemeClr val="dk1"/>
+          </a:fontRef>
+        </p:style>
+        <p:txBody>
+          <a:bodyPr rtlCol="0" anchor="ctr"/>
+          <a:lstStyle/>
+          <a:p>
+            <a:pPr algn="ctr"/>
+            <a:r>
+              <a:rPr lang="de-CH" sz="1400" smtClean="0"/>
+              <a:t>Übersicht und Schnellnavigation</a:t>
+            </a:r>
+            <a:endParaRPr lang="de-CH" sz="1400"/>
+          </a:p>
+        </p:txBody>
+      </p:sp>
+      <p:sp>
+        <p:nvSpPr>
+          <p:cNvPr id="12" name="Titel 1"/>
+          <p:cNvSpPr>
+            <a:spLocks noGrp="1"/>
+          </p:cNvSpPr>
+          <p:nvPr>
+            <p:ph type="title"/>
+          </p:nvPr>
+        </p:nvSpPr>
+        <p:spPr/>
+        <p:txBody>
+          <a:bodyPr>
+            <a:normAutofit fontScale="90000"/>
+          </a:bodyPr>
+          <a:lstStyle/>
+          <a:p>
+            <a:r>
+              <a:rPr lang="de-CH" smtClean="0"/>
+              <a:t>2. Schritt Halbautomatische Korrektur</a:t>
+            </a:r>
+            <a:endParaRPr lang="de-CH"/>
+          </a:p>
+        </p:txBody>
+      </p:sp>
     </p:spTree>
     <p:extLst>
       <p:ext uri="{BB962C8B-B14F-4D97-AF65-F5344CB8AC3E}">
-        <p14:creationId xmlns:p14="http://schemas.microsoft.com/office/powerpoint/2010/main" val="851257711"/>
-      </p:ext>
-    </p:extLst>
-  </p:cSld>
-  <p:clrMapOvr>
-    <a:masterClrMapping/>
-  </p:clrMapOvr>
-  <p:timing>
-    <p:tnLst>
-      <p:par>
-        <p:cTn id="1" dur="indefinite" restart="never" nodeType="tmRoot"/>
-      </p:par>
-    </p:tnLst>
-  </p:timing>
-</p:sld>
-</file>
-
-<file path=ppt/slides/slide14.xml><?xml version="1.0" encoding="utf-8"?>
-<p:sld xmlns:a="http://schemas.openxmlformats.org/drawingml/2006/main" xmlns:r="http://schemas.openxmlformats.org/officeDocument/2006/relationships" xmlns:p="http://schemas.openxmlformats.org/presentationml/2006/main">
-  <p:cSld>
-    <p:spTree>
-      <p:nvGrpSpPr>
-        <p:cNvPr id="1" name=""/>
-        <p:cNvGrpSpPr/>
-        <p:nvPr/>
-      </p:nvGrpSpPr>
-      <p:grpSpPr>
-        <a:xfrm>
-          <a:off x="0" y="0"/>
-          <a:ext cx="0" cy="0"/>
-          <a:chOff x="0" y="0"/>
-          <a:chExt cx="0" cy="0"/>
-        </a:xfrm>
-      </p:grpSpPr>
-      <p:sp>
-        <p:nvSpPr>
-          <p:cNvPr id="2" name="Titel 1"/>
-          <p:cNvSpPr>
-            <a:spLocks noGrp="1"/>
-          </p:cNvSpPr>
-          <p:nvPr>
-            <p:ph type="title"/>
-          </p:nvPr>
-        </p:nvSpPr>
-        <p:spPr/>
-        <p:txBody>
-          <a:bodyPr/>
-          <a:lstStyle/>
-          <a:p>
-            <a:r>
-              <a:rPr lang="de-CH" smtClean="0"/>
-              <a:t>3. Manuelle Korrektur</a:t>
-            </a:r>
-            <a:endParaRPr lang="de-CH"/>
-          </a:p>
-        </p:txBody>
-      </p:sp>
-      <p:sp>
-        <p:nvSpPr>
-          <p:cNvPr id="3" name="Inhaltsplatzhalter 2"/>
-          <p:cNvSpPr>
-            <a:spLocks noGrp="1"/>
-          </p:cNvSpPr>
-          <p:nvPr>
-            <p:ph idx="1"/>
-          </p:nvPr>
-        </p:nvSpPr>
-        <p:spPr/>
-        <p:txBody>
-          <a:bodyPr/>
-          <a:lstStyle/>
-          <a:p>
-            <a:r>
-              <a:rPr lang="de-CH" smtClean="0"/>
-              <a:t>Wenn nicht die ganze Prüfung MC oder KPRIM war, muss jetzt noch manuell nachcodiert werden.</a:t>
-            </a:r>
-          </a:p>
-          <a:p>
-            <a:r>
-              <a:rPr lang="de-CH"/>
-              <a:t>Doppelklicken Sie dafür auf </a:t>
-            </a:r>
-            <a:r>
-              <a:rPr lang="de-CH" smtClean="0"/>
-              <a:t>'2_Korrektur.py'</a:t>
-            </a:r>
-          </a:p>
-          <a:p>
-            <a:r>
-              <a:rPr lang="de-CH" smtClean="0"/>
-              <a:t>Es öffnet sich ein Dialogfenster, in welchem direkt die erste Antwort des ersten Teilnehmers erscheint.</a:t>
-            </a:r>
-          </a:p>
-          <a:p>
-            <a:r>
-              <a:rPr lang="de-CH" smtClean="0"/>
-              <a:t>In diesem Dialogfenster kann </a:t>
-            </a:r>
-            <a:r>
-              <a:rPr lang="de-CH" smtClean="0"/>
-              <a:t>manuell </a:t>
-            </a:r>
-            <a:r>
-              <a:rPr lang="de-CH" smtClean="0"/>
-              <a:t>nachgearbeitet werden</a:t>
-            </a:r>
-            <a:r>
-              <a:rPr lang="de-CH" smtClean="0"/>
-              <a:t>. Es ist darauf ausgelegt, jeweils eine Frage für alle Teilnehmer zu korrigieren. So kann man immer dieselbe Antwort korrigieren und ist schneller und unparteiisch.</a:t>
-            </a:r>
-            <a:endParaRPr lang="de-CH"/>
-          </a:p>
-        </p:txBody>
-      </p:sp>
-    </p:spTree>
-    <p:extLst>
-      <p:ext uri="{BB962C8B-B14F-4D97-AF65-F5344CB8AC3E}">
-        <p14:creationId xmlns:p14="http://schemas.microsoft.com/office/powerpoint/2010/main" val="1069125768"/>
+        <p14:creationId xmlns:p14="http://schemas.microsoft.com/office/powerpoint/2010/main" val="964570671"/>
       </p:ext>
     </p:extLst>
   </p:cSld>
@@ -4096,7 +4525,60 @@
       </p:grpSpPr>
       <p:sp>
         <p:nvSpPr>
-          <p:cNvPr id="2" name="Titel 1"/>
+          <p:cNvPr id="3" name="Inhaltsplatzhalter 2"/>
+          <p:cNvSpPr>
+            <a:spLocks noGrp="1"/>
+          </p:cNvSpPr>
+          <p:nvPr>
+            <p:ph idx="1"/>
+          </p:nvPr>
+        </p:nvSpPr>
+        <p:spPr>
+          <a:xfrm>
+            <a:off x="457200" y="1200150"/>
+            <a:ext cx="8229600" cy="3747863"/>
+          </a:xfrm>
+        </p:spPr>
+        <p:txBody>
+          <a:bodyPr>
+            <a:normAutofit lnSpcReduction="10000"/>
+          </a:bodyPr>
+          <a:lstStyle/>
+          <a:p>
+            <a:r>
+              <a:rPr lang="de-CH" smtClean="0"/>
+              <a:t>Im Korrekturfenster stellt man sich mit Vorteil eine Frage ein und blättert dann durch alle Prüflinge.</a:t>
+            </a:r>
+          </a:p>
+          <a:p>
+            <a:r>
+              <a:rPr lang="de-CH" smtClean="0"/>
+              <a:t>Falls bereits automatisch Punkte vergeben wurden, sind diese schon sichtbar. Sonst müssen Punkte vergeben werden.</a:t>
+            </a:r>
+          </a:p>
+          <a:p>
+            <a:r>
+              <a:rPr lang="de-CH" smtClean="0"/>
+              <a:t>Im Feld 'Bemerkungen' kann man Bemerkungen für die Prüfungseinsicht eingeben (z.B: "Nur Tippfehler, kein Abzug" oder "Falscher Begriff"). Manchmal sind durch die automatische Korrektur schon Bemerkungen erstellt worden, die bei der Punktevergabe helfen.</a:t>
+            </a:r>
+          </a:p>
+          <a:p>
+            <a:r>
+              <a:rPr lang="de-CH" smtClean="0"/>
+              <a:t>Ist man sich unsicher, kann man mit einem Häkchen bei 'Bitte checken!' diese Klausur für eine spätere Überprüfung vormerken.</a:t>
+            </a:r>
+          </a:p>
+          <a:p>
+            <a:r>
+              <a:rPr lang="de-CH" smtClean="0"/>
+              <a:t>Klickt man auf 'Speichern' oder den nächsten oder vorherigen Kandidaten, so wird automatisch die aktuelle Seite (Punktzahl und Bemerkungen) gespeichert und in einer Datei abgelegt.</a:t>
+            </a:r>
+          </a:p>
+        </p:txBody>
+      </p:sp>
+      <p:sp>
+        <p:nvSpPr>
+          <p:cNvPr id="5" name="Titel 1"/>
           <p:cNvSpPr>
             <a:spLocks noGrp="1"/>
           </p:cNvSpPr>
@@ -4106,406 +4588,23 @@
         </p:nvSpPr>
         <p:spPr/>
         <p:txBody>
-          <a:bodyPr/>
-          <a:lstStyle/>
-          <a:p>
-            <a:r>
-              <a:rPr lang="de-CH" smtClean="0"/>
-              <a:t>3. Manuelle Korrektur</a:t>
+          <a:bodyPr>
+            <a:normAutofit fontScale="90000"/>
+          </a:bodyPr>
+          <a:lstStyle/>
+          <a:p>
+            <a:r>
+              <a:rPr lang="de-CH" smtClean="0"/>
+              <a:t>2. Schritt Halbautomatische Korrektur</a:t>
             </a:r>
             <a:endParaRPr lang="de-CH"/>
-          </a:p>
-        </p:txBody>
-      </p:sp>
-      <p:pic>
-        <p:nvPicPr>
-          <p:cNvPr id="11266" name="Picture 2"/>
-          <p:cNvPicPr>
-            <a:picLocks noGrp="1" noChangeAspect="1" noChangeArrowheads="1"/>
-          </p:cNvPicPr>
-          <p:nvPr>
-            <p:ph idx="1"/>
-          </p:nvPr>
-        </p:nvPicPr>
-        <p:blipFill>
-          <a:blip r:embed="rId2">
-            <a:extLst>
-              <a:ext uri="{28A0092B-C50C-407E-A947-70E740481C1C}">
-                <a14:useLocalDpi xmlns:a14="http://schemas.microsoft.com/office/drawing/2010/main" val="0"/>
-              </a:ext>
-            </a:extLst>
-          </a:blip>
-          <a:srcRect/>
-          <a:stretch>
-            <a:fillRect/>
-          </a:stretch>
-        </p:blipFill>
-        <p:spPr bwMode="auto">
-          <a:xfrm>
-            <a:off x="1442482" y="1200150"/>
-            <a:ext cx="6259035" cy="3394075"/>
-          </a:xfrm>
-          <a:prstGeom prst="rect">
-            <a:avLst/>
-          </a:prstGeom>
-          <a:noFill/>
-          <a:ln>
-            <a:noFill/>
-          </a:ln>
-          <a:extLst>
-            <a:ext uri="{909E8E84-426E-40DD-AFC4-6F175D3DCCD1}">
-              <a14:hiddenFill xmlns:a14="http://schemas.microsoft.com/office/drawing/2010/main">
-                <a:solidFill>
-                  <a:schemeClr val="accent1"/>
-                </a:solidFill>
-              </a14:hiddenFill>
-            </a:ext>
-            <a:ext uri="{91240B29-F687-4F45-9708-019B960494DF}">
-              <a14:hiddenLine xmlns:a14="http://schemas.microsoft.com/office/drawing/2010/main" w="9525">
-                <a:solidFill>
-                  <a:schemeClr val="tx1"/>
-                </a:solidFill>
-                <a:miter lim="800000"/>
-                <a:headEnd/>
-                <a:tailEnd/>
-              </a14:hiddenLine>
-            </a:ext>
-          </a:extLst>
-        </p:spPr>
-      </p:pic>
-      <p:sp>
-        <p:nvSpPr>
-          <p:cNvPr id="5" name="Rechteckige Legende 4"/>
-          <p:cNvSpPr/>
-          <p:nvPr/>
-        </p:nvSpPr>
-        <p:spPr>
-          <a:xfrm>
-            <a:off x="0" y="699542"/>
-            <a:ext cx="1656184" cy="432048"/>
-          </a:xfrm>
-          <a:prstGeom prst="wedgeRectCallout">
-            <a:avLst>
-              <a:gd name="adj1" fmla="val 47963"/>
-              <a:gd name="adj2" fmla="val 114136"/>
-            </a:avLst>
-          </a:prstGeom>
-        </p:spPr>
-        <p:style>
-          <a:lnRef idx="1">
-            <a:schemeClr val="accent3"/>
-          </a:lnRef>
-          <a:fillRef idx="2">
-            <a:schemeClr val="accent3"/>
-          </a:fillRef>
-          <a:effectRef idx="1">
-            <a:schemeClr val="accent3"/>
-          </a:effectRef>
-          <a:fontRef idx="minor">
-            <a:schemeClr val="dk1"/>
-          </a:fontRef>
-        </p:style>
-        <p:txBody>
-          <a:bodyPr rtlCol="0" anchor="ctr"/>
-          <a:lstStyle/>
-          <a:p>
-            <a:pPr algn="ctr"/>
-            <a:r>
-              <a:rPr lang="de-CH" sz="1400" smtClean="0"/>
-              <a:t>Frage auswählen</a:t>
-            </a:r>
-            <a:endParaRPr lang="de-CH" sz="1400"/>
-          </a:p>
-        </p:txBody>
-      </p:sp>
-      <p:sp>
-        <p:nvSpPr>
-          <p:cNvPr id="6" name="Rechteckige Legende 5"/>
-          <p:cNvSpPr/>
-          <p:nvPr/>
-        </p:nvSpPr>
-        <p:spPr>
-          <a:xfrm>
-            <a:off x="395536" y="4371950"/>
-            <a:ext cx="1656184" cy="432048"/>
-          </a:xfrm>
-          <a:prstGeom prst="wedgeRectCallout">
-            <a:avLst>
-              <a:gd name="adj1" fmla="val 73906"/>
-              <a:gd name="adj2" fmla="val -26110"/>
-            </a:avLst>
-          </a:prstGeom>
-        </p:spPr>
-        <p:style>
-          <a:lnRef idx="1">
-            <a:schemeClr val="accent3"/>
-          </a:lnRef>
-          <a:fillRef idx="2">
-            <a:schemeClr val="accent3"/>
-          </a:fillRef>
-          <a:effectRef idx="1">
-            <a:schemeClr val="accent3"/>
-          </a:effectRef>
-          <a:fontRef idx="minor">
-            <a:schemeClr val="dk1"/>
-          </a:fontRef>
-        </p:style>
-        <p:txBody>
-          <a:bodyPr rtlCol="0" anchor="ctr"/>
-          <a:lstStyle/>
-          <a:p>
-            <a:pPr algn="ctr"/>
-            <a:r>
-              <a:rPr lang="de-CH" sz="1400" smtClean="0"/>
-              <a:t>Vorheriger Kandidat</a:t>
-            </a:r>
-            <a:endParaRPr lang="de-CH" sz="1400"/>
-          </a:p>
-        </p:txBody>
-      </p:sp>
-      <p:sp>
-        <p:nvSpPr>
-          <p:cNvPr id="7" name="Rechteckige Legende 6"/>
-          <p:cNvSpPr/>
-          <p:nvPr/>
-        </p:nvSpPr>
-        <p:spPr>
-          <a:xfrm>
-            <a:off x="7020272" y="4447876"/>
-            <a:ext cx="1656184" cy="432048"/>
-          </a:xfrm>
-          <a:prstGeom prst="wedgeRectCallout">
-            <a:avLst>
-              <a:gd name="adj1" fmla="val -74432"/>
-              <a:gd name="adj2" fmla="val -33759"/>
-            </a:avLst>
-          </a:prstGeom>
-        </p:spPr>
-        <p:style>
-          <a:lnRef idx="1">
-            <a:schemeClr val="accent3"/>
-          </a:lnRef>
-          <a:fillRef idx="2">
-            <a:schemeClr val="accent3"/>
-          </a:fillRef>
-          <a:effectRef idx="1">
-            <a:schemeClr val="accent3"/>
-          </a:effectRef>
-          <a:fontRef idx="minor">
-            <a:schemeClr val="dk1"/>
-          </a:fontRef>
-        </p:style>
-        <p:txBody>
-          <a:bodyPr rtlCol="0" anchor="ctr"/>
-          <a:lstStyle/>
-          <a:p>
-            <a:pPr algn="ctr"/>
-            <a:r>
-              <a:rPr lang="de-CH" sz="1400" smtClean="0"/>
-              <a:t>Nächster Kandidat</a:t>
-            </a:r>
-            <a:endParaRPr lang="de-CH" sz="1400"/>
-          </a:p>
-        </p:txBody>
-      </p:sp>
-      <p:sp>
-        <p:nvSpPr>
-          <p:cNvPr id="8" name="Rechteckige Legende 7"/>
-          <p:cNvSpPr/>
-          <p:nvPr/>
-        </p:nvSpPr>
-        <p:spPr>
-          <a:xfrm>
-            <a:off x="6876256" y="2211710"/>
-            <a:ext cx="2016224" cy="864096"/>
-          </a:xfrm>
-          <a:prstGeom prst="wedgeRectCallout">
-            <a:avLst>
-              <a:gd name="adj1" fmla="val -93818"/>
-              <a:gd name="adj2" fmla="val 65688"/>
-            </a:avLst>
-          </a:prstGeom>
-        </p:spPr>
-        <p:style>
-          <a:lnRef idx="1">
-            <a:schemeClr val="accent3"/>
-          </a:lnRef>
-          <a:fillRef idx="2">
-            <a:schemeClr val="accent3"/>
-          </a:fillRef>
-          <a:effectRef idx="1">
-            <a:schemeClr val="accent3"/>
-          </a:effectRef>
-          <a:fontRef idx="minor">
-            <a:schemeClr val="dk1"/>
-          </a:fontRef>
-        </p:style>
-        <p:txBody>
-          <a:bodyPr rtlCol="0" anchor="ctr"/>
-          <a:lstStyle/>
-          <a:p>
-            <a:pPr algn="ctr"/>
-            <a:r>
-              <a:rPr lang="de-CH" sz="1400" smtClean="0"/>
-              <a:t>Punkte vergeben </a:t>
-            </a:r>
-          </a:p>
-          <a:p>
-            <a:pPr algn="ctr"/>
-            <a:r>
-              <a:rPr lang="de-CH" sz="1400" smtClean="0"/>
-              <a:t>(evtl. sind schon automatisch vergebene Punkte notiert)</a:t>
-            </a:r>
-            <a:endParaRPr lang="de-CH" sz="1400"/>
-          </a:p>
-        </p:txBody>
-      </p:sp>
-      <p:sp>
-        <p:nvSpPr>
-          <p:cNvPr id="9" name="Rechteckige Legende 8"/>
-          <p:cNvSpPr/>
-          <p:nvPr/>
-        </p:nvSpPr>
-        <p:spPr>
-          <a:xfrm>
-            <a:off x="-28545" y="3075806"/>
-            <a:ext cx="2016224" cy="1080120"/>
-          </a:xfrm>
-          <a:prstGeom prst="wedgeRectCallout">
-            <a:avLst>
-              <a:gd name="adj1" fmla="val 67920"/>
-              <a:gd name="adj2" fmla="val -4690"/>
-            </a:avLst>
-          </a:prstGeom>
-        </p:spPr>
-        <p:style>
-          <a:lnRef idx="1">
-            <a:schemeClr val="accent3"/>
-          </a:lnRef>
-          <a:fillRef idx="2">
-            <a:schemeClr val="accent3"/>
-          </a:fillRef>
-          <a:effectRef idx="1">
-            <a:schemeClr val="accent3"/>
-          </a:effectRef>
-          <a:fontRef idx="minor">
-            <a:schemeClr val="dk1"/>
-          </a:fontRef>
-        </p:style>
-        <p:txBody>
-          <a:bodyPr rtlCol="0" anchor="ctr"/>
-          <a:lstStyle/>
-          <a:p>
-            <a:pPr algn="ctr"/>
-            <a:r>
-              <a:rPr lang="de-CH" sz="1400" smtClean="0"/>
-              <a:t>Gründe für Punktabzug eintragen.</a:t>
-            </a:r>
-          </a:p>
-          <a:p>
-            <a:pPr algn="ctr"/>
-            <a:r>
-              <a:rPr lang="de-CH" sz="1400" smtClean="0"/>
-              <a:t>Wird für die Prüfungseinsicht verwendet.</a:t>
-            </a:r>
-            <a:endParaRPr lang="de-CH" sz="1400"/>
-          </a:p>
-        </p:txBody>
-      </p:sp>
-      <p:sp>
-        <p:nvSpPr>
-          <p:cNvPr id="10" name="Rechteckige Legende 9"/>
-          <p:cNvSpPr/>
-          <p:nvPr/>
-        </p:nvSpPr>
-        <p:spPr>
-          <a:xfrm>
-            <a:off x="3923928" y="2499742"/>
-            <a:ext cx="2016224" cy="432048"/>
-          </a:xfrm>
-          <a:prstGeom prst="wedgeRectCallout">
-            <a:avLst>
-              <a:gd name="adj1" fmla="val -17866"/>
-              <a:gd name="adj2" fmla="val -87307"/>
-            </a:avLst>
-          </a:prstGeom>
-        </p:spPr>
-        <p:style>
-          <a:lnRef idx="1">
-            <a:schemeClr val="accent3"/>
-          </a:lnRef>
-          <a:fillRef idx="2">
-            <a:schemeClr val="accent3"/>
-          </a:fillRef>
-          <a:effectRef idx="1">
-            <a:schemeClr val="accent3"/>
-          </a:effectRef>
-          <a:fontRef idx="minor">
-            <a:schemeClr val="dk1"/>
-          </a:fontRef>
-        </p:style>
-        <p:txBody>
-          <a:bodyPr rtlCol="0" anchor="ctr"/>
-          <a:lstStyle/>
-          <a:p>
-            <a:pPr algn="ctr"/>
-            <a:r>
-              <a:rPr lang="de-CH" sz="1400" smtClean="0"/>
-              <a:t>Korrekte und gegebene Antwort zum Vergleich</a:t>
-            </a:r>
-            <a:endParaRPr lang="de-CH" sz="1400"/>
-          </a:p>
-        </p:txBody>
-      </p:sp>
-      <p:sp>
-        <p:nvSpPr>
-          <p:cNvPr id="11" name="Rechteckige Legende 10"/>
-          <p:cNvSpPr/>
-          <p:nvPr/>
-        </p:nvSpPr>
-        <p:spPr>
-          <a:xfrm>
-            <a:off x="6228184" y="1347614"/>
-            <a:ext cx="2016224" cy="432048"/>
-          </a:xfrm>
-          <a:prstGeom prst="wedgeRectCallout">
-            <a:avLst>
-              <a:gd name="adj1" fmla="val -83435"/>
-              <a:gd name="adj2" fmla="val -18459"/>
-            </a:avLst>
-          </a:prstGeom>
-        </p:spPr>
-        <p:style>
-          <a:lnRef idx="1">
-            <a:schemeClr val="accent3"/>
-          </a:lnRef>
-          <a:fillRef idx="2">
-            <a:schemeClr val="accent3"/>
-          </a:fillRef>
-          <a:effectRef idx="1">
-            <a:schemeClr val="accent3"/>
-          </a:effectRef>
-          <a:fontRef idx="minor">
-            <a:schemeClr val="dk1"/>
-          </a:fontRef>
-        </p:style>
-        <p:txBody>
-          <a:bodyPr rtlCol="0" anchor="ctr"/>
-          <a:lstStyle/>
-          <a:p>
-            <a:pPr algn="ctr"/>
-            <a:r>
-              <a:rPr lang="de-CH" sz="1400" smtClean="0"/>
-              <a:t>Übersicht und Schnellnavigation</a:t>
-            </a:r>
-            <a:endParaRPr lang="de-CH" sz="1400"/>
           </a:p>
         </p:txBody>
       </p:sp>
     </p:spTree>
     <p:extLst>
       <p:ext uri="{BB962C8B-B14F-4D97-AF65-F5344CB8AC3E}">
-        <p14:creationId xmlns:p14="http://schemas.microsoft.com/office/powerpoint/2010/main" val="4002153250"/>
+        <p14:creationId xmlns:p14="http://schemas.microsoft.com/office/powerpoint/2010/main" val="897418634"/>
       </p:ext>
     </p:extLst>
   </p:cSld>
@@ -4551,58 +4650,219 @@
         </p:nvSpPr>
         <p:spPr>
           <a:xfrm>
-            <a:off x="457200" y="1200150"/>
-            <a:ext cx="8229600" cy="3747863"/>
+            <a:off x="457200" y="987574"/>
+            <a:ext cx="8507288" cy="3607049"/>
           </a:xfrm>
         </p:spPr>
         <p:txBody>
           <a:bodyPr>
-            <a:normAutofit lnSpcReduction="10000"/>
+            <a:normAutofit/>
           </a:bodyPr>
           <a:lstStyle/>
           <a:p>
             <a:r>
-              <a:rPr lang="de-CH" smtClean="0"/>
-              <a:t>Im Korrekturfenster stellt man sich mit Vorteil eine Frage ein und blättert dann durch alle Prüflinge.</a:t>
-            </a:r>
-          </a:p>
-          <a:p>
-            <a:r>
-              <a:rPr lang="de-CH" smtClean="0"/>
-              <a:t>Falls bereits automatisch Punkte vergeben wurden, sind diese schon sichtbar. Sonst müssen Punkte vergeben werden.</a:t>
-            </a:r>
-          </a:p>
-          <a:p>
-            <a:r>
-              <a:rPr lang="de-CH" smtClean="0"/>
-              <a:t>Im Feld 'Bemerkungen' kann man Bemerkungen für die Prüfungseinsicht eingeben (z.B: "Nur Tippfehler, kein Abzug" oder "Falscher </a:t>
-            </a:r>
-            <a:r>
-              <a:rPr lang="de-CH" smtClean="0"/>
-              <a:t>Begriff"). </a:t>
-            </a:r>
-            <a:r>
-              <a:rPr lang="de-CH" smtClean="0"/>
-              <a:t>Manchmal sind durch die automatische Korrektur schon Bemerkungen erstellt worden, die bei der Punktevergabe helfen.</a:t>
-            </a:r>
-          </a:p>
-          <a:p>
-            <a:r>
-              <a:rPr lang="de-CH" smtClean="0"/>
-              <a:t>Ist man sich unsicher, kann man mit einem Häkchen bei 'Bitte checken!' diese Klausur für eine spätere Überprüfung vormerken.</a:t>
-            </a:r>
-          </a:p>
-          <a:p>
-            <a:r>
-              <a:rPr lang="de-CH" smtClean="0"/>
-              <a:t>Klickt man auf 'Speichern' oder den nächsten oder vorherigen Kandidaten, so wird automatisch die aktuelle Seite (Punktzahl und Bemerkungen) gespeichert und in einer Datei abgelegt.</a:t>
-            </a:r>
-          </a:p>
-        </p:txBody>
-      </p:sp>
-      <p:sp>
-        <p:nvSpPr>
-          <p:cNvPr id="4" name="Titel 1"/>
+              <a:rPr lang="de-CH" sz="1600" smtClean="0"/>
+              <a:t>Mit einem Klick auf 'Übersicht' öffnet sich ein neues Fenster. In den Zeilen sind die Fragen, in den Spalten die Kandidaten aufgetragen. Unten ist eine Billaufleiste, um links/rechts zu scrollen</a:t>
+            </a:r>
+          </a:p>
+          <a:p>
+            <a:r>
+              <a:rPr lang="de-CH" sz="1600" smtClean="0"/>
+              <a:t>Mit einem Klick auf eines der Felder springt man zu dieser Frage und diesem Kandidaten. Fährt man nur mit der Maus darüber, wird oberhalb die Frage/Kandiatennummer angezeigt</a:t>
+            </a:r>
+            <a:endParaRPr lang="de-CH" sz="1600"/>
+          </a:p>
+        </p:txBody>
+      </p:sp>
+      <p:pic>
+        <p:nvPicPr>
+          <p:cNvPr id="12290" name="Picture 2"/>
+          <p:cNvPicPr>
+            <a:picLocks noChangeAspect="1" noChangeArrowheads="1"/>
+          </p:cNvPicPr>
+          <p:nvPr/>
+        </p:nvPicPr>
+        <p:blipFill>
+          <a:blip r:embed="rId2">
+            <a:extLst>
+              <a:ext uri="{28A0092B-C50C-407E-A947-70E740481C1C}">
+                <a14:useLocalDpi xmlns:a14="http://schemas.microsoft.com/office/drawing/2010/main" val="0"/>
+              </a:ext>
+            </a:extLst>
+          </a:blip>
+          <a:srcRect/>
+          <a:stretch>
+            <a:fillRect/>
+          </a:stretch>
+        </p:blipFill>
+        <p:spPr bwMode="auto">
+          <a:xfrm>
+            <a:off x="179512" y="2067694"/>
+            <a:ext cx="7282266" cy="3075806"/>
+          </a:xfrm>
+          <a:prstGeom prst="rect">
+            <a:avLst/>
+          </a:prstGeom>
+          <a:noFill/>
+          <a:ln>
+            <a:noFill/>
+          </a:ln>
+          <a:extLst>
+            <a:ext uri="{909E8E84-426E-40DD-AFC4-6F175D3DCCD1}">
+              <a14:hiddenFill xmlns:a14="http://schemas.microsoft.com/office/drawing/2010/main">
+                <a:solidFill>
+                  <a:schemeClr val="accent1"/>
+                </a:solidFill>
+              </a14:hiddenFill>
+            </a:ext>
+            <a:ext uri="{91240B29-F687-4F45-9708-019B960494DF}">
+              <a14:hiddenLine xmlns:a14="http://schemas.microsoft.com/office/drawing/2010/main" w="9525">
+                <a:solidFill>
+                  <a:schemeClr val="tx1"/>
+                </a:solidFill>
+                <a:miter lim="800000"/>
+                <a:headEnd/>
+                <a:tailEnd/>
+              </a14:hiddenLine>
+            </a:ext>
+          </a:extLst>
+        </p:spPr>
+      </p:pic>
+      <p:sp>
+        <p:nvSpPr>
+          <p:cNvPr id="5" name="Rechteck 4"/>
+          <p:cNvSpPr/>
+          <p:nvPr/>
+        </p:nvSpPr>
+        <p:spPr>
+          <a:xfrm>
+            <a:off x="5364088" y="3651870"/>
+            <a:ext cx="3528392" cy="1296144"/>
+          </a:xfrm>
+          <a:prstGeom prst="rect">
+            <a:avLst/>
+          </a:prstGeom>
+        </p:spPr>
+        <p:style>
+          <a:lnRef idx="2">
+            <a:schemeClr val="dk1"/>
+          </a:lnRef>
+          <a:fillRef idx="1">
+            <a:schemeClr val="lt1"/>
+          </a:fillRef>
+          <a:effectRef idx="0">
+            <a:schemeClr val="dk1"/>
+          </a:effectRef>
+          <a:fontRef idx="minor">
+            <a:schemeClr val="dk1"/>
+          </a:fontRef>
+        </p:style>
+        <p:txBody>
+          <a:bodyPr rtlCol="0" anchor="ctr"/>
+          <a:lstStyle/>
+          <a:p>
+            <a:r>
+              <a:rPr lang="de-CH" sz="1600" b="1" smtClean="0"/>
+              <a:t>Legende:</a:t>
+            </a:r>
+          </a:p>
+          <a:p>
+            <a:r>
+              <a:rPr lang="de-CH" sz="1600" smtClean="0">
+                <a:ln>
+                  <a:solidFill>
+                    <a:schemeClr val="tx1"/>
+                  </a:solidFill>
+                </a:ln>
+                <a:solidFill>
+                  <a:srgbClr val="99FF99"/>
+                </a:solidFill>
+                <a:sym typeface="Wingdings"/>
+              </a:rPr>
+              <a:t></a:t>
+            </a:r>
+            <a:r>
+              <a:rPr lang="de-CH" sz="1600" smtClean="0">
+                <a:sym typeface="Wingdings"/>
+              </a:rPr>
+              <a:t> Automatisch korrigiert</a:t>
+            </a:r>
+          </a:p>
+          <a:p>
+            <a:r>
+              <a:rPr lang="de-CH" sz="1600">
+                <a:ln>
+                  <a:solidFill>
+                    <a:schemeClr val="tx1"/>
+                  </a:solidFill>
+                </a:ln>
+                <a:solidFill>
+                  <a:schemeClr val="accent2">
+                    <a:lumMod val="60000"/>
+                    <a:lumOff val="40000"/>
+                  </a:schemeClr>
+                </a:solidFill>
+                <a:sym typeface="Wingdings"/>
+              </a:rPr>
+              <a:t> </a:t>
+            </a:r>
+            <a:r>
+              <a:rPr lang="de-CH" sz="1600" smtClean="0">
+                <a:sym typeface="Wingdings"/>
+              </a:rPr>
+              <a:t>Noch nicht korrigiert</a:t>
+            </a:r>
+          </a:p>
+          <a:p>
+            <a:r>
+              <a:rPr lang="de-CH" sz="1600">
+                <a:ln>
+                  <a:solidFill>
+                    <a:schemeClr val="tx1"/>
+                  </a:solidFill>
+                </a:ln>
+                <a:solidFill>
+                  <a:srgbClr val="00FF00"/>
+                </a:solidFill>
+                <a:sym typeface="Wingdings"/>
+              </a:rPr>
+              <a:t> </a:t>
+            </a:r>
+            <a:r>
+              <a:rPr lang="de-CH" sz="1600" smtClean="0">
+                <a:sym typeface="Wingdings"/>
+              </a:rPr>
+              <a:t>Manuell korrigiert und bestätigt</a:t>
+            </a:r>
+          </a:p>
+          <a:p>
+            <a:r>
+              <a:rPr lang="de-CH" sz="1600">
+                <a:ln>
+                  <a:solidFill>
+                    <a:schemeClr val="tx1"/>
+                  </a:solidFill>
+                </a:ln>
+                <a:solidFill>
+                  <a:srgbClr val="FFFF00"/>
+                </a:solidFill>
+                <a:sym typeface="Wingdings"/>
+              </a:rPr>
+              <a:t> </a:t>
+            </a:r>
+            <a:r>
+              <a:rPr lang="de-CH" sz="1600" smtClean="0">
+                <a:sym typeface="Wingdings"/>
+              </a:rPr>
+              <a:t>Für Überprüfung vorgemerkt</a:t>
+            </a:r>
+            <a:endParaRPr lang="de-CH" sz="1600"/>
+          </a:p>
+        </p:txBody>
+      </p:sp>
+      <p:sp>
+        <p:nvSpPr>
+          <p:cNvPr id="8" name="Titel 1"/>
           <p:cNvSpPr>
             <a:spLocks noGrp="1"/>
           </p:cNvSpPr>
@@ -4612,12 +4872,14 @@
         </p:nvSpPr>
         <p:spPr/>
         <p:txBody>
-          <a:bodyPr/>
-          <a:lstStyle/>
-          <a:p>
-            <a:r>
-              <a:rPr lang="de-CH" smtClean="0"/>
-              <a:t>3. Manuelle Korrektur</a:t>
+          <a:bodyPr>
+            <a:normAutofit fontScale="90000"/>
+          </a:bodyPr>
+          <a:lstStyle/>
+          <a:p>
+            <a:r>
+              <a:rPr lang="de-CH" smtClean="0"/>
+              <a:t>2. Schritt Halbautomatische Korrektur</a:t>
             </a:r>
             <a:endParaRPr lang="de-CH"/>
           </a:p>
@@ -4626,7 +4888,7 @@
     </p:spTree>
     <p:extLst>
       <p:ext uri="{BB962C8B-B14F-4D97-AF65-F5344CB8AC3E}">
-        <p14:creationId xmlns:p14="http://schemas.microsoft.com/office/powerpoint/2010/main" val="3460759371"/>
+        <p14:creationId xmlns:p14="http://schemas.microsoft.com/office/powerpoint/2010/main" val="2079489425"/>
       </p:ext>
     </p:extLst>
   </p:cSld>
@@ -4670,254 +4932,68 @@
             <p:ph idx="1"/>
           </p:nvPr>
         </p:nvSpPr>
-        <p:spPr>
-          <a:xfrm>
-            <a:off x="457200" y="987574"/>
-            <a:ext cx="8507288" cy="3607049"/>
-          </a:xfrm>
-        </p:spPr>
+        <p:spPr/>
+        <p:txBody>
+          <a:bodyPr/>
+          <a:lstStyle/>
+          <a:p>
+            <a:r>
+              <a:rPr lang="de-CH" smtClean="0"/>
+              <a:t>Schon während der Korrektur sieht man, dass im Ordner eine neue Datei geschrieben wird. Sie trägt den Namen </a:t>
+            </a:r>
+            <a:r>
+              <a:rPr lang="de-CH" b="1" i="1" smtClean="0"/>
+              <a:t>'results_corr.json'</a:t>
+            </a:r>
+            <a:r>
+              <a:rPr lang="de-CH" smtClean="0"/>
+              <a:t> und enthält die korrigierten Resultate.</a:t>
+            </a:r>
+          </a:p>
+          <a:p>
+            <a:r>
+              <a:rPr lang="de-CH" smtClean="0"/>
+              <a:t>Schliesst man das Fenster zu irgend einem Zeitpunkt und öffnet es wieder, hat man wieder alle Daten. Mit jedem Klick auf den nächsten Prüfling oder eine andere Frage wird automatisch eine Sicherung gemacht.</a:t>
+            </a:r>
+          </a:p>
+          <a:p>
+            <a:r>
+              <a:rPr lang="de-CH" smtClean="0"/>
+              <a:t>Ist man mit korrigieren fertig (nur noch grün in der Übersicht), kann man das Tool schliessen.</a:t>
+            </a:r>
+            <a:endParaRPr lang="de-CH"/>
+          </a:p>
+        </p:txBody>
+      </p:sp>
+      <p:sp>
+        <p:nvSpPr>
+          <p:cNvPr id="5" name="Titel 1"/>
+          <p:cNvSpPr>
+            <a:spLocks noGrp="1"/>
+          </p:cNvSpPr>
+          <p:nvPr>
+            <p:ph type="title"/>
+          </p:nvPr>
+        </p:nvSpPr>
+        <p:spPr/>
         <p:txBody>
           <a:bodyPr>
-            <a:normAutofit/>
+            <a:normAutofit fontScale="90000"/>
           </a:bodyPr>
           <a:lstStyle/>
           <a:p>
             <a:r>
-              <a:rPr lang="de-CH" sz="1600" smtClean="0"/>
-              <a:t>Mit einem Klick auf 'Übersicht' öffnet sich ein neues Fenster. In den Zeilen sind die Fragen, in den Spalten die Kandidaten aufgetragen. Unten ist eine Billaufleiste, um links/rechts zu scrollen</a:t>
-            </a:r>
-          </a:p>
-          <a:p>
-            <a:r>
-              <a:rPr lang="de-CH" sz="1600" smtClean="0"/>
-              <a:t>Mit einem Klick auf eines der Felder springt man zu dieser Frage und diesem Kandidaten. Fährt man nur mit der Maus darüber, wird oberhalb die Frage/Kandiatennummer angezeigt</a:t>
-            </a:r>
-            <a:endParaRPr lang="de-CH" sz="1600"/>
-          </a:p>
-        </p:txBody>
-      </p:sp>
-      <p:sp>
-        <p:nvSpPr>
-          <p:cNvPr id="4" name="Titel 1"/>
-          <p:cNvSpPr>
-            <a:spLocks noGrp="1"/>
-          </p:cNvSpPr>
-          <p:nvPr>
-            <p:ph type="title"/>
-          </p:nvPr>
-        </p:nvSpPr>
-        <p:spPr/>
-        <p:txBody>
-          <a:bodyPr/>
-          <a:lstStyle/>
-          <a:p>
-            <a:r>
-              <a:rPr lang="de-CH" smtClean="0"/>
-              <a:t>3. Manuelle Korrektur</a:t>
+              <a:rPr lang="de-CH" smtClean="0"/>
+              <a:t>2. Schritt Halbautomatische Korrektur</a:t>
             </a:r>
             <a:endParaRPr lang="de-CH"/>
-          </a:p>
-        </p:txBody>
-      </p:sp>
-      <p:pic>
-        <p:nvPicPr>
-          <p:cNvPr id="12290" name="Picture 2"/>
-          <p:cNvPicPr>
-            <a:picLocks noChangeAspect="1" noChangeArrowheads="1"/>
-          </p:cNvPicPr>
-          <p:nvPr/>
-        </p:nvPicPr>
-        <p:blipFill>
-          <a:blip r:embed="rId2">
-            <a:extLst>
-              <a:ext uri="{28A0092B-C50C-407E-A947-70E740481C1C}">
-                <a14:useLocalDpi xmlns:a14="http://schemas.microsoft.com/office/drawing/2010/main" val="0"/>
-              </a:ext>
-            </a:extLst>
-          </a:blip>
-          <a:srcRect/>
-          <a:stretch>
-            <a:fillRect/>
-          </a:stretch>
-        </p:blipFill>
-        <p:spPr bwMode="auto">
-          <a:xfrm>
-            <a:off x="179512" y="2067694"/>
-            <a:ext cx="7282266" cy="3075806"/>
-          </a:xfrm>
-          <a:prstGeom prst="rect">
-            <a:avLst/>
-          </a:prstGeom>
-          <a:noFill/>
-          <a:ln>
-            <a:noFill/>
-          </a:ln>
-          <a:extLst>
-            <a:ext uri="{909E8E84-426E-40DD-AFC4-6F175D3DCCD1}">
-              <a14:hiddenFill xmlns:a14="http://schemas.microsoft.com/office/drawing/2010/main">
-                <a:solidFill>
-                  <a:schemeClr val="accent1"/>
-                </a:solidFill>
-              </a14:hiddenFill>
-            </a:ext>
-            <a:ext uri="{91240B29-F687-4F45-9708-019B960494DF}">
-              <a14:hiddenLine xmlns:a14="http://schemas.microsoft.com/office/drawing/2010/main" w="9525">
-                <a:solidFill>
-                  <a:schemeClr val="tx1"/>
-                </a:solidFill>
-                <a:miter lim="800000"/>
-                <a:headEnd/>
-                <a:tailEnd/>
-              </a14:hiddenLine>
-            </a:ext>
-          </a:extLst>
-        </p:spPr>
-      </p:pic>
-      <p:sp>
-        <p:nvSpPr>
-          <p:cNvPr id="5" name="Rechteck 4"/>
-          <p:cNvSpPr/>
-          <p:nvPr/>
-        </p:nvSpPr>
-        <p:spPr>
-          <a:xfrm>
-            <a:off x="5364088" y="3651870"/>
-            <a:ext cx="3528392" cy="1296144"/>
-          </a:xfrm>
-          <a:prstGeom prst="rect">
-            <a:avLst/>
-          </a:prstGeom>
-        </p:spPr>
-        <p:style>
-          <a:lnRef idx="2">
-            <a:schemeClr val="dk1"/>
-          </a:lnRef>
-          <a:fillRef idx="1">
-            <a:schemeClr val="lt1"/>
-          </a:fillRef>
-          <a:effectRef idx="0">
-            <a:schemeClr val="dk1"/>
-          </a:effectRef>
-          <a:fontRef idx="minor">
-            <a:schemeClr val="dk1"/>
-          </a:fontRef>
-        </p:style>
-        <p:txBody>
-          <a:bodyPr rtlCol="0" anchor="ctr"/>
-          <a:lstStyle/>
-          <a:p>
-            <a:r>
-              <a:rPr lang="de-CH" sz="1600" b="1" smtClean="0"/>
-              <a:t>Legende:</a:t>
-            </a:r>
-          </a:p>
-          <a:p>
-            <a:r>
-              <a:rPr lang="de-CH" sz="1600" smtClean="0">
-                <a:ln>
-                  <a:solidFill>
-                    <a:schemeClr val="tx1"/>
-                  </a:solidFill>
-                </a:ln>
-                <a:solidFill>
-                  <a:srgbClr val="99FF99"/>
-                </a:solidFill>
-                <a:sym typeface="Wingdings"/>
-              </a:rPr>
-              <a:t></a:t>
-            </a:r>
-            <a:r>
-              <a:rPr lang="de-CH" sz="1600" smtClean="0">
-                <a:sym typeface="Wingdings"/>
-              </a:rPr>
-              <a:t> Automatisch korrigiert</a:t>
-            </a:r>
-          </a:p>
-          <a:p>
-            <a:r>
-              <a:rPr lang="de-CH" sz="1600">
-                <a:ln>
-                  <a:solidFill>
-                    <a:schemeClr val="tx1"/>
-                  </a:solidFill>
-                </a:ln>
-                <a:solidFill>
-                  <a:schemeClr val="accent2">
-                    <a:lumMod val="60000"/>
-                    <a:lumOff val="40000"/>
-                  </a:schemeClr>
-                </a:solidFill>
-                <a:sym typeface="Wingdings"/>
-              </a:rPr>
-              <a:t> </a:t>
-            </a:r>
-            <a:r>
-              <a:rPr lang="de-CH" sz="1600" smtClean="0">
-                <a:sym typeface="Wingdings"/>
-              </a:rPr>
-              <a:t>Noch nicht korrigiert</a:t>
-            </a:r>
-          </a:p>
-          <a:p>
-            <a:r>
-              <a:rPr lang="de-CH" sz="1600">
-                <a:ln>
-                  <a:solidFill>
-                    <a:schemeClr val="tx1"/>
-                  </a:solidFill>
-                </a:ln>
-                <a:solidFill>
-                  <a:srgbClr val="00FF00"/>
-                </a:solidFill>
-                <a:sym typeface="Wingdings"/>
-              </a:rPr>
-              <a:t> </a:t>
-            </a:r>
-            <a:r>
-              <a:rPr lang="de-CH" sz="1600" smtClean="0">
-                <a:sym typeface="Wingdings"/>
-              </a:rPr>
-              <a:t>Manuell </a:t>
-            </a:r>
-            <a:r>
-              <a:rPr lang="de-CH" sz="1600" smtClean="0">
-                <a:sym typeface="Wingdings"/>
-              </a:rPr>
-              <a:t>korrigiert und bestätigt</a:t>
-            </a:r>
-            <a:endParaRPr lang="de-CH" sz="1600" smtClean="0">
-              <a:sym typeface="Wingdings"/>
-            </a:endParaRPr>
-          </a:p>
-          <a:p>
-            <a:r>
-              <a:rPr lang="de-CH" sz="1600">
-                <a:ln>
-                  <a:solidFill>
-                    <a:schemeClr val="tx1"/>
-                  </a:solidFill>
-                </a:ln>
-                <a:solidFill>
-                  <a:srgbClr val="FFFF00"/>
-                </a:solidFill>
-                <a:sym typeface="Wingdings"/>
-              </a:rPr>
-              <a:t> </a:t>
-            </a:r>
-            <a:r>
-              <a:rPr lang="de-CH" sz="1600" smtClean="0">
-                <a:sym typeface="Wingdings"/>
-              </a:rPr>
-              <a:t>Für Überprüfung vorgemerkt</a:t>
-            </a:r>
-            <a:endParaRPr lang="de-CH" sz="1600"/>
           </a:p>
         </p:txBody>
       </p:sp>
     </p:spTree>
     <p:extLst>
       <p:ext uri="{BB962C8B-B14F-4D97-AF65-F5344CB8AC3E}">
-        <p14:creationId xmlns:p14="http://schemas.microsoft.com/office/powerpoint/2010/main" val="1461483640"/>
+        <p14:creationId xmlns:p14="http://schemas.microsoft.com/office/powerpoint/2010/main" val="127650607"/>
       </p:ext>
     </p:extLst>
   </p:cSld>
@@ -4968,7 +5044,7 @@
           <a:p>
             <a:r>
               <a:rPr lang="de-CH" smtClean="0"/>
-              <a:t>3. Manuelle Korrektur</a:t>
+              <a:t>3. Schritt: Export</a:t>
             </a:r>
             <a:endParaRPr lang="de-CH"/>
           </a:p>
@@ -4991,49 +5067,151 @@
           <a:p>
             <a:r>
               <a:rPr lang="de-CH" smtClean="0"/>
-              <a:t>Schon während der Korrektur sieht man, dass im Ordner eine neue Datei geschrieben wird. Sie trägt den Namen </a:t>
+              <a:t>Mit einem Klick auf </a:t>
+            </a:r>
+            <a:r>
+              <a:rPr lang="de-CH" i="1" smtClean="0"/>
+              <a:t>'Navigation</a:t>
+            </a:r>
+            <a:r>
+              <a:rPr lang="de-CH" smtClean="0"/>
+              <a:t>'-&gt;</a:t>
+            </a:r>
+            <a:r>
+              <a:rPr lang="de-CH" i="1" smtClean="0"/>
+              <a:t>'Ergebnisse Exportieren</a:t>
+            </a:r>
+            <a:r>
+              <a:rPr lang="de-CH" smtClean="0"/>
+              <a:t>' wird der Export der Daten gestartet.</a:t>
+            </a:r>
+          </a:p>
+          <a:p>
+            <a:r>
+              <a:rPr lang="de-CH" smtClean="0"/>
+              <a:t>Automatisch erstellt wird </a:t>
+            </a:r>
+            <a:r>
+              <a:rPr lang="de-CH"/>
+              <a:t>das </a:t>
+            </a:r>
+            <a:r>
+              <a:rPr lang="de-CH"/>
+              <a:t>Dokument </a:t>
             </a:r>
             <a:r>
               <a:rPr lang="de-CH" b="1" i="1" smtClean="0"/>
-              <a:t>'results_corr.json'</a:t>
-            </a:r>
-            <a:r>
-              <a:rPr lang="de-CH" smtClean="0"/>
-              <a:t> und enthält die korrigierten Resultate.</a:t>
-            </a:r>
-          </a:p>
-          <a:p>
-            <a:r>
-              <a:rPr lang="de-CH" smtClean="0"/>
-              <a:t>Schliesst man das Fenster zu irgend einem Zeitpunkt und öffnet es wieder, hat man wieder alle Daten. Mit jedem Klick auf den nächsten Prüfling oder eine andere Frage wird automatisch eine Sicherung gemacht.</a:t>
-            </a:r>
-          </a:p>
-          <a:p>
-            <a:r>
-              <a:rPr lang="de-CH" smtClean="0"/>
-              <a:t>Ist man mit korrigieren fertig (nur noch grün in der Übersicht), kann man das Tool schliessen.</a:t>
+              <a:t>Punktetabelle.xls </a:t>
+            </a:r>
+            <a:r>
+              <a:rPr lang="de-CH" smtClean="0"/>
+              <a:t>(</a:t>
+            </a:r>
+            <a:r>
+              <a:rPr lang="de-CH"/>
+              <a:t>wieder kein echtes Excel-File), in welchem alle Punkte zusammengezählt sind.</a:t>
+            </a:r>
+          </a:p>
+          <a:p>
+            <a:r>
+              <a:rPr lang="de-CH" smtClean="0"/>
+              <a:t>Zudem fragt sie das Tool nach einem Titel für PDF-Dokumente für die Prüfungseinsicht. Falls Sie diese Dokumente nicht brauchen, können Sie das Textfeld leer lassen und damit einen</a:t>
+            </a:r>
+            <a:br>
+              <a:rPr lang="de-CH" smtClean="0"/>
+            </a:br>
+            <a:r>
+              <a:rPr lang="de-CH" smtClean="0"/>
+              <a:t>Export unterbinden.</a:t>
+            </a:r>
+          </a:p>
+          <a:p>
+            <a:r>
+              <a:rPr lang="de-CH" smtClean="0"/>
+              <a:t>Sie können jederzeit die </a:t>
+            </a:r>
+            <a:br>
+              <a:rPr lang="de-CH" smtClean="0"/>
+            </a:br>
+            <a:r>
+              <a:rPr lang="de-CH" smtClean="0"/>
+              <a:t>Korrektur-Daten wieder laden </a:t>
+            </a:r>
+            <a:br>
+              <a:rPr lang="de-CH" smtClean="0"/>
+            </a:br>
+            <a:r>
+              <a:rPr lang="de-CH" smtClean="0"/>
+              <a:t>und einen neuen Export machen.</a:t>
             </a:r>
             <a:endParaRPr lang="de-CH"/>
           </a:p>
         </p:txBody>
       </p:sp>
+      <p:pic>
+        <p:nvPicPr>
+          <p:cNvPr id="1026" name="Picture 2"/>
+          <p:cNvPicPr>
+            <a:picLocks noChangeAspect="1" noChangeArrowheads="1"/>
+          </p:cNvPicPr>
+          <p:nvPr/>
+        </p:nvPicPr>
+        <p:blipFill>
+          <a:blip r:embed="rId2">
+            <a:extLst>
+              <a:ext uri="{28A0092B-C50C-407E-A947-70E740481C1C}">
+                <a14:useLocalDpi xmlns:a14="http://schemas.microsoft.com/office/drawing/2010/main" val="0"/>
+              </a:ext>
+            </a:extLst>
+          </a:blip>
+          <a:srcRect/>
+          <a:stretch>
+            <a:fillRect/>
+          </a:stretch>
+        </p:blipFill>
+        <p:spPr bwMode="auto">
+          <a:xfrm>
+            <a:off x="4670028" y="3219822"/>
+            <a:ext cx="3971925" cy="1695450"/>
+          </a:xfrm>
+          <a:prstGeom prst="rect">
+            <a:avLst/>
+          </a:prstGeom>
+          <a:noFill/>
+          <a:ln>
+            <a:noFill/>
+          </a:ln>
+          <a:extLst>
+            <a:ext uri="{909E8E84-426E-40DD-AFC4-6F175D3DCCD1}">
+              <a14:hiddenFill xmlns:a14="http://schemas.microsoft.com/office/drawing/2010/main">
+                <a:solidFill>
+                  <a:schemeClr val="accent1"/>
+                </a:solidFill>
+              </a14:hiddenFill>
+            </a:ext>
+            <a:ext uri="{91240B29-F687-4F45-9708-019B960494DF}">
+              <a14:hiddenLine xmlns:a14="http://schemas.microsoft.com/office/drawing/2010/main" w="9525">
+                <a:solidFill>
+                  <a:schemeClr val="tx1"/>
+                </a:solidFill>
+                <a:miter lim="800000"/>
+                <a:headEnd/>
+                <a:tailEnd/>
+              </a14:hiddenLine>
+            </a:ext>
+          </a:extLst>
+        </p:spPr>
+      </p:pic>
     </p:spTree>
     <p:extLst>
       <p:ext uri="{BB962C8B-B14F-4D97-AF65-F5344CB8AC3E}">
-        <p14:creationId xmlns:p14="http://schemas.microsoft.com/office/powerpoint/2010/main" val="208830410"/>
+        <p14:creationId xmlns:p14="http://schemas.microsoft.com/office/powerpoint/2010/main" val="2819977767"/>
       </p:ext>
     </p:extLst>
   </p:cSld>
   <p:clrMapOvr>
     <a:masterClrMapping/>
   </p:clrMapOvr>
-  <p:timing>
-    <p:tnLst>
-      <p:par>
-        <p:cTn id="1" dur="indefinite" restart="never" nodeType="tmRoot"/>
-      </p:par>
-    </p:tnLst>
-  </p:timing>
 </p:sld>
 </file>
 
@@ -5056,73 +5234,27 @@
       </p:grpSpPr>
       <p:sp>
         <p:nvSpPr>
-          <p:cNvPr id="2" name="Titel 1"/>
-          <p:cNvSpPr>
-            <a:spLocks noGrp="1"/>
-          </p:cNvSpPr>
-          <p:nvPr>
-            <p:ph type="title"/>
-          </p:nvPr>
-        </p:nvSpPr>
-        <p:spPr/>
+          <p:cNvPr id="3" name="Inhaltsplatzhalter 2"/>
+          <p:cNvSpPr>
+            <a:spLocks noGrp="1"/>
+          </p:cNvSpPr>
+          <p:nvPr>
+            <p:ph idx="1"/>
+          </p:nvPr>
+        </p:nvSpPr>
+        <p:spPr>
+          <a:xfrm>
+            <a:off x="457200" y="1200151"/>
+            <a:ext cx="8229600" cy="579511"/>
+          </a:xfrm>
+        </p:spPr>
         <p:txBody>
           <a:bodyPr/>
           <a:lstStyle/>
           <a:p>
             <a:r>
               <a:rPr lang="de-CH" smtClean="0"/>
-              <a:t>4. Resultate berichten</a:t>
-            </a:r>
-            <a:endParaRPr lang="de-CH"/>
-          </a:p>
-        </p:txBody>
-      </p:sp>
-      <p:sp>
-        <p:nvSpPr>
-          <p:cNvPr id="3" name="Inhaltsplatzhalter 2"/>
-          <p:cNvSpPr>
-            <a:spLocks noGrp="1"/>
-          </p:cNvSpPr>
-          <p:nvPr>
-            <p:ph idx="1"/>
-          </p:nvPr>
-        </p:nvSpPr>
-        <p:spPr/>
-        <p:txBody>
-          <a:bodyPr>
-            <a:normAutofit lnSpcReduction="10000"/>
-          </a:bodyPr>
-          <a:lstStyle/>
-          <a:p>
-            <a:r>
-              <a:rPr lang="de-CH"/>
-              <a:t>Die korrigierten Resultate liegen nun in 'results_corr.json' und sind nicht von Auge lesbar. Um sie in ein angenehmes Format zu übertragen, verwendet man den dritten Teil der Pipeline: </a:t>
-            </a:r>
-            <a:r>
-              <a:rPr lang="de-CH" b="1" i="1" smtClean="0"/>
-              <a:t>'3_create_Report.py</a:t>
-            </a:r>
-            <a:r>
-              <a:rPr lang="de-CH" b="1" i="1" smtClean="0"/>
-              <a:t>'</a:t>
-            </a:r>
-            <a:r>
-              <a:rPr lang="de-CH" smtClean="0"/>
-              <a:t>.</a:t>
-            </a:r>
-          </a:p>
-          <a:p>
-            <a:r>
-              <a:rPr lang="de-CH" smtClean="0"/>
-              <a:t>Ein Doppelklick auf </a:t>
-            </a:r>
-            <a:r>
-              <a:rPr lang="de-CH" smtClean="0"/>
-              <a:t>dieses dritte </a:t>
-            </a:r>
-            <a:r>
-              <a:rPr lang="de-CH" smtClean="0"/>
-              <a:t>Skript erstellt das Dokument </a:t>
+              <a:t>In </a:t>
             </a:r>
             <a:r>
               <a:rPr lang="de-CH" b="1" i="1" smtClean="0"/>
@@ -5130,95 +5262,273 @@
             </a:r>
             <a:r>
               <a:rPr lang="de-CH" smtClean="0"/>
-              <a:t> (wieder kein echtes Excel-File), in welchem alle Punkte zusammengezählt sind.</a:t>
-            </a:r>
-          </a:p>
-          <a:p>
+              <a:t> befindet sich eine ausführliche Zusammenfassung:</a:t>
+            </a:r>
             <a:endParaRPr lang="de-CH"/>
           </a:p>
-          <a:p>
-            <a:pPr marL="0" indent="0">
-              <a:buNone/>
-            </a:pPr>
-            <a:r>
-              <a:rPr lang="de-CH" b="1" smtClean="0"/>
-              <a:t>Hinweis für Python-Cracks:</a:t>
-            </a:r>
-          </a:p>
-          <a:p>
-            <a:r>
-              <a:rPr lang="de-CH" smtClean="0"/>
-              <a:t>Hat man das Paket </a:t>
-            </a:r>
-            <a:r>
-              <a:rPr lang="de-CH" i="1" smtClean="0"/>
-              <a:t>fpdf</a:t>
-            </a:r>
-            <a:r>
-              <a:rPr lang="de-CH" smtClean="0"/>
-              <a:t> zur Verfügung, entsteht noch ein weiterer Output: ein </a:t>
-            </a:r>
-            <a:r>
-              <a:rPr lang="de-CH" smtClean="0"/>
-              <a:t>Verzeichnis namens </a:t>
-            </a:r>
-            <a:r>
-              <a:rPr lang="de-CH" b="1" i="1" smtClean="0"/>
-              <a:t>'Einsichten'</a:t>
-            </a:r>
-            <a:r>
-              <a:rPr lang="de-CH" smtClean="0"/>
-              <a:t> </a:t>
-            </a:r>
-            <a:r>
-              <a:rPr lang="de-CH" smtClean="0"/>
-              <a:t>voller PDFs mit zusammengefassten Resultaten für jeden </a:t>
-            </a:r>
-            <a:r>
-              <a:rPr lang="de-CH" smtClean="0"/>
-              <a:t>Teilnehmer</a:t>
-            </a:r>
-            <a:r>
-              <a:rPr lang="de-CH" smtClean="0"/>
-              <a:t>, </a:t>
-            </a:r>
-            <a:r>
-              <a:rPr lang="de-CH" smtClean="0"/>
-              <a:t>welches für eine Prüfungseinsicht versendet werden kann.</a:t>
-            </a:r>
-          </a:p>
-          <a:p>
-            <a:r>
-              <a:rPr lang="de-CH"/>
-              <a:t>Das Paket lässt sich über die Konsole installieren </a:t>
-            </a:r>
-            <a:r>
-              <a:rPr lang="de-CH" smtClean="0"/>
-              <a:t>mit dem Befehl:</a:t>
-            </a:r>
-          </a:p>
-          <a:p>
-            <a:pPr marL="457200" lvl="1" indent="0">
-              <a:buNone/>
-            </a:pPr>
-            <a:r>
-              <a:rPr lang="de-CH" smtClean="0"/>
-              <a:t> </a:t>
-            </a:r>
-            <a:r>
-              <a:rPr lang="de-CH" b="1">
-                <a:latin typeface="Courier New" panose="02070309020205020404" pitchFamily="49" charset="0"/>
-                <a:cs typeface="Courier New" panose="02070309020205020404" pitchFamily="49" charset="0"/>
-              </a:rPr>
-              <a:t>pip.exe install -I fpdf</a:t>
-            </a:r>
+        </p:txBody>
+      </p:sp>
+      <p:pic>
+        <p:nvPicPr>
+          <p:cNvPr id="13314" name="Picture 2"/>
+          <p:cNvPicPr>
+            <a:picLocks noChangeAspect="1" noChangeArrowheads="1"/>
+          </p:cNvPicPr>
+          <p:nvPr/>
+        </p:nvPicPr>
+        <p:blipFill>
+          <a:blip r:embed="rId2">
+            <a:extLst>
+              <a:ext uri="{28A0092B-C50C-407E-A947-70E740481C1C}">
+                <a14:useLocalDpi xmlns:a14="http://schemas.microsoft.com/office/drawing/2010/main" val="0"/>
+              </a:ext>
+            </a:extLst>
+          </a:blip>
+          <a:srcRect/>
+          <a:stretch>
+            <a:fillRect/>
+          </a:stretch>
+        </p:blipFill>
+        <p:spPr bwMode="auto">
+          <a:xfrm>
+            <a:off x="107504" y="2728356"/>
+            <a:ext cx="8712968" cy="2224424"/>
+          </a:xfrm>
+          <a:prstGeom prst="rect">
+            <a:avLst/>
+          </a:prstGeom>
+          <a:noFill/>
+          <a:ln>
+            <a:noFill/>
+          </a:ln>
+          <a:extLst>
+            <a:ext uri="{909E8E84-426E-40DD-AFC4-6F175D3DCCD1}">
+              <a14:hiddenFill xmlns:a14="http://schemas.microsoft.com/office/drawing/2010/main">
+                <a:solidFill>
+                  <a:schemeClr val="accent1"/>
+                </a:solidFill>
+              </a14:hiddenFill>
+            </a:ext>
+            <a:ext uri="{91240B29-F687-4F45-9708-019B960494DF}">
+              <a14:hiddenLine xmlns:a14="http://schemas.microsoft.com/office/drawing/2010/main" w="9525">
+                <a:solidFill>
+                  <a:schemeClr val="tx1"/>
+                </a:solidFill>
+                <a:miter lim="800000"/>
+                <a:headEnd/>
+                <a:tailEnd/>
+              </a14:hiddenLine>
+            </a:ext>
+          </a:extLst>
+        </p:spPr>
+      </p:pic>
+      <p:sp>
+        <p:nvSpPr>
+          <p:cNvPr id="6" name="Rechteckige Legende 5"/>
+          <p:cNvSpPr/>
+          <p:nvPr/>
+        </p:nvSpPr>
+        <p:spPr>
+          <a:xfrm>
+            <a:off x="1763688" y="4515966"/>
+            <a:ext cx="2952328" cy="553048"/>
+          </a:xfrm>
+          <a:prstGeom prst="wedgeRectCallout">
+            <a:avLst>
+              <a:gd name="adj1" fmla="val -63341"/>
+              <a:gd name="adj2" fmla="val -163736"/>
+            </a:avLst>
+          </a:prstGeom>
+        </p:spPr>
+        <p:style>
+          <a:lnRef idx="1">
+            <a:schemeClr val="accent3"/>
+          </a:lnRef>
+          <a:fillRef idx="2">
+            <a:schemeClr val="accent3"/>
+          </a:fillRef>
+          <a:effectRef idx="1">
+            <a:schemeClr val="accent3"/>
+          </a:effectRef>
+          <a:fontRef idx="minor">
+            <a:schemeClr val="dk1"/>
+          </a:fontRef>
+        </p:style>
+        <p:txBody>
+          <a:bodyPr rtlCol="0" anchor="ctr"/>
+          <a:lstStyle/>
+          <a:p>
+            <a:pPr algn="ctr"/>
+            <a:r>
+              <a:rPr lang="de-CH" sz="1400" smtClean="0"/>
+              <a:t>Falls noch nicht alle Fragen korrigiert sind, ist die Totale Punktzahl Missing</a:t>
+            </a:r>
+            <a:endParaRPr lang="de-CH" sz="1400"/>
+          </a:p>
+        </p:txBody>
+      </p:sp>
+      <p:sp>
+        <p:nvSpPr>
+          <p:cNvPr id="7" name="Rechteckige Legende 6"/>
+          <p:cNvSpPr/>
+          <p:nvPr/>
+        </p:nvSpPr>
+        <p:spPr>
+          <a:xfrm>
+            <a:off x="278520" y="1839080"/>
+            <a:ext cx="2565288" cy="732670"/>
+          </a:xfrm>
+          <a:prstGeom prst="wedgeRectCallout">
+            <a:avLst>
+              <a:gd name="adj1" fmla="val 23296"/>
+              <a:gd name="adj2" fmla="val 129206"/>
+            </a:avLst>
+          </a:prstGeom>
+        </p:spPr>
+        <p:style>
+          <a:lnRef idx="1">
+            <a:schemeClr val="accent3"/>
+          </a:lnRef>
+          <a:fillRef idx="2">
+            <a:schemeClr val="accent3"/>
+          </a:fillRef>
+          <a:effectRef idx="1">
+            <a:schemeClr val="accent3"/>
+          </a:effectRef>
+          <a:fontRef idx="minor">
+            <a:schemeClr val="dk1"/>
+          </a:fontRef>
+        </p:style>
+        <p:txBody>
+          <a:bodyPr rtlCol="0" anchor="ctr"/>
+          <a:lstStyle/>
+          <a:p>
+            <a:pPr algn="ctr"/>
+            <a:r>
+              <a:rPr lang="de-CH" sz="1400" smtClean="0"/>
+              <a:t>Falls eine frage zur Überprüfung vorgemerkt ist, erscheint diese Bemerkung</a:t>
+            </a:r>
+            <a:endParaRPr lang="de-CH" sz="1400"/>
+          </a:p>
+        </p:txBody>
+      </p:sp>
+      <p:sp>
+        <p:nvSpPr>
+          <p:cNvPr id="8" name="Rechteckige Legende 7"/>
+          <p:cNvSpPr/>
+          <p:nvPr/>
+        </p:nvSpPr>
+        <p:spPr>
+          <a:xfrm>
+            <a:off x="4283968" y="2025193"/>
+            <a:ext cx="1773200" cy="366335"/>
+          </a:xfrm>
+          <a:prstGeom prst="wedgeRectCallout">
+            <a:avLst>
+              <a:gd name="adj1" fmla="val -61520"/>
+              <a:gd name="adj2" fmla="val 172540"/>
+            </a:avLst>
+          </a:prstGeom>
+        </p:spPr>
+        <p:style>
+          <a:lnRef idx="1">
+            <a:schemeClr val="accent3"/>
+          </a:lnRef>
+          <a:fillRef idx="2">
+            <a:schemeClr val="accent3"/>
+          </a:fillRef>
+          <a:effectRef idx="1">
+            <a:schemeClr val="accent3"/>
+          </a:effectRef>
+          <a:fontRef idx="minor">
+            <a:schemeClr val="dk1"/>
+          </a:fontRef>
+        </p:style>
+        <p:txBody>
+          <a:bodyPr rtlCol="0" anchor="ctr"/>
+          <a:lstStyle/>
+          <a:p>
+            <a:pPr algn="ctr"/>
+            <a:r>
+              <a:rPr lang="de-CH" sz="1400" smtClean="0"/>
+              <a:t>Fragennummern</a:t>
+            </a:r>
+            <a:endParaRPr lang="de-CH" sz="1400"/>
+          </a:p>
+        </p:txBody>
+      </p:sp>
+      <p:sp>
+        <p:nvSpPr>
+          <p:cNvPr id="9" name="Rechteckige Legende 8"/>
+          <p:cNvSpPr/>
+          <p:nvPr/>
+        </p:nvSpPr>
+        <p:spPr>
+          <a:xfrm>
+            <a:off x="6804248" y="2177593"/>
+            <a:ext cx="1773200" cy="366335"/>
+          </a:xfrm>
+          <a:prstGeom prst="wedgeRectCallout">
+            <a:avLst>
+              <a:gd name="adj1" fmla="val -76561"/>
+              <a:gd name="adj2" fmla="val 373613"/>
+            </a:avLst>
+          </a:prstGeom>
+        </p:spPr>
+        <p:style>
+          <a:lnRef idx="1">
+            <a:schemeClr val="accent3"/>
+          </a:lnRef>
+          <a:fillRef idx="2">
+            <a:schemeClr val="accent3"/>
+          </a:fillRef>
+          <a:effectRef idx="1">
+            <a:schemeClr val="accent3"/>
+          </a:effectRef>
+          <a:fontRef idx="minor">
+            <a:schemeClr val="dk1"/>
+          </a:fontRef>
+        </p:style>
+        <p:txBody>
+          <a:bodyPr rtlCol="0" anchor="ctr"/>
+          <a:lstStyle/>
+          <a:p>
+            <a:pPr algn="ctr"/>
+            <a:r>
+              <a:rPr lang="de-CH" sz="1400" smtClean="0"/>
+              <a:t>Punkte für jede Frage</a:t>
+            </a:r>
+            <a:endParaRPr lang="de-CH" sz="1400"/>
+          </a:p>
+        </p:txBody>
+      </p:sp>
+      <p:sp>
+        <p:nvSpPr>
+          <p:cNvPr id="10" name="Titel 1"/>
+          <p:cNvSpPr>
+            <a:spLocks noGrp="1"/>
+          </p:cNvSpPr>
+          <p:nvPr>
+            <p:ph type="title"/>
+          </p:nvPr>
+        </p:nvSpPr>
+        <p:spPr/>
+        <p:txBody>
+          <a:bodyPr/>
+          <a:lstStyle/>
+          <a:p>
+            <a:r>
+              <a:rPr lang="de-CH" smtClean="0"/>
+              <a:t>3. Schritt: Export</a:t>
+            </a:r>
+            <a:endParaRPr lang="de-CH"/>
           </a:p>
         </p:txBody>
       </p:sp>
     </p:spTree>
     <p:extLst>
       <p:ext uri="{BB962C8B-B14F-4D97-AF65-F5344CB8AC3E}">
-        <p14:creationId xmlns:p14="http://schemas.microsoft.com/office/powerpoint/2010/main" val="320526248"/>
+        <p14:creationId xmlns:p14="http://schemas.microsoft.com/office/powerpoint/2010/main" val="2533425398"/>
       </p:ext>
     </p:extLst>
   </p:cSld>
@@ -5408,72 +5718,15 @@
           <a:chExt cx="0" cy="0"/>
         </a:xfrm>
       </p:grpSpPr>
-      <p:sp>
-        <p:nvSpPr>
-          <p:cNvPr id="3" name="Inhaltsplatzhalter 2"/>
-          <p:cNvSpPr>
-            <a:spLocks noGrp="1"/>
-          </p:cNvSpPr>
-          <p:nvPr>
-            <p:ph idx="1"/>
-          </p:nvPr>
-        </p:nvSpPr>
-        <p:spPr>
-          <a:xfrm>
-            <a:off x="457200" y="1200151"/>
-            <a:ext cx="8229600" cy="579511"/>
-          </a:xfrm>
-        </p:spPr>
-        <p:txBody>
-          <a:bodyPr/>
-          <a:lstStyle/>
-          <a:p>
-            <a:r>
-              <a:rPr lang="de-CH" smtClean="0"/>
-              <a:t>In </a:t>
-            </a:r>
-            <a:r>
-              <a:rPr lang="de-CH" b="1" i="1" smtClean="0"/>
-              <a:t>'Punktetabelle.xls'</a:t>
-            </a:r>
-            <a:r>
-              <a:rPr lang="de-CH" smtClean="0"/>
-              <a:t> befindet sich eine ausführliche Zusammenfassung:</a:t>
-            </a:r>
-            <a:endParaRPr lang="de-CH"/>
-          </a:p>
-        </p:txBody>
-      </p:sp>
-      <p:sp>
-        <p:nvSpPr>
-          <p:cNvPr id="4" name="Titel 1"/>
-          <p:cNvSpPr>
-            <a:spLocks noGrp="1"/>
-          </p:cNvSpPr>
-          <p:nvPr>
-            <p:ph type="title"/>
-          </p:nvPr>
-        </p:nvSpPr>
-        <p:spPr/>
-        <p:txBody>
-          <a:bodyPr/>
-          <a:lstStyle/>
-          <a:p>
-            <a:r>
-              <a:rPr lang="de-CH" smtClean="0"/>
-              <a:t>4. Resultate berichten</a:t>
-            </a:r>
-            <a:endParaRPr lang="de-CH"/>
-          </a:p>
-        </p:txBody>
-      </p:sp>
       <p:pic>
         <p:nvPicPr>
-          <p:cNvPr id="13314" name="Picture 2"/>
+          <p:cNvPr id="14338" name="Picture 2"/>
           <p:cNvPicPr>
-            <a:picLocks noChangeAspect="1" noChangeArrowheads="1"/>
+            <a:picLocks noGrp="1" noChangeAspect="1" noChangeArrowheads="1"/>
           </p:cNvPicPr>
-          <p:nvPr/>
+          <p:nvPr>
+            <p:ph idx="1"/>
+          </p:nvPr>
         </p:nvPicPr>
         <p:blipFill>
           <a:blip r:embed="rId2">
@@ -5490,8 +5743,8 @@
         </p:blipFill>
         <p:spPr bwMode="auto">
           <a:xfrm>
-            <a:off x="107504" y="2728356"/>
-            <a:ext cx="8712968" cy="2224424"/>
+            <a:off x="107504" y="987574"/>
+            <a:ext cx="6086475" cy="3343275"/>
           </a:xfrm>
           <a:prstGeom prst="rect">
             <a:avLst/>
@@ -5521,6 +5774,60 @@
           </a:extLst>
         </p:spPr>
       </p:pic>
+      <p:pic>
+        <p:nvPicPr>
+          <p:cNvPr id="14339" name="Picture 3"/>
+          <p:cNvPicPr>
+            <a:picLocks noChangeAspect="1" noChangeArrowheads="1"/>
+          </p:cNvPicPr>
+          <p:nvPr/>
+        </p:nvPicPr>
+        <p:blipFill>
+          <a:blip r:embed="rId3">
+            <a:extLst>
+              <a:ext uri="{28A0092B-C50C-407E-A947-70E740481C1C}">
+                <a14:useLocalDpi xmlns:a14="http://schemas.microsoft.com/office/drawing/2010/main" val="0"/>
+              </a:ext>
+            </a:extLst>
+          </a:blip>
+          <a:srcRect/>
+          <a:stretch>
+            <a:fillRect/>
+          </a:stretch>
+        </p:blipFill>
+        <p:spPr bwMode="auto">
+          <a:xfrm>
+            <a:off x="3763516" y="1770682"/>
+            <a:ext cx="5272980" cy="3249340"/>
+          </a:xfrm>
+          <a:prstGeom prst="rect">
+            <a:avLst/>
+          </a:prstGeom>
+          <a:noFill/>
+          <a:ln>
+            <a:noFill/>
+          </a:ln>
+          <a:extLst>
+            <a:ext uri="{909E8E84-426E-40DD-AFC4-6F175D3DCCD1}">
+              <a14:hiddenFill xmlns:a14="http://schemas.microsoft.com/office/drawing/2010/main">
+                <a:solidFill>
+                  <a:schemeClr val="accent1"/>
+                </a:solidFill>
+              </a14:hiddenFill>
+            </a:ext>
+            <a:ext uri="{91240B29-F687-4F45-9708-019B960494DF}">
+              <a14:hiddenLine xmlns:a14="http://schemas.microsoft.com/office/drawing/2010/main" w="9525">
+                <a:solidFill>
+                  <a:schemeClr val="tx1"/>
+                </a:solidFill>
+                <a:miter lim="800000"/>
+                <a:headEnd/>
+                <a:tailEnd/>
+              </a14:hiddenLine>
+            </a:ext>
+          </a:extLst>
+        </p:spPr>
+      </p:pic>
       <p:sp>
         <p:nvSpPr>
           <p:cNvPr id="6" name="Rechteckige Legende 5"/>
@@ -5529,13 +5836,13 @@
         </p:nvSpPr>
         <p:spPr>
           <a:xfrm>
-            <a:off x="1763688" y="4515966"/>
-            <a:ext cx="2952328" cy="553048"/>
+            <a:off x="6660232" y="987574"/>
+            <a:ext cx="2232248" cy="783108"/>
           </a:xfrm>
           <a:prstGeom prst="wedgeRectCallout">
             <a:avLst>
-              <a:gd name="adj1" fmla="val -63341"/>
-              <a:gd name="adj2" fmla="val -163736"/>
+              <a:gd name="adj1" fmla="val -81433"/>
+              <a:gd name="adj2" fmla="val 46044"/>
             </a:avLst>
           </a:prstGeom>
         </p:spPr>
@@ -5560,7 +5867,14 @@
             <a:pPr algn="ctr"/>
             <a:r>
               <a:rPr lang="de-CH" sz="1400" smtClean="0"/>
-              <a:t>Falls noch nicht alle Fragen korrigiert sind, ist die Totale Punktzahl Missing</a:t>
+              <a:t>Automatisch generiertes PDF für jeden Teilnehmer.</a:t>
+            </a:r>
+          </a:p>
+          <a:p>
+            <a:pPr algn="ctr"/>
+            <a:r>
+              <a:rPr lang="de-CH" sz="1400" smtClean="0"/>
+              <a:t>1 Seite/Frage</a:t>
             </a:r>
             <a:endParaRPr lang="de-CH" sz="1400"/>
           </a:p>
@@ -5568,31 +5882,100 @@
       </p:sp>
       <p:sp>
         <p:nvSpPr>
-          <p:cNvPr id="7" name="Rechteckige Legende 6"/>
+          <p:cNvPr id="7" name="Titel 1"/>
+          <p:cNvSpPr>
+            <a:spLocks noGrp="1"/>
+          </p:cNvSpPr>
+          <p:nvPr>
+            <p:ph type="title"/>
+          </p:nvPr>
+        </p:nvSpPr>
+        <p:spPr/>
+        <p:txBody>
+          <a:bodyPr/>
+          <a:lstStyle/>
+          <a:p>
+            <a:r>
+              <a:rPr lang="de-CH" smtClean="0"/>
+              <a:t>3. Schritt: Export</a:t>
+            </a:r>
+            <a:endParaRPr lang="de-CH"/>
+          </a:p>
+        </p:txBody>
+      </p:sp>
+      <p:sp>
+        <p:nvSpPr>
+          <p:cNvPr id="3" name="Rechteck 2"/>
           <p:cNvSpPr/>
           <p:nvPr/>
         </p:nvSpPr>
         <p:spPr>
           <a:xfrm>
-            <a:off x="278520" y="1839080"/>
-            <a:ext cx="2565288" cy="732670"/>
+            <a:off x="1187624" y="1491630"/>
+            <a:ext cx="3960440" cy="360040"/>
+          </a:xfrm>
+          <a:prstGeom prst="rect">
+            <a:avLst/>
+          </a:prstGeom>
+          <a:noFill/>
+          <a:ln>
+            <a:solidFill>
+              <a:srgbClr val="C00000"/>
+            </a:solidFill>
+          </a:ln>
+        </p:spPr>
+        <p:style>
+          <a:lnRef idx="2">
+            <a:schemeClr val="accent1">
+              <a:shade val="50000"/>
+            </a:schemeClr>
+          </a:lnRef>
+          <a:fillRef idx="1">
+            <a:schemeClr val="accent1"/>
+          </a:fillRef>
+          <a:effectRef idx="0">
+            <a:schemeClr val="accent1"/>
+          </a:effectRef>
+          <a:fontRef idx="minor">
+            <a:schemeClr val="lt1"/>
+          </a:fontRef>
+        </p:style>
+        <p:txBody>
+          <a:bodyPr rtlCol="0" anchor="ctr"/>
+          <a:lstStyle/>
+          <a:p>
+            <a:pPr algn="ctr"/>
+            <a:endParaRPr lang="de-CH"/>
+          </a:p>
+        </p:txBody>
+      </p:sp>
+      <p:sp>
+        <p:nvSpPr>
+          <p:cNvPr id="8" name="Rechteckige Legende 7"/>
+          <p:cNvSpPr/>
+          <p:nvPr/>
+        </p:nvSpPr>
+        <p:spPr>
+          <a:xfrm>
+            <a:off x="179512" y="668028"/>
+            <a:ext cx="2016224" cy="639092"/>
           </a:xfrm>
           <a:prstGeom prst="wedgeRectCallout">
             <a:avLst>
-              <a:gd name="adj1" fmla="val 23296"/>
-              <a:gd name="adj2" fmla="val 129206"/>
+              <a:gd name="adj1" fmla="val 42025"/>
+              <a:gd name="adj2" fmla="val 76857"/>
             </a:avLst>
           </a:prstGeom>
         </p:spPr>
         <p:style>
           <a:lnRef idx="1">
-            <a:schemeClr val="accent3"/>
+            <a:schemeClr val="accent2"/>
           </a:lnRef>
           <a:fillRef idx="2">
-            <a:schemeClr val="accent3"/>
+            <a:schemeClr val="accent2"/>
           </a:fillRef>
           <a:effectRef idx="1">
-            <a:schemeClr val="accent3"/>
+            <a:schemeClr val="accent2"/>
           </a:effectRef>
           <a:fontRef idx="minor">
             <a:schemeClr val="dk1"/>
@@ -5605,97 +5988,7 @@
             <a:pPr algn="ctr"/>
             <a:r>
               <a:rPr lang="de-CH" sz="1400" smtClean="0"/>
-              <a:t>Falls eine frage zur Überprüfung vorgemerkt ist, erscheint diese Bemerkung</a:t>
-            </a:r>
-            <a:endParaRPr lang="de-CH" sz="1400"/>
-          </a:p>
-        </p:txBody>
-      </p:sp>
-      <p:sp>
-        <p:nvSpPr>
-          <p:cNvPr id="8" name="Rechteckige Legende 7"/>
-          <p:cNvSpPr/>
-          <p:nvPr/>
-        </p:nvSpPr>
-        <p:spPr>
-          <a:xfrm>
-            <a:off x="4283968" y="2025193"/>
-            <a:ext cx="1773200" cy="366335"/>
-          </a:xfrm>
-          <a:prstGeom prst="wedgeRectCallout">
-            <a:avLst>
-              <a:gd name="adj1" fmla="val -61520"/>
-              <a:gd name="adj2" fmla="val 172540"/>
-            </a:avLst>
-          </a:prstGeom>
-        </p:spPr>
-        <p:style>
-          <a:lnRef idx="1">
-            <a:schemeClr val="accent3"/>
-          </a:lnRef>
-          <a:fillRef idx="2">
-            <a:schemeClr val="accent3"/>
-          </a:fillRef>
-          <a:effectRef idx="1">
-            <a:schemeClr val="accent3"/>
-          </a:effectRef>
-          <a:fontRef idx="minor">
-            <a:schemeClr val="dk1"/>
-          </a:fontRef>
-        </p:style>
-        <p:txBody>
-          <a:bodyPr rtlCol="0" anchor="ctr"/>
-          <a:lstStyle/>
-          <a:p>
-            <a:pPr algn="ctr"/>
-            <a:r>
-              <a:rPr lang="de-CH" sz="1400" smtClean="0"/>
-              <a:t>Fragennummern</a:t>
-            </a:r>
-            <a:endParaRPr lang="de-CH" sz="1400"/>
-          </a:p>
-        </p:txBody>
-      </p:sp>
-      <p:sp>
-        <p:nvSpPr>
-          <p:cNvPr id="9" name="Rechteckige Legende 8"/>
-          <p:cNvSpPr/>
-          <p:nvPr/>
-        </p:nvSpPr>
-        <p:spPr>
-          <a:xfrm>
-            <a:off x="6804248" y="2177593"/>
-            <a:ext cx="1773200" cy="366335"/>
-          </a:xfrm>
-          <a:prstGeom prst="wedgeRectCallout">
-            <a:avLst>
-              <a:gd name="adj1" fmla="val -76561"/>
-              <a:gd name="adj2" fmla="val 373613"/>
-            </a:avLst>
-          </a:prstGeom>
-        </p:spPr>
-        <p:style>
-          <a:lnRef idx="1">
-            <a:schemeClr val="accent3"/>
-          </a:lnRef>
-          <a:fillRef idx="2">
-            <a:schemeClr val="accent3"/>
-          </a:fillRef>
-          <a:effectRef idx="1">
-            <a:schemeClr val="accent3"/>
-          </a:effectRef>
-          <a:fontRef idx="minor">
-            <a:schemeClr val="dk1"/>
-          </a:fontRef>
-        </p:style>
-        <p:txBody>
-          <a:bodyPr rtlCol="0" anchor="ctr"/>
-          <a:lstStyle/>
-          <a:p>
-            <a:pPr algn="ctr"/>
-            <a:r>
-              <a:rPr lang="de-CH" sz="1400" smtClean="0"/>
-              <a:t>Punkte für jede Frage</a:t>
+              <a:t>Eingegebene Überschrift für diese Dokumente</a:t>
             </a:r>
             <a:endParaRPr lang="de-CH" sz="1400"/>
           </a:p>
@@ -5704,7 +5997,7 @@
     </p:spTree>
     <p:extLst>
       <p:ext uri="{BB962C8B-B14F-4D97-AF65-F5344CB8AC3E}">
-        <p14:creationId xmlns:p14="http://schemas.microsoft.com/office/powerpoint/2010/main" val="1721978847"/>
+        <p14:creationId xmlns:p14="http://schemas.microsoft.com/office/powerpoint/2010/main" val="3502692209"/>
       </p:ext>
     </p:extLst>
   </p:cSld>
@@ -5740,6 +6033,130 @@
       </p:grpSpPr>
       <p:sp>
         <p:nvSpPr>
+          <p:cNvPr id="4" name="Titel 3"/>
+          <p:cNvSpPr>
+            <a:spLocks noGrp="1"/>
+          </p:cNvSpPr>
+          <p:nvPr>
+            <p:ph type="ctrTitle"/>
+          </p:nvPr>
+        </p:nvSpPr>
+        <p:spPr>
+          <a:xfrm>
+            <a:off x="685800" y="843559"/>
+            <a:ext cx="7772400" cy="1856780"/>
+          </a:xfrm>
+        </p:spPr>
+        <p:txBody>
+          <a:bodyPr>
+            <a:normAutofit/>
+          </a:bodyPr>
+          <a:lstStyle/>
+          <a:p>
+            <a:r>
+              <a:rPr lang="de-CH" smtClean="0"/>
+              <a:t>Anhang:</a:t>
+            </a:r>
+            <a:br>
+              <a:rPr lang="de-CH" smtClean="0"/>
+            </a:br>
+            <a:r>
+              <a:rPr lang="de-CH" smtClean="0"/>
+              <a:t>Manuelle Kontrolle der Pipeline</a:t>
+            </a:r>
+            <a:endParaRPr lang="de-CH"/>
+          </a:p>
+        </p:txBody>
+      </p:sp>
+      <p:sp>
+        <p:nvSpPr>
+          <p:cNvPr id="5" name="Untertitel 4"/>
+          <p:cNvSpPr>
+            <a:spLocks noGrp="1"/>
+          </p:cNvSpPr>
+          <p:nvPr>
+            <p:ph type="subTitle" idx="1"/>
+          </p:nvPr>
+        </p:nvSpPr>
+        <p:spPr>
+          <a:xfrm>
+            <a:off x="1371600" y="2914650"/>
+            <a:ext cx="6400800" cy="1817340"/>
+          </a:xfrm>
+        </p:spPr>
+        <p:txBody>
+          <a:bodyPr>
+            <a:normAutofit/>
+          </a:bodyPr>
+          <a:lstStyle/>
+          <a:p>
+            <a:r>
+              <a:rPr lang="de-CH" smtClean="0">
+                <a:solidFill>
+                  <a:schemeClr val="tx1">
+                    <a:lumMod val="65000"/>
+                    <a:lumOff val="35000"/>
+                  </a:schemeClr>
+                </a:solidFill>
+              </a:rPr>
+              <a:t>Im Folgenden wird beschrieben, wie man mit den drei einzelnen Skripten jeden Schritt der Pipeline separat durchführen und besser kontrollieren kann.</a:t>
+            </a:r>
+          </a:p>
+          <a:p>
+            <a:r>
+              <a:rPr lang="de-CH" smtClean="0">
+                <a:solidFill>
+                  <a:schemeClr val="tx1">
+                    <a:lumMod val="65000"/>
+                    <a:lumOff val="35000"/>
+                  </a:schemeClr>
+                </a:solidFill>
+              </a:rPr>
+              <a:t>Nur empfohlen, falls Sie etwas an den Voreinstellungen ändern möchten.</a:t>
+            </a:r>
+            <a:endParaRPr lang="de-CH">
+              <a:solidFill>
+                <a:schemeClr val="tx1">
+                  <a:lumMod val="65000"/>
+                  <a:lumOff val="35000"/>
+                </a:schemeClr>
+              </a:solidFill>
+            </a:endParaRPr>
+          </a:p>
+        </p:txBody>
+      </p:sp>
+    </p:spTree>
+    <p:extLst>
+      <p:ext uri="{BB962C8B-B14F-4D97-AF65-F5344CB8AC3E}">
+        <p14:creationId xmlns:p14="http://schemas.microsoft.com/office/powerpoint/2010/main" val="2166333268"/>
+      </p:ext>
+    </p:extLst>
+  </p:cSld>
+  <p:clrMapOvr>
+    <a:masterClrMapping/>
+  </p:clrMapOvr>
+</p:sld>
+</file>
+
+<file path=ppt/slides/slide22.xml><?xml version="1.0" encoding="utf-8"?>
+<p:sld xmlns:a="http://schemas.openxmlformats.org/drawingml/2006/main" xmlns:r="http://schemas.openxmlformats.org/officeDocument/2006/relationships" xmlns:p="http://schemas.openxmlformats.org/presentationml/2006/main">
+  <p:cSld>
+    <p:spTree>
+      <p:nvGrpSpPr>
+        <p:cNvPr id="1" name=""/>
+        <p:cNvGrpSpPr/>
+        <p:nvPr/>
+      </p:nvGrpSpPr>
+      <p:grpSpPr>
+        <a:xfrm>
+          <a:off x="0" y="0"/>
+          <a:ext cx="0" cy="0"/>
+          <a:chOff x="0" y="0"/>
+          <a:chExt cx="0" cy="0"/>
+        </a:xfrm>
+      </p:grpSpPr>
+      <p:sp>
+        <p:nvSpPr>
           <p:cNvPr id="2" name="Titel 1"/>
           <p:cNvSpPr>
             <a:spLocks noGrp="1"/>
@@ -5755,21 +6172,215 @@
           <a:p>
             <a:r>
               <a:rPr lang="de-CH" smtClean="0"/>
-              <a:t>4. Resultate berichten</a:t>
+              <a:t>2. Schritt: Automatische Korrektur</a:t>
             </a:r>
             <a:endParaRPr lang="de-CH"/>
+          </a:p>
+        </p:txBody>
+      </p:sp>
+      <p:sp>
+        <p:nvSpPr>
+          <p:cNvPr id="3" name="Inhaltsplatzhalter 2"/>
+          <p:cNvSpPr>
+            <a:spLocks noGrp="1"/>
+          </p:cNvSpPr>
+          <p:nvPr>
+            <p:ph idx="1"/>
+          </p:nvPr>
+        </p:nvSpPr>
+        <p:spPr/>
+        <p:txBody>
+          <a:bodyPr/>
+          <a:lstStyle/>
+          <a:p>
+            <a:r>
+              <a:rPr lang="de-CH" smtClean="0"/>
+              <a:t>Nun kann der erste Teil der Pipeline verwendet werden, um alles automatisch zu korrigieren, was sich automatisch korrigieren lässt (SC, MC, KPRIM, Lückentext).</a:t>
+            </a:r>
+          </a:p>
+          <a:p>
+            <a:r>
+              <a:rPr lang="de-CH" smtClean="0"/>
+              <a:t>Benennen Sie dafür das .XLS-Dokument um, so dass es neu </a:t>
+            </a:r>
+            <a:r>
+              <a:rPr lang="de-CH" b="1" i="1" smtClean="0"/>
+              <a:t>"Eingabe.XLS"</a:t>
+            </a:r>
+            <a:r>
+              <a:rPr lang="de-CH" smtClean="0"/>
+              <a:t> heisst. (Alternativ kann man den Namen auch belassen und den Code des ersten Python-Skripts auf Zeile 207 ändern. Dort ist der Dateiname definiert.)</a:t>
+            </a:r>
+          </a:p>
+          <a:p>
+            <a:r>
+              <a:rPr lang="de-CH"/>
+              <a:t>Doppelklicken Sie dann auf </a:t>
+            </a:r>
+            <a:r>
+              <a:rPr lang="de-CH" b="1" i="1" smtClean="0"/>
+              <a:t>'1_create_JSON.py'</a:t>
+            </a:r>
+          </a:p>
+          <a:p>
+            <a:r>
+              <a:rPr lang="de-CH" smtClean="0"/>
+              <a:t>Es passieren zwei Dinge:</a:t>
+            </a:r>
+          </a:p>
+          <a:p>
+            <a:pPr lvl="1">
+              <a:buFont typeface="+mj-lt"/>
+              <a:buAutoNum type="arabicPeriod"/>
+            </a:pPr>
+            <a:r>
+              <a:rPr lang="de-CH" smtClean="0"/>
+              <a:t>Eine schwarze Konsole öffnet sich und zeigt Daten an.</a:t>
+            </a:r>
+          </a:p>
+          <a:p>
+            <a:pPr lvl="1">
+              <a:buFont typeface="+mj-lt"/>
+              <a:buAutoNum type="arabicPeriod"/>
+            </a:pPr>
+            <a:r>
+              <a:rPr lang="de-CH" smtClean="0"/>
+              <a:t>Eine neue Datei wird geschrieben: </a:t>
+            </a:r>
+            <a:r>
+              <a:rPr lang="de-CH" b="1" i="1" smtClean="0"/>
+              <a:t>'results.json'</a:t>
+            </a:r>
+            <a:r>
+              <a:rPr lang="de-CH" smtClean="0"/>
+              <a:t>. Diese Datei enthält alle Fragen, Antworten und automatischen Korrekturen.</a:t>
+            </a:r>
+            <a:endParaRPr lang="de-CH" b="1" i="1"/>
+          </a:p>
+        </p:txBody>
+      </p:sp>
+    </p:spTree>
+    <p:extLst>
+      <p:ext uri="{BB962C8B-B14F-4D97-AF65-F5344CB8AC3E}">
+        <p14:creationId xmlns:p14="http://schemas.microsoft.com/office/powerpoint/2010/main" val="1381894376"/>
+      </p:ext>
+    </p:extLst>
+  </p:cSld>
+  <p:clrMapOvr>
+    <a:masterClrMapping/>
+  </p:clrMapOvr>
+  <p:timing>
+    <p:tnLst>
+      <p:par>
+        <p:cTn id="1" dur="indefinite" restart="never" nodeType="tmRoot"/>
+      </p:par>
+    </p:tnLst>
+  </p:timing>
+</p:sld>
+</file>
+
+<file path=ppt/slides/slide23.xml><?xml version="1.0" encoding="utf-8"?>
+<p:sld xmlns:a="http://schemas.openxmlformats.org/drawingml/2006/main" xmlns:r="http://schemas.openxmlformats.org/officeDocument/2006/relationships" xmlns:p="http://schemas.openxmlformats.org/presentationml/2006/main">
+  <p:cSld>
+    <p:spTree>
+      <p:nvGrpSpPr>
+        <p:cNvPr id="1" name=""/>
+        <p:cNvGrpSpPr/>
+        <p:nvPr/>
+      </p:nvGrpSpPr>
+      <p:grpSpPr>
+        <a:xfrm>
+          <a:off x="0" y="0"/>
+          <a:ext cx="0" cy="0"/>
+          <a:chOff x="0" y="0"/>
+          <a:chExt cx="0" cy="0"/>
+        </a:xfrm>
+      </p:grpSpPr>
+      <p:sp>
+        <p:nvSpPr>
+          <p:cNvPr id="2" name="Titel 1"/>
+          <p:cNvSpPr>
+            <a:spLocks noGrp="1"/>
+          </p:cNvSpPr>
+          <p:nvPr>
+            <p:ph type="title"/>
+          </p:nvPr>
+        </p:nvSpPr>
+        <p:spPr/>
+        <p:txBody>
+          <a:bodyPr/>
+          <a:lstStyle/>
+          <a:p>
+            <a:r>
+              <a:rPr lang="de-CH" smtClean="0"/>
+              <a:t>2. Schritt: Automatische Korrektur</a:t>
+            </a:r>
+            <a:endParaRPr lang="de-CH"/>
+          </a:p>
+        </p:txBody>
+      </p:sp>
+      <p:sp>
+        <p:nvSpPr>
+          <p:cNvPr id="3" name="Inhaltsplatzhalter 2"/>
+          <p:cNvSpPr>
+            <a:spLocks noGrp="1"/>
+          </p:cNvSpPr>
+          <p:nvPr>
+            <p:ph idx="1"/>
+          </p:nvPr>
+        </p:nvSpPr>
+        <p:spPr>
+          <a:xfrm>
+            <a:off x="457200" y="1200151"/>
+            <a:ext cx="3970784" cy="3394472"/>
+          </a:xfrm>
+        </p:spPr>
+        <p:txBody>
+          <a:bodyPr>
+            <a:normAutofit lnSpcReduction="10000"/>
+          </a:bodyPr>
+          <a:lstStyle/>
+          <a:p>
+            <a:r>
+              <a:rPr lang="de-CH" smtClean="0"/>
+              <a:t>In der Konsole werden Informationen für alle Fragen dargestellt.</a:t>
+            </a:r>
+          </a:p>
+          <a:p>
+            <a:r>
+              <a:rPr lang="de-CH" smtClean="0"/>
+              <a:t>Die Nummerierung der Fragen entspricht den OLAT-internen Nummern. Die sind etwas lang.</a:t>
+            </a:r>
+          </a:p>
+          <a:p>
+            <a:r>
+              <a:rPr lang="de-CH" smtClean="0"/>
+              <a:t>Für Jede Frage wird unter </a:t>
+            </a:r>
+            <a:r>
+              <a:rPr lang="de-CH" b="1" i="1" smtClean="0"/>
+              <a:t>'Ans:'</a:t>
+            </a:r>
+            <a:r>
+              <a:rPr lang="de-CH" smtClean="0"/>
+              <a:t> eine Liste der Antworten angegeben. Prüfen Sie, ob für jede Frage Antworten vorhanden sind.</a:t>
+            </a:r>
+          </a:p>
+          <a:p>
+            <a:r>
+              <a:rPr lang="de-CH" smtClean="0"/>
+              <a:t>Falls etwas nicht stimmt: Schritt 1 und 2 wiederholen.</a:t>
+            </a:r>
           </a:p>
         </p:txBody>
       </p:sp>
       <p:pic>
         <p:nvPicPr>
-          <p:cNvPr id="14338" name="Picture 2"/>
+          <p:cNvPr id="10242" name="Picture 2"/>
           <p:cNvPicPr>
-            <a:picLocks noGrp="1" noChangeAspect="1" noChangeArrowheads="1"/>
+            <a:picLocks noChangeAspect="1" noChangeArrowheads="1"/>
           </p:cNvPicPr>
-          <p:nvPr>
-            <p:ph idx="1"/>
-          </p:nvPr>
+          <p:nvPr/>
         </p:nvPicPr>
         <p:blipFill>
           <a:blip r:embed="rId2">
@@ -5786,8 +6397,8 @@
         </p:blipFill>
         <p:spPr bwMode="auto">
           <a:xfrm>
-            <a:off x="107504" y="987574"/>
-            <a:ext cx="6086475" cy="3343275"/>
+            <a:off x="4640788" y="1059582"/>
+            <a:ext cx="4251692" cy="3910875"/>
           </a:xfrm>
           <a:prstGeom prst="rect">
             <a:avLst/>
@@ -5817,16 +6428,183 @@
           </a:extLst>
         </p:spPr>
       </p:pic>
+    </p:spTree>
+    <p:extLst>
+      <p:ext uri="{BB962C8B-B14F-4D97-AF65-F5344CB8AC3E}">
+        <p14:creationId xmlns:p14="http://schemas.microsoft.com/office/powerpoint/2010/main" val="851257711"/>
+      </p:ext>
+    </p:extLst>
+  </p:cSld>
+  <p:clrMapOvr>
+    <a:masterClrMapping/>
+  </p:clrMapOvr>
+  <p:timing>
+    <p:tnLst>
+      <p:par>
+        <p:cTn id="1" dur="indefinite" restart="never" nodeType="tmRoot"/>
+      </p:par>
+    </p:tnLst>
+  </p:timing>
+</p:sld>
+</file>
+
+<file path=ppt/slides/slide24.xml><?xml version="1.0" encoding="utf-8"?>
+<p:sld xmlns:a="http://schemas.openxmlformats.org/drawingml/2006/main" xmlns:r="http://schemas.openxmlformats.org/officeDocument/2006/relationships" xmlns:p="http://schemas.openxmlformats.org/presentationml/2006/main">
+  <p:cSld>
+    <p:spTree>
+      <p:nvGrpSpPr>
+        <p:cNvPr id="1" name=""/>
+        <p:cNvGrpSpPr/>
+        <p:nvPr/>
+      </p:nvGrpSpPr>
+      <p:grpSpPr>
+        <a:xfrm>
+          <a:off x="0" y="0"/>
+          <a:ext cx="0" cy="0"/>
+          <a:chOff x="0" y="0"/>
+          <a:chExt cx="0" cy="0"/>
+        </a:xfrm>
+      </p:grpSpPr>
+      <p:sp>
+        <p:nvSpPr>
+          <p:cNvPr id="2" name="Titel 1"/>
+          <p:cNvSpPr>
+            <a:spLocks noGrp="1"/>
+          </p:cNvSpPr>
+          <p:nvPr>
+            <p:ph type="title"/>
+          </p:nvPr>
+        </p:nvSpPr>
+        <p:spPr/>
+        <p:txBody>
+          <a:bodyPr/>
+          <a:lstStyle/>
+          <a:p>
+            <a:r>
+              <a:rPr lang="de-CH" smtClean="0"/>
+              <a:t>3. Manuelle Korrektur</a:t>
+            </a:r>
+            <a:endParaRPr lang="de-CH"/>
+          </a:p>
+        </p:txBody>
+      </p:sp>
+      <p:sp>
+        <p:nvSpPr>
+          <p:cNvPr id="3" name="Inhaltsplatzhalter 2"/>
+          <p:cNvSpPr>
+            <a:spLocks noGrp="1"/>
+          </p:cNvSpPr>
+          <p:nvPr>
+            <p:ph idx="1"/>
+          </p:nvPr>
+        </p:nvSpPr>
+        <p:spPr/>
+        <p:txBody>
+          <a:bodyPr/>
+          <a:lstStyle/>
+          <a:p>
+            <a:r>
+              <a:rPr lang="de-CH" smtClean="0"/>
+              <a:t>Wenn nicht die ganze Prüfung MC oder KPRIM war, muss jetzt noch manuell nachcodiert werden.</a:t>
+            </a:r>
+          </a:p>
+          <a:p>
+            <a:r>
+              <a:rPr lang="de-CH"/>
+              <a:t>Doppelklicken Sie dafür auf </a:t>
+            </a:r>
+            <a:r>
+              <a:rPr lang="de-CH" smtClean="0"/>
+              <a:t>'2_Korrektur.py'</a:t>
+            </a:r>
+          </a:p>
+          <a:p>
+            <a:r>
+              <a:rPr lang="de-CH" smtClean="0"/>
+              <a:t>Es öffnet sich ein Dialogfenster, in welchem direkt die erste Antwort des ersten Teilnehmers erscheint.</a:t>
+            </a:r>
+          </a:p>
+          <a:p>
+            <a:r>
+              <a:rPr lang="de-CH" smtClean="0"/>
+              <a:t>In diesem Dialogfenster kann manuell nachgearbeitet werden. Es ist darauf ausgelegt, jeweils eine Frage für alle Teilnehmer zu korrigieren. So kann man immer dieselbe Antwort korrigieren und ist schneller und unparteiisch.</a:t>
+            </a:r>
+            <a:endParaRPr lang="de-CH"/>
+          </a:p>
+        </p:txBody>
+      </p:sp>
+    </p:spTree>
+    <p:extLst>
+      <p:ext uri="{BB962C8B-B14F-4D97-AF65-F5344CB8AC3E}">
+        <p14:creationId xmlns:p14="http://schemas.microsoft.com/office/powerpoint/2010/main" val="1069125768"/>
+      </p:ext>
+    </p:extLst>
+  </p:cSld>
+  <p:clrMapOvr>
+    <a:masterClrMapping/>
+  </p:clrMapOvr>
+  <p:timing>
+    <p:tnLst>
+      <p:par>
+        <p:cTn id="1" dur="indefinite" restart="never" nodeType="tmRoot"/>
+      </p:par>
+    </p:tnLst>
+  </p:timing>
+</p:sld>
+</file>
+
+<file path=ppt/slides/slide25.xml><?xml version="1.0" encoding="utf-8"?>
+<p:sld xmlns:a="http://schemas.openxmlformats.org/drawingml/2006/main" xmlns:r="http://schemas.openxmlformats.org/officeDocument/2006/relationships" xmlns:p="http://schemas.openxmlformats.org/presentationml/2006/main">
+  <p:cSld>
+    <p:spTree>
+      <p:nvGrpSpPr>
+        <p:cNvPr id="1" name=""/>
+        <p:cNvGrpSpPr/>
+        <p:nvPr/>
+      </p:nvGrpSpPr>
+      <p:grpSpPr>
+        <a:xfrm>
+          <a:off x="0" y="0"/>
+          <a:ext cx="0" cy="0"/>
+          <a:chOff x="0" y="0"/>
+          <a:chExt cx="0" cy="0"/>
+        </a:xfrm>
+      </p:grpSpPr>
+      <p:sp>
+        <p:nvSpPr>
+          <p:cNvPr id="2" name="Titel 1"/>
+          <p:cNvSpPr>
+            <a:spLocks noGrp="1"/>
+          </p:cNvSpPr>
+          <p:nvPr>
+            <p:ph type="title"/>
+          </p:nvPr>
+        </p:nvSpPr>
+        <p:spPr/>
+        <p:txBody>
+          <a:bodyPr/>
+          <a:lstStyle/>
+          <a:p>
+            <a:r>
+              <a:rPr lang="de-CH" smtClean="0"/>
+              <a:t>3. Manuelle Korrektur</a:t>
+            </a:r>
+            <a:endParaRPr lang="de-CH"/>
+          </a:p>
+        </p:txBody>
+      </p:sp>
       <p:pic>
         <p:nvPicPr>
-          <p:cNvPr id="14339" name="Picture 3"/>
+          <p:cNvPr id="11266" name="Picture 2"/>
           <p:cNvPicPr>
-            <a:picLocks noChangeAspect="1" noChangeArrowheads="1"/>
+            <a:picLocks noGrp="1" noChangeAspect="1" noChangeArrowheads="1"/>
           </p:cNvPicPr>
-          <p:nvPr/>
+          <p:nvPr>
+            <p:ph idx="1"/>
+          </p:nvPr>
         </p:nvPicPr>
         <p:blipFill>
-          <a:blip r:embed="rId3">
+          <a:blip r:embed="rId2">
             <a:extLst>
               <a:ext uri="{28A0092B-C50C-407E-A947-70E740481C1C}">
                 <a14:useLocalDpi xmlns:a14="http://schemas.microsoft.com/office/drawing/2010/main" val="0"/>
@@ -5840,8 +6618,8 @@
         </p:blipFill>
         <p:spPr bwMode="auto">
           <a:xfrm>
-            <a:off x="3763516" y="1770682"/>
-            <a:ext cx="5272980" cy="3249340"/>
+            <a:off x="1442482" y="1200150"/>
+            <a:ext cx="6259035" cy="3394075"/>
           </a:xfrm>
           <a:prstGeom prst="rect">
             <a:avLst/>
@@ -5873,19 +6651,19 @@
       </p:pic>
       <p:sp>
         <p:nvSpPr>
-          <p:cNvPr id="6" name="Rechteckige Legende 5"/>
+          <p:cNvPr id="5" name="Rechteckige Legende 4"/>
           <p:cNvSpPr/>
           <p:nvPr/>
         </p:nvSpPr>
         <p:spPr>
           <a:xfrm>
-            <a:off x="6660232" y="987574"/>
-            <a:ext cx="2232248" cy="783108"/>
+            <a:off x="0" y="699542"/>
+            <a:ext cx="1656184" cy="432048"/>
           </a:xfrm>
           <a:prstGeom prst="wedgeRectCallout">
             <a:avLst>
-              <a:gd name="adj1" fmla="val -81433"/>
-              <a:gd name="adj2" fmla="val 46044"/>
+              <a:gd name="adj1" fmla="val 47963"/>
+              <a:gd name="adj2" fmla="val 114136"/>
             </a:avLst>
           </a:prstGeom>
         </p:spPr>
@@ -5910,14 +6688,291 @@
             <a:pPr algn="ctr"/>
             <a:r>
               <a:rPr lang="de-CH" sz="1400" smtClean="0"/>
-              <a:t>Automatisch generiertes PDF für jeden Teilnehmer.</a:t>
-            </a:r>
-          </a:p>
+              <a:t>Frage auswählen</a:t>
+            </a:r>
+            <a:endParaRPr lang="de-CH" sz="1400"/>
+          </a:p>
+        </p:txBody>
+      </p:sp>
+      <p:sp>
+        <p:nvSpPr>
+          <p:cNvPr id="6" name="Rechteckige Legende 5"/>
+          <p:cNvSpPr/>
+          <p:nvPr/>
+        </p:nvSpPr>
+        <p:spPr>
+          <a:xfrm>
+            <a:off x="395536" y="4371950"/>
+            <a:ext cx="1656184" cy="432048"/>
+          </a:xfrm>
+          <a:prstGeom prst="wedgeRectCallout">
+            <a:avLst>
+              <a:gd name="adj1" fmla="val 73906"/>
+              <a:gd name="adj2" fmla="val -26110"/>
+            </a:avLst>
+          </a:prstGeom>
+        </p:spPr>
+        <p:style>
+          <a:lnRef idx="1">
+            <a:schemeClr val="accent3"/>
+          </a:lnRef>
+          <a:fillRef idx="2">
+            <a:schemeClr val="accent3"/>
+          </a:fillRef>
+          <a:effectRef idx="1">
+            <a:schemeClr val="accent3"/>
+          </a:effectRef>
+          <a:fontRef idx="minor">
+            <a:schemeClr val="dk1"/>
+          </a:fontRef>
+        </p:style>
+        <p:txBody>
+          <a:bodyPr rtlCol="0" anchor="ctr"/>
+          <a:lstStyle/>
           <a:p>
             <a:pPr algn="ctr"/>
             <a:r>
               <a:rPr lang="de-CH" sz="1400" smtClean="0"/>
-              <a:t>1 Seite/Frage</a:t>
+              <a:t>Vorheriger Kandidat</a:t>
+            </a:r>
+            <a:endParaRPr lang="de-CH" sz="1400"/>
+          </a:p>
+        </p:txBody>
+      </p:sp>
+      <p:sp>
+        <p:nvSpPr>
+          <p:cNvPr id="7" name="Rechteckige Legende 6"/>
+          <p:cNvSpPr/>
+          <p:nvPr/>
+        </p:nvSpPr>
+        <p:spPr>
+          <a:xfrm>
+            <a:off x="7020272" y="4447876"/>
+            <a:ext cx="1656184" cy="432048"/>
+          </a:xfrm>
+          <a:prstGeom prst="wedgeRectCallout">
+            <a:avLst>
+              <a:gd name="adj1" fmla="val -74432"/>
+              <a:gd name="adj2" fmla="val -33759"/>
+            </a:avLst>
+          </a:prstGeom>
+        </p:spPr>
+        <p:style>
+          <a:lnRef idx="1">
+            <a:schemeClr val="accent3"/>
+          </a:lnRef>
+          <a:fillRef idx="2">
+            <a:schemeClr val="accent3"/>
+          </a:fillRef>
+          <a:effectRef idx="1">
+            <a:schemeClr val="accent3"/>
+          </a:effectRef>
+          <a:fontRef idx="minor">
+            <a:schemeClr val="dk1"/>
+          </a:fontRef>
+        </p:style>
+        <p:txBody>
+          <a:bodyPr rtlCol="0" anchor="ctr"/>
+          <a:lstStyle/>
+          <a:p>
+            <a:pPr algn="ctr"/>
+            <a:r>
+              <a:rPr lang="de-CH" sz="1400" smtClean="0"/>
+              <a:t>Nächster Kandidat</a:t>
+            </a:r>
+            <a:endParaRPr lang="de-CH" sz="1400"/>
+          </a:p>
+        </p:txBody>
+      </p:sp>
+      <p:sp>
+        <p:nvSpPr>
+          <p:cNvPr id="8" name="Rechteckige Legende 7"/>
+          <p:cNvSpPr/>
+          <p:nvPr/>
+        </p:nvSpPr>
+        <p:spPr>
+          <a:xfrm>
+            <a:off x="6876256" y="2211710"/>
+            <a:ext cx="2016224" cy="864096"/>
+          </a:xfrm>
+          <a:prstGeom prst="wedgeRectCallout">
+            <a:avLst>
+              <a:gd name="adj1" fmla="val -93818"/>
+              <a:gd name="adj2" fmla="val 65688"/>
+            </a:avLst>
+          </a:prstGeom>
+        </p:spPr>
+        <p:style>
+          <a:lnRef idx="1">
+            <a:schemeClr val="accent3"/>
+          </a:lnRef>
+          <a:fillRef idx="2">
+            <a:schemeClr val="accent3"/>
+          </a:fillRef>
+          <a:effectRef idx="1">
+            <a:schemeClr val="accent3"/>
+          </a:effectRef>
+          <a:fontRef idx="minor">
+            <a:schemeClr val="dk1"/>
+          </a:fontRef>
+        </p:style>
+        <p:txBody>
+          <a:bodyPr rtlCol="0" anchor="ctr"/>
+          <a:lstStyle/>
+          <a:p>
+            <a:pPr algn="ctr"/>
+            <a:r>
+              <a:rPr lang="de-CH" sz="1400" smtClean="0"/>
+              <a:t>Punkte vergeben </a:t>
+            </a:r>
+          </a:p>
+          <a:p>
+            <a:pPr algn="ctr"/>
+            <a:r>
+              <a:rPr lang="de-CH" sz="1400" smtClean="0"/>
+              <a:t>(evtl. sind schon automatisch vergebene Punkte notiert)</a:t>
+            </a:r>
+            <a:endParaRPr lang="de-CH" sz="1400"/>
+          </a:p>
+        </p:txBody>
+      </p:sp>
+      <p:sp>
+        <p:nvSpPr>
+          <p:cNvPr id="9" name="Rechteckige Legende 8"/>
+          <p:cNvSpPr/>
+          <p:nvPr/>
+        </p:nvSpPr>
+        <p:spPr>
+          <a:xfrm>
+            <a:off x="-28545" y="3075806"/>
+            <a:ext cx="2016224" cy="1080120"/>
+          </a:xfrm>
+          <a:prstGeom prst="wedgeRectCallout">
+            <a:avLst>
+              <a:gd name="adj1" fmla="val 67920"/>
+              <a:gd name="adj2" fmla="val -4690"/>
+            </a:avLst>
+          </a:prstGeom>
+        </p:spPr>
+        <p:style>
+          <a:lnRef idx="1">
+            <a:schemeClr val="accent3"/>
+          </a:lnRef>
+          <a:fillRef idx="2">
+            <a:schemeClr val="accent3"/>
+          </a:fillRef>
+          <a:effectRef idx="1">
+            <a:schemeClr val="accent3"/>
+          </a:effectRef>
+          <a:fontRef idx="minor">
+            <a:schemeClr val="dk1"/>
+          </a:fontRef>
+        </p:style>
+        <p:txBody>
+          <a:bodyPr rtlCol="0" anchor="ctr"/>
+          <a:lstStyle/>
+          <a:p>
+            <a:pPr algn="ctr"/>
+            <a:r>
+              <a:rPr lang="de-CH" sz="1400" smtClean="0"/>
+              <a:t>Gründe für Punktabzug eintragen.</a:t>
+            </a:r>
+          </a:p>
+          <a:p>
+            <a:pPr algn="ctr"/>
+            <a:r>
+              <a:rPr lang="de-CH" sz="1400" smtClean="0"/>
+              <a:t>Wird für die Prüfungseinsicht verwendet.</a:t>
+            </a:r>
+            <a:endParaRPr lang="de-CH" sz="1400"/>
+          </a:p>
+        </p:txBody>
+      </p:sp>
+      <p:sp>
+        <p:nvSpPr>
+          <p:cNvPr id="10" name="Rechteckige Legende 9"/>
+          <p:cNvSpPr/>
+          <p:nvPr/>
+        </p:nvSpPr>
+        <p:spPr>
+          <a:xfrm>
+            <a:off x="3923928" y="2499742"/>
+            <a:ext cx="2016224" cy="432048"/>
+          </a:xfrm>
+          <a:prstGeom prst="wedgeRectCallout">
+            <a:avLst>
+              <a:gd name="adj1" fmla="val -17866"/>
+              <a:gd name="adj2" fmla="val -87307"/>
+            </a:avLst>
+          </a:prstGeom>
+        </p:spPr>
+        <p:style>
+          <a:lnRef idx="1">
+            <a:schemeClr val="accent3"/>
+          </a:lnRef>
+          <a:fillRef idx="2">
+            <a:schemeClr val="accent3"/>
+          </a:fillRef>
+          <a:effectRef idx="1">
+            <a:schemeClr val="accent3"/>
+          </a:effectRef>
+          <a:fontRef idx="minor">
+            <a:schemeClr val="dk1"/>
+          </a:fontRef>
+        </p:style>
+        <p:txBody>
+          <a:bodyPr rtlCol="0" anchor="ctr"/>
+          <a:lstStyle/>
+          <a:p>
+            <a:pPr algn="ctr"/>
+            <a:r>
+              <a:rPr lang="de-CH" sz="1400" smtClean="0"/>
+              <a:t>Korrekte und gegebene Antwort zum Vergleich</a:t>
+            </a:r>
+            <a:endParaRPr lang="de-CH" sz="1400"/>
+          </a:p>
+        </p:txBody>
+      </p:sp>
+      <p:sp>
+        <p:nvSpPr>
+          <p:cNvPr id="11" name="Rechteckige Legende 10"/>
+          <p:cNvSpPr/>
+          <p:nvPr/>
+        </p:nvSpPr>
+        <p:spPr>
+          <a:xfrm>
+            <a:off x="6228184" y="1347614"/>
+            <a:ext cx="2016224" cy="432048"/>
+          </a:xfrm>
+          <a:prstGeom prst="wedgeRectCallout">
+            <a:avLst>
+              <a:gd name="adj1" fmla="val -83435"/>
+              <a:gd name="adj2" fmla="val -18459"/>
+            </a:avLst>
+          </a:prstGeom>
+        </p:spPr>
+        <p:style>
+          <a:lnRef idx="1">
+            <a:schemeClr val="accent3"/>
+          </a:lnRef>
+          <a:fillRef idx="2">
+            <a:schemeClr val="accent3"/>
+          </a:fillRef>
+          <a:effectRef idx="1">
+            <a:schemeClr val="accent3"/>
+          </a:effectRef>
+          <a:fontRef idx="minor">
+            <a:schemeClr val="dk1"/>
+          </a:fontRef>
+        </p:style>
+        <p:txBody>
+          <a:bodyPr rtlCol="0" anchor="ctr"/>
+          <a:lstStyle/>
+          <a:p>
+            <a:pPr algn="ctr"/>
+            <a:r>
+              <a:rPr lang="de-CH" sz="1400" smtClean="0"/>
+              <a:t>Übersicht und Schnellnavigation</a:t>
             </a:r>
             <a:endParaRPr lang="de-CH" sz="1400"/>
           </a:p>
@@ -5926,7 +6981,7 @@
     </p:spTree>
     <p:extLst>
       <p:ext uri="{BB962C8B-B14F-4D97-AF65-F5344CB8AC3E}">
-        <p14:creationId xmlns:p14="http://schemas.microsoft.com/office/powerpoint/2010/main" val="1426205801"/>
+        <p14:creationId xmlns:p14="http://schemas.microsoft.com/office/powerpoint/2010/main" val="4002153250"/>
       </p:ext>
     </p:extLst>
   </p:cSld>
@@ -5943,7 +6998,7 @@
 </p:sld>
 </file>
 
-<file path=ppt/slides/slide22.xml><?xml version="1.0" encoding="utf-8"?>
+<file path=ppt/slides/slide26.xml><?xml version="1.0" encoding="utf-8"?>
 <p:sld xmlns:a="http://schemas.openxmlformats.org/drawingml/2006/main" xmlns:r="http://schemas.openxmlformats.org/officeDocument/2006/relationships" xmlns:p="http://schemas.openxmlformats.org/presentationml/2006/main">
   <p:cSld>
     <p:spTree>
@@ -5962,12 +7017,65 @@
       </p:grpSpPr>
       <p:sp>
         <p:nvSpPr>
-          <p:cNvPr id="4" name="Titel 3"/>
-          <p:cNvSpPr>
-            <a:spLocks noGrp="1"/>
-          </p:cNvSpPr>
-          <p:nvPr>
-            <p:ph type="ctrTitle"/>
+          <p:cNvPr id="3" name="Inhaltsplatzhalter 2"/>
+          <p:cNvSpPr>
+            <a:spLocks noGrp="1"/>
+          </p:cNvSpPr>
+          <p:nvPr>
+            <p:ph idx="1"/>
+          </p:nvPr>
+        </p:nvSpPr>
+        <p:spPr>
+          <a:xfrm>
+            <a:off x="457200" y="1200150"/>
+            <a:ext cx="8229600" cy="3747863"/>
+          </a:xfrm>
+        </p:spPr>
+        <p:txBody>
+          <a:bodyPr>
+            <a:normAutofit lnSpcReduction="10000"/>
+          </a:bodyPr>
+          <a:lstStyle/>
+          <a:p>
+            <a:r>
+              <a:rPr lang="de-CH" smtClean="0"/>
+              <a:t>Im Korrekturfenster stellt man sich mit Vorteil eine Frage ein und blättert dann durch alle Prüflinge.</a:t>
+            </a:r>
+          </a:p>
+          <a:p>
+            <a:r>
+              <a:rPr lang="de-CH" smtClean="0"/>
+              <a:t>Falls bereits automatisch Punkte vergeben wurden, sind diese schon sichtbar. Sonst müssen Punkte vergeben werden.</a:t>
+            </a:r>
+          </a:p>
+          <a:p>
+            <a:r>
+              <a:rPr lang="de-CH" smtClean="0"/>
+              <a:t>Im Feld 'Bemerkungen' kann man Bemerkungen für die Prüfungseinsicht eingeben (z.B: "Nur Tippfehler, kein Abzug" oder "Falscher Begriff"). Manchmal sind durch die automatische Korrektur schon Bemerkungen erstellt worden, die bei der Punktevergabe helfen.</a:t>
+            </a:r>
+          </a:p>
+          <a:p>
+            <a:r>
+              <a:rPr lang="de-CH" smtClean="0"/>
+              <a:t>Ist man sich unsicher, kann man mit einem Häkchen bei 'Bitte checken!' diese Klausur für eine spätere Überprüfung vormerken.</a:t>
+            </a:r>
+          </a:p>
+          <a:p>
+            <a:r>
+              <a:rPr lang="de-CH" smtClean="0"/>
+              <a:t>Klickt man auf 'Speichern' oder den nächsten oder vorherigen Kandidaten, so wird automatisch die aktuelle Seite (Punktzahl und Bemerkungen) gespeichert und in einer Datei abgelegt.</a:t>
+            </a:r>
+          </a:p>
+        </p:txBody>
+      </p:sp>
+      <p:sp>
+        <p:nvSpPr>
+          <p:cNvPr id="4" name="Titel 1"/>
+          <p:cNvSpPr>
+            <a:spLocks noGrp="1"/>
+          </p:cNvSpPr>
+          <p:nvPr>
+            <p:ph type="title"/>
           </p:nvPr>
         </p:nvSpPr>
         <p:spPr/>
@@ -5977,27 +7085,8 @@
           <a:p>
             <a:r>
               <a:rPr lang="de-CH" smtClean="0"/>
-              <a:t>...that's all folks</a:t>
-            </a:r>
-            <a:endParaRPr lang="de-CH"/>
-          </a:p>
-        </p:txBody>
-      </p:sp>
-      <p:sp>
-        <p:nvSpPr>
-          <p:cNvPr id="5" name="Untertitel 4"/>
-          <p:cNvSpPr>
-            <a:spLocks noGrp="1"/>
-          </p:cNvSpPr>
-          <p:nvPr>
-            <p:ph type="subTitle" idx="1"/>
-          </p:nvPr>
-        </p:nvSpPr>
-        <p:spPr/>
-        <p:txBody>
-          <a:bodyPr/>
-          <a:lstStyle/>
-          <a:p>
+              <a:t>3. Manuelle Korrektur</a:t>
+            </a:r>
             <a:endParaRPr lang="de-CH"/>
           </a:p>
         </p:txBody>
@@ -6005,7 +7094,558 @@
     </p:spTree>
     <p:extLst>
       <p:ext uri="{BB962C8B-B14F-4D97-AF65-F5344CB8AC3E}">
-        <p14:creationId xmlns:p14="http://schemas.microsoft.com/office/powerpoint/2010/main" val="4126768086"/>
+        <p14:creationId xmlns:p14="http://schemas.microsoft.com/office/powerpoint/2010/main" val="3460759371"/>
+      </p:ext>
+    </p:extLst>
+  </p:cSld>
+  <p:clrMapOvr>
+    <a:masterClrMapping/>
+  </p:clrMapOvr>
+  <p:timing>
+    <p:tnLst>
+      <p:par>
+        <p:cTn id="1" dur="indefinite" restart="never" nodeType="tmRoot"/>
+      </p:par>
+    </p:tnLst>
+  </p:timing>
+</p:sld>
+</file>
+
+<file path=ppt/slides/slide27.xml><?xml version="1.0" encoding="utf-8"?>
+<p:sld xmlns:a="http://schemas.openxmlformats.org/drawingml/2006/main" xmlns:r="http://schemas.openxmlformats.org/officeDocument/2006/relationships" xmlns:p="http://schemas.openxmlformats.org/presentationml/2006/main">
+  <p:cSld>
+    <p:spTree>
+      <p:nvGrpSpPr>
+        <p:cNvPr id="1" name=""/>
+        <p:cNvGrpSpPr/>
+        <p:nvPr/>
+      </p:nvGrpSpPr>
+      <p:grpSpPr>
+        <a:xfrm>
+          <a:off x="0" y="0"/>
+          <a:ext cx="0" cy="0"/>
+          <a:chOff x="0" y="0"/>
+          <a:chExt cx="0" cy="0"/>
+        </a:xfrm>
+      </p:grpSpPr>
+      <p:sp>
+        <p:nvSpPr>
+          <p:cNvPr id="3" name="Inhaltsplatzhalter 2"/>
+          <p:cNvSpPr>
+            <a:spLocks noGrp="1"/>
+          </p:cNvSpPr>
+          <p:nvPr>
+            <p:ph idx="1"/>
+          </p:nvPr>
+        </p:nvSpPr>
+        <p:spPr>
+          <a:xfrm>
+            <a:off x="457200" y="987574"/>
+            <a:ext cx="8507288" cy="3607049"/>
+          </a:xfrm>
+        </p:spPr>
+        <p:txBody>
+          <a:bodyPr>
+            <a:normAutofit/>
+          </a:bodyPr>
+          <a:lstStyle/>
+          <a:p>
+            <a:r>
+              <a:rPr lang="de-CH" sz="1600" smtClean="0"/>
+              <a:t>Mit einem Klick auf 'Übersicht' öffnet sich ein neues Fenster. In den Zeilen sind die Fragen, in den Spalten die Kandidaten aufgetragen. Unten ist eine Billaufleiste, um links/rechts zu scrollen</a:t>
+            </a:r>
+          </a:p>
+          <a:p>
+            <a:r>
+              <a:rPr lang="de-CH" sz="1600" smtClean="0"/>
+              <a:t>Mit einem Klick auf eines der Felder springt man zu dieser Frage und diesem Kandidaten. Fährt man nur mit der Maus darüber, wird oberhalb die Frage/Kandiatennummer angezeigt</a:t>
+            </a:r>
+            <a:endParaRPr lang="de-CH" sz="1600"/>
+          </a:p>
+        </p:txBody>
+      </p:sp>
+      <p:sp>
+        <p:nvSpPr>
+          <p:cNvPr id="4" name="Titel 1"/>
+          <p:cNvSpPr>
+            <a:spLocks noGrp="1"/>
+          </p:cNvSpPr>
+          <p:nvPr>
+            <p:ph type="title"/>
+          </p:nvPr>
+        </p:nvSpPr>
+        <p:spPr/>
+        <p:txBody>
+          <a:bodyPr/>
+          <a:lstStyle/>
+          <a:p>
+            <a:r>
+              <a:rPr lang="de-CH" smtClean="0"/>
+              <a:t>3. Manuelle Korrektur</a:t>
+            </a:r>
+            <a:endParaRPr lang="de-CH"/>
+          </a:p>
+        </p:txBody>
+      </p:sp>
+      <p:pic>
+        <p:nvPicPr>
+          <p:cNvPr id="12290" name="Picture 2"/>
+          <p:cNvPicPr>
+            <a:picLocks noChangeAspect="1" noChangeArrowheads="1"/>
+          </p:cNvPicPr>
+          <p:nvPr/>
+        </p:nvPicPr>
+        <p:blipFill>
+          <a:blip r:embed="rId2">
+            <a:extLst>
+              <a:ext uri="{28A0092B-C50C-407E-A947-70E740481C1C}">
+                <a14:useLocalDpi xmlns:a14="http://schemas.microsoft.com/office/drawing/2010/main" val="0"/>
+              </a:ext>
+            </a:extLst>
+          </a:blip>
+          <a:srcRect/>
+          <a:stretch>
+            <a:fillRect/>
+          </a:stretch>
+        </p:blipFill>
+        <p:spPr bwMode="auto">
+          <a:xfrm>
+            <a:off x="179512" y="2067694"/>
+            <a:ext cx="7282266" cy="3075806"/>
+          </a:xfrm>
+          <a:prstGeom prst="rect">
+            <a:avLst/>
+          </a:prstGeom>
+          <a:noFill/>
+          <a:ln>
+            <a:noFill/>
+          </a:ln>
+          <a:extLst>
+            <a:ext uri="{909E8E84-426E-40DD-AFC4-6F175D3DCCD1}">
+              <a14:hiddenFill xmlns:a14="http://schemas.microsoft.com/office/drawing/2010/main">
+                <a:solidFill>
+                  <a:schemeClr val="accent1"/>
+                </a:solidFill>
+              </a14:hiddenFill>
+            </a:ext>
+            <a:ext uri="{91240B29-F687-4F45-9708-019B960494DF}">
+              <a14:hiddenLine xmlns:a14="http://schemas.microsoft.com/office/drawing/2010/main" w="9525">
+                <a:solidFill>
+                  <a:schemeClr val="tx1"/>
+                </a:solidFill>
+                <a:miter lim="800000"/>
+                <a:headEnd/>
+                <a:tailEnd/>
+              </a14:hiddenLine>
+            </a:ext>
+          </a:extLst>
+        </p:spPr>
+      </p:pic>
+      <p:sp>
+        <p:nvSpPr>
+          <p:cNvPr id="5" name="Rechteck 4"/>
+          <p:cNvSpPr/>
+          <p:nvPr/>
+        </p:nvSpPr>
+        <p:spPr>
+          <a:xfrm>
+            <a:off x="5364088" y="3651870"/>
+            <a:ext cx="3528392" cy="1296144"/>
+          </a:xfrm>
+          <a:prstGeom prst="rect">
+            <a:avLst/>
+          </a:prstGeom>
+        </p:spPr>
+        <p:style>
+          <a:lnRef idx="2">
+            <a:schemeClr val="dk1"/>
+          </a:lnRef>
+          <a:fillRef idx="1">
+            <a:schemeClr val="lt1"/>
+          </a:fillRef>
+          <a:effectRef idx="0">
+            <a:schemeClr val="dk1"/>
+          </a:effectRef>
+          <a:fontRef idx="minor">
+            <a:schemeClr val="dk1"/>
+          </a:fontRef>
+        </p:style>
+        <p:txBody>
+          <a:bodyPr rtlCol="0" anchor="ctr"/>
+          <a:lstStyle/>
+          <a:p>
+            <a:r>
+              <a:rPr lang="de-CH" sz="1600" b="1" smtClean="0"/>
+              <a:t>Legende:</a:t>
+            </a:r>
+          </a:p>
+          <a:p>
+            <a:r>
+              <a:rPr lang="de-CH" sz="1600" smtClean="0">
+                <a:ln>
+                  <a:solidFill>
+                    <a:schemeClr val="tx1"/>
+                  </a:solidFill>
+                </a:ln>
+                <a:solidFill>
+                  <a:srgbClr val="99FF99"/>
+                </a:solidFill>
+                <a:sym typeface="Wingdings"/>
+              </a:rPr>
+              <a:t></a:t>
+            </a:r>
+            <a:r>
+              <a:rPr lang="de-CH" sz="1600" smtClean="0">
+                <a:sym typeface="Wingdings"/>
+              </a:rPr>
+              <a:t> Automatisch korrigiert</a:t>
+            </a:r>
+          </a:p>
+          <a:p>
+            <a:r>
+              <a:rPr lang="de-CH" sz="1600">
+                <a:ln>
+                  <a:solidFill>
+                    <a:schemeClr val="tx1"/>
+                  </a:solidFill>
+                </a:ln>
+                <a:solidFill>
+                  <a:schemeClr val="accent2">
+                    <a:lumMod val="60000"/>
+                    <a:lumOff val="40000"/>
+                  </a:schemeClr>
+                </a:solidFill>
+                <a:sym typeface="Wingdings"/>
+              </a:rPr>
+              <a:t> </a:t>
+            </a:r>
+            <a:r>
+              <a:rPr lang="de-CH" sz="1600" smtClean="0">
+                <a:sym typeface="Wingdings"/>
+              </a:rPr>
+              <a:t>Noch nicht korrigiert</a:t>
+            </a:r>
+          </a:p>
+          <a:p>
+            <a:r>
+              <a:rPr lang="de-CH" sz="1600">
+                <a:ln>
+                  <a:solidFill>
+                    <a:schemeClr val="tx1"/>
+                  </a:solidFill>
+                </a:ln>
+                <a:solidFill>
+                  <a:srgbClr val="00FF00"/>
+                </a:solidFill>
+                <a:sym typeface="Wingdings"/>
+              </a:rPr>
+              <a:t> </a:t>
+            </a:r>
+            <a:r>
+              <a:rPr lang="de-CH" sz="1600" smtClean="0">
+                <a:sym typeface="Wingdings"/>
+              </a:rPr>
+              <a:t>Manuell korrigiert und bestätigt</a:t>
+            </a:r>
+          </a:p>
+          <a:p>
+            <a:r>
+              <a:rPr lang="de-CH" sz="1600">
+                <a:ln>
+                  <a:solidFill>
+                    <a:schemeClr val="tx1"/>
+                  </a:solidFill>
+                </a:ln>
+                <a:solidFill>
+                  <a:srgbClr val="FFFF00"/>
+                </a:solidFill>
+                <a:sym typeface="Wingdings"/>
+              </a:rPr>
+              <a:t> </a:t>
+            </a:r>
+            <a:r>
+              <a:rPr lang="de-CH" sz="1600" smtClean="0">
+                <a:sym typeface="Wingdings"/>
+              </a:rPr>
+              <a:t>Für Überprüfung vorgemerkt</a:t>
+            </a:r>
+            <a:endParaRPr lang="de-CH" sz="1600"/>
+          </a:p>
+        </p:txBody>
+      </p:sp>
+    </p:spTree>
+    <p:extLst>
+      <p:ext uri="{BB962C8B-B14F-4D97-AF65-F5344CB8AC3E}">
+        <p14:creationId xmlns:p14="http://schemas.microsoft.com/office/powerpoint/2010/main" val="1461483640"/>
+      </p:ext>
+    </p:extLst>
+  </p:cSld>
+  <p:clrMapOvr>
+    <a:masterClrMapping/>
+  </p:clrMapOvr>
+  <p:timing>
+    <p:tnLst>
+      <p:par>
+        <p:cTn id="1" dur="indefinite" restart="never" nodeType="tmRoot"/>
+      </p:par>
+    </p:tnLst>
+  </p:timing>
+</p:sld>
+</file>
+
+<file path=ppt/slides/slide28.xml><?xml version="1.0" encoding="utf-8"?>
+<p:sld xmlns:a="http://schemas.openxmlformats.org/drawingml/2006/main" xmlns:r="http://schemas.openxmlformats.org/officeDocument/2006/relationships" xmlns:p="http://schemas.openxmlformats.org/presentationml/2006/main">
+  <p:cSld>
+    <p:spTree>
+      <p:nvGrpSpPr>
+        <p:cNvPr id="1" name=""/>
+        <p:cNvGrpSpPr/>
+        <p:nvPr/>
+      </p:nvGrpSpPr>
+      <p:grpSpPr>
+        <a:xfrm>
+          <a:off x="0" y="0"/>
+          <a:ext cx="0" cy="0"/>
+          <a:chOff x="0" y="0"/>
+          <a:chExt cx="0" cy="0"/>
+        </a:xfrm>
+      </p:grpSpPr>
+      <p:sp>
+        <p:nvSpPr>
+          <p:cNvPr id="2" name="Titel 1"/>
+          <p:cNvSpPr>
+            <a:spLocks noGrp="1"/>
+          </p:cNvSpPr>
+          <p:nvPr>
+            <p:ph type="title"/>
+          </p:nvPr>
+        </p:nvSpPr>
+        <p:spPr/>
+        <p:txBody>
+          <a:bodyPr/>
+          <a:lstStyle/>
+          <a:p>
+            <a:r>
+              <a:rPr lang="de-CH" smtClean="0"/>
+              <a:t>3. Manuelle Korrektur</a:t>
+            </a:r>
+            <a:endParaRPr lang="de-CH"/>
+          </a:p>
+        </p:txBody>
+      </p:sp>
+      <p:sp>
+        <p:nvSpPr>
+          <p:cNvPr id="3" name="Inhaltsplatzhalter 2"/>
+          <p:cNvSpPr>
+            <a:spLocks noGrp="1"/>
+          </p:cNvSpPr>
+          <p:nvPr>
+            <p:ph idx="1"/>
+          </p:nvPr>
+        </p:nvSpPr>
+        <p:spPr/>
+        <p:txBody>
+          <a:bodyPr/>
+          <a:lstStyle/>
+          <a:p>
+            <a:r>
+              <a:rPr lang="de-CH" smtClean="0"/>
+              <a:t>Schon während der Korrektur sieht man, dass im Ordner eine neue Datei geschrieben wird. Sie trägt den Namen </a:t>
+            </a:r>
+            <a:r>
+              <a:rPr lang="de-CH" b="1" i="1" smtClean="0"/>
+              <a:t>'results_corr.json'</a:t>
+            </a:r>
+            <a:r>
+              <a:rPr lang="de-CH" smtClean="0"/>
+              <a:t> und enthält die korrigierten Resultate.</a:t>
+            </a:r>
+          </a:p>
+          <a:p>
+            <a:r>
+              <a:rPr lang="de-CH" smtClean="0"/>
+              <a:t>Schliesst man das Fenster zu irgend einem Zeitpunkt und öffnet es wieder, hat man wieder alle Daten. Mit jedem Klick auf den nächsten Prüfling oder eine andere Frage wird automatisch eine Sicherung gemacht.</a:t>
+            </a:r>
+          </a:p>
+          <a:p>
+            <a:r>
+              <a:rPr lang="de-CH" smtClean="0"/>
+              <a:t>Ist man mit korrigieren fertig (nur noch grün in der Übersicht), kann man das Tool schliessen.</a:t>
+            </a:r>
+            <a:endParaRPr lang="de-CH"/>
+          </a:p>
+        </p:txBody>
+      </p:sp>
+    </p:spTree>
+    <p:extLst>
+      <p:ext uri="{BB962C8B-B14F-4D97-AF65-F5344CB8AC3E}">
+        <p14:creationId xmlns:p14="http://schemas.microsoft.com/office/powerpoint/2010/main" val="208830410"/>
+      </p:ext>
+    </p:extLst>
+  </p:cSld>
+  <p:clrMapOvr>
+    <a:masterClrMapping/>
+  </p:clrMapOvr>
+  <p:timing>
+    <p:tnLst>
+      <p:par>
+        <p:cTn id="1" dur="indefinite" restart="never" nodeType="tmRoot"/>
+      </p:par>
+    </p:tnLst>
+  </p:timing>
+</p:sld>
+</file>
+
+<file path=ppt/slides/slide29.xml><?xml version="1.0" encoding="utf-8"?>
+<p:sld xmlns:a="http://schemas.openxmlformats.org/drawingml/2006/main" xmlns:r="http://schemas.openxmlformats.org/officeDocument/2006/relationships" xmlns:p="http://schemas.openxmlformats.org/presentationml/2006/main">
+  <p:cSld>
+    <p:spTree>
+      <p:nvGrpSpPr>
+        <p:cNvPr id="1" name=""/>
+        <p:cNvGrpSpPr/>
+        <p:nvPr/>
+      </p:nvGrpSpPr>
+      <p:grpSpPr>
+        <a:xfrm>
+          <a:off x="0" y="0"/>
+          <a:ext cx="0" cy="0"/>
+          <a:chOff x="0" y="0"/>
+          <a:chExt cx="0" cy="0"/>
+        </a:xfrm>
+      </p:grpSpPr>
+      <p:sp>
+        <p:nvSpPr>
+          <p:cNvPr id="2" name="Titel 1"/>
+          <p:cNvSpPr>
+            <a:spLocks noGrp="1"/>
+          </p:cNvSpPr>
+          <p:nvPr>
+            <p:ph type="title"/>
+          </p:nvPr>
+        </p:nvSpPr>
+        <p:spPr/>
+        <p:txBody>
+          <a:bodyPr/>
+          <a:lstStyle/>
+          <a:p>
+            <a:r>
+              <a:rPr lang="de-CH" smtClean="0"/>
+              <a:t>4. Resultate berichten</a:t>
+            </a:r>
+            <a:endParaRPr lang="de-CH"/>
+          </a:p>
+        </p:txBody>
+      </p:sp>
+      <p:sp>
+        <p:nvSpPr>
+          <p:cNvPr id="3" name="Inhaltsplatzhalter 2"/>
+          <p:cNvSpPr>
+            <a:spLocks noGrp="1"/>
+          </p:cNvSpPr>
+          <p:nvPr>
+            <p:ph idx="1"/>
+          </p:nvPr>
+        </p:nvSpPr>
+        <p:spPr/>
+        <p:txBody>
+          <a:bodyPr>
+            <a:normAutofit lnSpcReduction="10000"/>
+          </a:bodyPr>
+          <a:lstStyle/>
+          <a:p>
+            <a:r>
+              <a:rPr lang="de-CH"/>
+              <a:t>Die korrigierten Resultate liegen nun in 'results_corr.json' und sind nicht von Auge lesbar. Um sie in ein angenehmes Format zu übertragen, verwendet man den dritten Teil der Pipeline: </a:t>
+            </a:r>
+            <a:r>
+              <a:rPr lang="de-CH" b="1" i="1" smtClean="0"/>
+              <a:t>'3_create_Report.py'</a:t>
+            </a:r>
+            <a:r>
+              <a:rPr lang="de-CH" smtClean="0"/>
+              <a:t>.</a:t>
+            </a:r>
+          </a:p>
+          <a:p>
+            <a:r>
+              <a:rPr lang="de-CH" smtClean="0"/>
+              <a:t>Ein Doppelklick auf dieses dritte Skript erstellt das Dokument </a:t>
+            </a:r>
+            <a:r>
+              <a:rPr lang="de-CH" b="1" i="1" smtClean="0"/>
+              <a:t>'Punktetabelle.xls'</a:t>
+            </a:r>
+            <a:r>
+              <a:rPr lang="de-CH" smtClean="0"/>
+              <a:t> (wieder kein echtes Excel-File), in welchem alle Punkte zusammengezählt sind.</a:t>
+            </a:r>
+          </a:p>
+          <a:p>
+            <a:endParaRPr lang="de-CH"/>
+          </a:p>
+          <a:p>
+            <a:pPr marL="0" indent="0">
+              <a:buNone/>
+            </a:pPr>
+            <a:r>
+              <a:rPr lang="de-CH" b="1" smtClean="0"/>
+              <a:t>Hinweis für Python-Cracks:</a:t>
+            </a:r>
+          </a:p>
+          <a:p>
+            <a:r>
+              <a:rPr lang="de-CH" smtClean="0"/>
+              <a:t>Hat man das Paket </a:t>
+            </a:r>
+            <a:r>
+              <a:rPr lang="de-CH" i="1" smtClean="0"/>
+              <a:t>fpdf</a:t>
+            </a:r>
+            <a:r>
+              <a:rPr lang="de-CH" smtClean="0"/>
+              <a:t> zur Verfügung, entsteht noch ein weiterer Output: ein Verzeichnis namens </a:t>
+            </a:r>
+            <a:r>
+              <a:rPr lang="de-CH" b="1" i="1" smtClean="0"/>
+              <a:t>'Einsichten'</a:t>
+            </a:r>
+            <a:r>
+              <a:rPr lang="de-CH" smtClean="0"/>
+              <a:t> voller PDFs mit zusammengefassten Resultaten für jeden Teilnehmer, welches für eine Prüfungseinsicht versendet werden kann.</a:t>
+            </a:r>
+          </a:p>
+          <a:p>
+            <a:r>
+              <a:rPr lang="de-CH"/>
+              <a:t>Das Paket lässt sich über die Konsole installieren </a:t>
+            </a:r>
+            <a:r>
+              <a:rPr lang="de-CH" smtClean="0"/>
+              <a:t>mit dem Befehl:</a:t>
+            </a:r>
+          </a:p>
+          <a:p>
+            <a:pPr marL="457200" lvl="1" indent="0">
+              <a:buNone/>
+            </a:pPr>
+            <a:r>
+              <a:rPr lang="de-CH" smtClean="0"/>
+              <a:t> </a:t>
+            </a:r>
+            <a:r>
+              <a:rPr lang="de-CH" b="1">
+                <a:latin typeface="Courier New" panose="02070309020205020404" pitchFamily="49" charset="0"/>
+                <a:cs typeface="Courier New" panose="02070309020205020404" pitchFamily="49" charset="0"/>
+              </a:rPr>
+              <a:t>pip.exe install -I fpdf</a:t>
+            </a:r>
+          </a:p>
+        </p:txBody>
+      </p:sp>
+    </p:spTree>
+    <p:extLst>
+      <p:ext uri="{BB962C8B-B14F-4D97-AF65-F5344CB8AC3E}">
+        <p14:creationId xmlns:p14="http://schemas.microsoft.com/office/powerpoint/2010/main" val="320526248"/>
       </p:ext>
     </p:extLst>
   </p:cSld>
@@ -6175,6 +7815,637 @@
     <p:extLst>
       <p:ext uri="{BB962C8B-B14F-4D97-AF65-F5344CB8AC3E}">
         <p14:creationId xmlns:p14="http://schemas.microsoft.com/office/powerpoint/2010/main" val="2497970527"/>
+      </p:ext>
+    </p:extLst>
+  </p:cSld>
+  <p:clrMapOvr>
+    <a:masterClrMapping/>
+  </p:clrMapOvr>
+  <p:timing>
+    <p:tnLst>
+      <p:par>
+        <p:cTn id="1" dur="indefinite" restart="never" nodeType="tmRoot"/>
+      </p:par>
+    </p:tnLst>
+  </p:timing>
+</p:sld>
+</file>
+
+<file path=ppt/slides/slide30.xml><?xml version="1.0" encoding="utf-8"?>
+<p:sld xmlns:a="http://schemas.openxmlformats.org/drawingml/2006/main" xmlns:r="http://schemas.openxmlformats.org/officeDocument/2006/relationships" xmlns:p="http://schemas.openxmlformats.org/presentationml/2006/main">
+  <p:cSld>
+    <p:spTree>
+      <p:nvGrpSpPr>
+        <p:cNvPr id="1" name=""/>
+        <p:cNvGrpSpPr/>
+        <p:nvPr/>
+      </p:nvGrpSpPr>
+      <p:grpSpPr>
+        <a:xfrm>
+          <a:off x="0" y="0"/>
+          <a:ext cx="0" cy="0"/>
+          <a:chOff x="0" y="0"/>
+          <a:chExt cx="0" cy="0"/>
+        </a:xfrm>
+      </p:grpSpPr>
+      <p:sp>
+        <p:nvSpPr>
+          <p:cNvPr id="3" name="Inhaltsplatzhalter 2"/>
+          <p:cNvSpPr>
+            <a:spLocks noGrp="1"/>
+          </p:cNvSpPr>
+          <p:nvPr>
+            <p:ph idx="1"/>
+          </p:nvPr>
+        </p:nvSpPr>
+        <p:spPr>
+          <a:xfrm>
+            <a:off x="457200" y="1200151"/>
+            <a:ext cx="8229600" cy="579511"/>
+          </a:xfrm>
+        </p:spPr>
+        <p:txBody>
+          <a:bodyPr/>
+          <a:lstStyle/>
+          <a:p>
+            <a:r>
+              <a:rPr lang="de-CH" smtClean="0"/>
+              <a:t>In </a:t>
+            </a:r>
+            <a:r>
+              <a:rPr lang="de-CH" b="1" i="1" smtClean="0"/>
+              <a:t>'Punktetabelle.xls'</a:t>
+            </a:r>
+            <a:r>
+              <a:rPr lang="de-CH" smtClean="0"/>
+              <a:t> befindet sich eine ausführliche Zusammenfassung:</a:t>
+            </a:r>
+            <a:endParaRPr lang="de-CH"/>
+          </a:p>
+        </p:txBody>
+      </p:sp>
+      <p:sp>
+        <p:nvSpPr>
+          <p:cNvPr id="4" name="Titel 1"/>
+          <p:cNvSpPr>
+            <a:spLocks noGrp="1"/>
+          </p:cNvSpPr>
+          <p:nvPr>
+            <p:ph type="title"/>
+          </p:nvPr>
+        </p:nvSpPr>
+        <p:spPr/>
+        <p:txBody>
+          <a:bodyPr/>
+          <a:lstStyle/>
+          <a:p>
+            <a:r>
+              <a:rPr lang="de-CH" smtClean="0"/>
+              <a:t>4. Resultate berichten</a:t>
+            </a:r>
+            <a:endParaRPr lang="de-CH"/>
+          </a:p>
+        </p:txBody>
+      </p:sp>
+      <p:pic>
+        <p:nvPicPr>
+          <p:cNvPr id="13314" name="Picture 2"/>
+          <p:cNvPicPr>
+            <a:picLocks noChangeAspect="1" noChangeArrowheads="1"/>
+          </p:cNvPicPr>
+          <p:nvPr/>
+        </p:nvPicPr>
+        <p:blipFill>
+          <a:blip r:embed="rId2">
+            <a:extLst>
+              <a:ext uri="{28A0092B-C50C-407E-A947-70E740481C1C}">
+                <a14:useLocalDpi xmlns:a14="http://schemas.microsoft.com/office/drawing/2010/main" val="0"/>
+              </a:ext>
+            </a:extLst>
+          </a:blip>
+          <a:srcRect/>
+          <a:stretch>
+            <a:fillRect/>
+          </a:stretch>
+        </p:blipFill>
+        <p:spPr bwMode="auto">
+          <a:xfrm>
+            <a:off x="107504" y="2728356"/>
+            <a:ext cx="8712968" cy="2224424"/>
+          </a:xfrm>
+          <a:prstGeom prst="rect">
+            <a:avLst/>
+          </a:prstGeom>
+          <a:noFill/>
+          <a:ln>
+            <a:noFill/>
+          </a:ln>
+          <a:extLst>
+            <a:ext uri="{909E8E84-426E-40DD-AFC4-6F175D3DCCD1}">
+              <a14:hiddenFill xmlns:a14="http://schemas.microsoft.com/office/drawing/2010/main">
+                <a:solidFill>
+                  <a:schemeClr val="accent1"/>
+                </a:solidFill>
+              </a14:hiddenFill>
+            </a:ext>
+            <a:ext uri="{91240B29-F687-4F45-9708-019B960494DF}">
+              <a14:hiddenLine xmlns:a14="http://schemas.microsoft.com/office/drawing/2010/main" w="9525">
+                <a:solidFill>
+                  <a:schemeClr val="tx1"/>
+                </a:solidFill>
+                <a:miter lim="800000"/>
+                <a:headEnd/>
+                <a:tailEnd/>
+              </a14:hiddenLine>
+            </a:ext>
+          </a:extLst>
+        </p:spPr>
+      </p:pic>
+      <p:sp>
+        <p:nvSpPr>
+          <p:cNvPr id="6" name="Rechteckige Legende 5"/>
+          <p:cNvSpPr/>
+          <p:nvPr/>
+        </p:nvSpPr>
+        <p:spPr>
+          <a:xfrm>
+            <a:off x="1763688" y="4515966"/>
+            <a:ext cx="2952328" cy="553048"/>
+          </a:xfrm>
+          <a:prstGeom prst="wedgeRectCallout">
+            <a:avLst>
+              <a:gd name="adj1" fmla="val -63341"/>
+              <a:gd name="adj2" fmla="val -163736"/>
+            </a:avLst>
+          </a:prstGeom>
+        </p:spPr>
+        <p:style>
+          <a:lnRef idx="1">
+            <a:schemeClr val="accent3"/>
+          </a:lnRef>
+          <a:fillRef idx="2">
+            <a:schemeClr val="accent3"/>
+          </a:fillRef>
+          <a:effectRef idx="1">
+            <a:schemeClr val="accent3"/>
+          </a:effectRef>
+          <a:fontRef idx="minor">
+            <a:schemeClr val="dk1"/>
+          </a:fontRef>
+        </p:style>
+        <p:txBody>
+          <a:bodyPr rtlCol="0" anchor="ctr"/>
+          <a:lstStyle/>
+          <a:p>
+            <a:pPr algn="ctr"/>
+            <a:r>
+              <a:rPr lang="de-CH" sz="1400" smtClean="0"/>
+              <a:t>Falls noch nicht alle Fragen korrigiert sind, ist die Totale Punktzahl Missing</a:t>
+            </a:r>
+            <a:endParaRPr lang="de-CH" sz="1400"/>
+          </a:p>
+        </p:txBody>
+      </p:sp>
+      <p:sp>
+        <p:nvSpPr>
+          <p:cNvPr id="7" name="Rechteckige Legende 6"/>
+          <p:cNvSpPr/>
+          <p:nvPr/>
+        </p:nvSpPr>
+        <p:spPr>
+          <a:xfrm>
+            <a:off x="278520" y="1839080"/>
+            <a:ext cx="2565288" cy="732670"/>
+          </a:xfrm>
+          <a:prstGeom prst="wedgeRectCallout">
+            <a:avLst>
+              <a:gd name="adj1" fmla="val 23296"/>
+              <a:gd name="adj2" fmla="val 129206"/>
+            </a:avLst>
+          </a:prstGeom>
+        </p:spPr>
+        <p:style>
+          <a:lnRef idx="1">
+            <a:schemeClr val="accent3"/>
+          </a:lnRef>
+          <a:fillRef idx="2">
+            <a:schemeClr val="accent3"/>
+          </a:fillRef>
+          <a:effectRef idx="1">
+            <a:schemeClr val="accent3"/>
+          </a:effectRef>
+          <a:fontRef idx="minor">
+            <a:schemeClr val="dk1"/>
+          </a:fontRef>
+        </p:style>
+        <p:txBody>
+          <a:bodyPr rtlCol="0" anchor="ctr"/>
+          <a:lstStyle/>
+          <a:p>
+            <a:pPr algn="ctr"/>
+            <a:r>
+              <a:rPr lang="de-CH" sz="1400" smtClean="0"/>
+              <a:t>Falls eine frage zur Überprüfung vorgemerkt ist, erscheint diese Bemerkung</a:t>
+            </a:r>
+            <a:endParaRPr lang="de-CH" sz="1400"/>
+          </a:p>
+        </p:txBody>
+      </p:sp>
+      <p:sp>
+        <p:nvSpPr>
+          <p:cNvPr id="8" name="Rechteckige Legende 7"/>
+          <p:cNvSpPr/>
+          <p:nvPr/>
+        </p:nvSpPr>
+        <p:spPr>
+          <a:xfrm>
+            <a:off x="4283968" y="2025193"/>
+            <a:ext cx="1773200" cy="366335"/>
+          </a:xfrm>
+          <a:prstGeom prst="wedgeRectCallout">
+            <a:avLst>
+              <a:gd name="adj1" fmla="val -61520"/>
+              <a:gd name="adj2" fmla="val 172540"/>
+            </a:avLst>
+          </a:prstGeom>
+        </p:spPr>
+        <p:style>
+          <a:lnRef idx="1">
+            <a:schemeClr val="accent3"/>
+          </a:lnRef>
+          <a:fillRef idx="2">
+            <a:schemeClr val="accent3"/>
+          </a:fillRef>
+          <a:effectRef idx="1">
+            <a:schemeClr val="accent3"/>
+          </a:effectRef>
+          <a:fontRef idx="minor">
+            <a:schemeClr val="dk1"/>
+          </a:fontRef>
+        </p:style>
+        <p:txBody>
+          <a:bodyPr rtlCol="0" anchor="ctr"/>
+          <a:lstStyle/>
+          <a:p>
+            <a:pPr algn="ctr"/>
+            <a:r>
+              <a:rPr lang="de-CH" sz="1400" smtClean="0"/>
+              <a:t>Fragennummern</a:t>
+            </a:r>
+            <a:endParaRPr lang="de-CH" sz="1400"/>
+          </a:p>
+        </p:txBody>
+      </p:sp>
+      <p:sp>
+        <p:nvSpPr>
+          <p:cNvPr id="9" name="Rechteckige Legende 8"/>
+          <p:cNvSpPr/>
+          <p:nvPr/>
+        </p:nvSpPr>
+        <p:spPr>
+          <a:xfrm>
+            <a:off x="6804248" y="2177593"/>
+            <a:ext cx="1773200" cy="366335"/>
+          </a:xfrm>
+          <a:prstGeom prst="wedgeRectCallout">
+            <a:avLst>
+              <a:gd name="adj1" fmla="val -76561"/>
+              <a:gd name="adj2" fmla="val 373613"/>
+            </a:avLst>
+          </a:prstGeom>
+        </p:spPr>
+        <p:style>
+          <a:lnRef idx="1">
+            <a:schemeClr val="accent3"/>
+          </a:lnRef>
+          <a:fillRef idx="2">
+            <a:schemeClr val="accent3"/>
+          </a:fillRef>
+          <a:effectRef idx="1">
+            <a:schemeClr val="accent3"/>
+          </a:effectRef>
+          <a:fontRef idx="minor">
+            <a:schemeClr val="dk1"/>
+          </a:fontRef>
+        </p:style>
+        <p:txBody>
+          <a:bodyPr rtlCol="0" anchor="ctr"/>
+          <a:lstStyle/>
+          <a:p>
+            <a:pPr algn="ctr"/>
+            <a:r>
+              <a:rPr lang="de-CH" sz="1400" smtClean="0"/>
+              <a:t>Punkte für jede Frage</a:t>
+            </a:r>
+            <a:endParaRPr lang="de-CH" sz="1400"/>
+          </a:p>
+        </p:txBody>
+      </p:sp>
+    </p:spTree>
+    <p:extLst>
+      <p:ext uri="{BB962C8B-B14F-4D97-AF65-F5344CB8AC3E}">
+        <p14:creationId xmlns:p14="http://schemas.microsoft.com/office/powerpoint/2010/main" val="1721978847"/>
+      </p:ext>
+    </p:extLst>
+  </p:cSld>
+  <p:clrMapOvr>
+    <a:masterClrMapping/>
+  </p:clrMapOvr>
+  <p:timing>
+    <p:tnLst>
+      <p:par>
+        <p:cTn id="1" dur="indefinite" restart="never" nodeType="tmRoot"/>
+      </p:par>
+    </p:tnLst>
+  </p:timing>
+</p:sld>
+</file>
+
+<file path=ppt/slides/slide31.xml><?xml version="1.0" encoding="utf-8"?>
+<p:sld xmlns:a="http://schemas.openxmlformats.org/drawingml/2006/main" xmlns:r="http://schemas.openxmlformats.org/officeDocument/2006/relationships" xmlns:p="http://schemas.openxmlformats.org/presentationml/2006/main">
+  <p:cSld>
+    <p:spTree>
+      <p:nvGrpSpPr>
+        <p:cNvPr id="1" name=""/>
+        <p:cNvGrpSpPr/>
+        <p:nvPr/>
+      </p:nvGrpSpPr>
+      <p:grpSpPr>
+        <a:xfrm>
+          <a:off x="0" y="0"/>
+          <a:ext cx="0" cy="0"/>
+          <a:chOff x="0" y="0"/>
+          <a:chExt cx="0" cy="0"/>
+        </a:xfrm>
+      </p:grpSpPr>
+      <p:sp>
+        <p:nvSpPr>
+          <p:cNvPr id="2" name="Titel 1"/>
+          <p:cNvSpPr>
+            <a:spLocks noGrp="1"/>
+          </p:cNvSpPr>
+          <p:nvPr>
+            <p:ph type="title"/>
+          </p:nvPr>
+        </p:nvSpPr>
+        <p:spPr/>
+        <p:txBody>
+          <a:bodyPr/>
+          <a:lstStyle/>
+          <a:p>
+            <a:r>
+              <a:rPr lang="de-CH" smtClean="0"/>
+              <a:t>4. Resultate berichten</a:t>
+            </a:r>
+            <a:endParaRPr lang="de-CH"/>
+          </a:p>
+        </p:txBody>
+      </p:sp>
+      <p:pic>
+        <p:nvPicPr>
+          <p:cNvPr id="14338" name="Picture 2"/>
+          <p:cNvPicPr>
+            <a:picLocks noGrp="1" noChangeAspect="1" noChangeArrowheads="1"/>
+          </p:cNvPicPr>
+          <p:nvPr>
+            <p:ph idx="1"/>
+          </p:nvPr>
+        </p:nvPicPr>
+        <p:blipFill>
+          <a:blip r:embed="rId2">
+            <a:extLst>
+              <a:ext uri="{28A0092B-C50C-407E-A947-70E740481C1C}">
+                <a14:useLocalDpi xmlns:a14="http://schemas.microsoft.com/office/drawing/2010/main" val="0"/>
+              </a:ext>
+            </a:extLst>
+          </a:blip>
+          <a:srcRect/>
+          <a:stretch>
+            <a:fillRect/>
+          </a:stretch>
+        </p:blipFill>
+        <p:spPr bwMode="auto">
+          <a:xfrm>
+            <a:off x="107504" y="987574"/>
+            <a:ext cx="6086475" cy="3343275"/>
+          </a:xfrm>
+          <a:prstGeom prst="rect">
+            <a:avLst/>
+          </a:prstGeom>
+          <a:noFill/>
+          <a:ln>
+            <a:noFill/>
+          </a:ln>
+          <a:extLst>
+            <a:ext uri="{909E8E84-426E-40DD-AFC4-6F175D3DCCD1}">
+              <a14:hiddenFill xmlns:a14="http://schemas.microsoft.com/office/drawing/2010/main">
+                <a:solidFill>
+                  <a:schemeClr val="accent1"/>
+                </a:solidFill>
+              </a14:hiddenFill>
+            </a:ext>
+            <a:ext uri="{91240B29-F687-4F45-9708-019B960494DF}">
+              <a14:hiddenLine xmlns:a14="http://schemas.microsoft.com/office/drawing/2010/main" w="9525">
+                <a:solidFill>
+                  <a:schemeClr val="tx1"/>
+                </a:solidFill>
+                <a:miter lim="800000"/>
+                <a:headEnd/>
+                <a:tailEnd/>
+              </a14:hiddenLine>
+            </a:ext>
+          </a:extLst>
+        </p:spPr>
+      </p:pic>
+      <p:pic>
+        <p:nvPicPr>
+          <p:cNvPr id="14339" name="Picture 3"/>
+          <p:cNvPicPr>
+            <a:picLocks noChangeAspect="1" noChangeArrowheads="1"/>
+          </p:cNvPicPr>
+          <p:nvPr/>
+        </p:nvPicPr>
+        <p:blipFill>
+          <a:blip r:embed="rId3">
+            <a:extLst>
+              <a:ext uri="{28A0092B-C50C-407E-A947-70E740481C1C}">
+                <a14:useLocalDpi xmlns:a14="http://schemas.microsoft.com/office/drawing/2010/main" val="0"/>
+              </a:ext>
+            </a:extLst>
+          </a:blip>
+          <a:srcRect/>
+          <a:stretch>
+            <a:fillRect/>
+          </a:stretch>
+        </p:blipFill>
+        <p:spPr bwMode="auto">
+          <a:xfrm>
+            <a:off x="3763516" y="1770682"/>
+            <a:ext cx="5272980" cy="3249340"/>
+          </a:xfrm>
+          <a:prstGeom prst="rect">
+            <a:avLst/>
+          </a:prstGeom>
+          <a:noFill/>
+          <a:ln>
+            <a:noFill/>
+          </a:ln>
+          <a:extLst>
+            <a:ext uri="{909E8E84-426E-40DD-AFC4-6F175D3DCCD1}">
+              <a14:hiddenFill xmlns:a14="http://schemas.microsoft.com/office/drawing/2010/main">
+                <a:solidFill>
+                  <a:schemeClr val="accent1"/>
+                </a:solidFill>
+              </a14:hiddenFill>
+            </a:ext>
+            <a:ext uri="{91240B29-F687-4F45-9708-019B960494DF}">
+              <a14:hiddenLine xmlns:a14="http://schemas.microsoft.com/office/drawing/2010/main" w="9525">
+                <a:solidFill>
+                  <a:schemeClr val="tx1"/>
+                </a:solidFill>
+                <a:miter lim="800000"/>
+                <a:headEnd/>
+                <a:tailEnd/>
+              </a14:hiddenLine>
+            </a:ext>
+          </a:extLst>
+        </p:spPr>
+      </p:pic>
+      <p:sp>
+        <p:nvSpPr>
+          <p:cNvPr id="6" name="Rechteckige Legende 5"/>
+          <p:cNvSpPr/>
+          <p:nvPr/>
+        </p:nvSpPr>
+        <p:spPr>
+          <a:xfrm>
+            <a:off x="6660232" y="987574"/>
+            <a:ext cx="2232248" cy="783108"/>
+          </a:xfrm>
+          <a:prstGeom prst="wedgeRectCallout">
+            <a:avLst>
+              <a:gd name="adj1" fmla="val -81433"/>
+              <a:gd name="adj2" fmla="val 46044"/>
+            </a:avLst>
+          </a:prstGeom>
+        </p:spPr>
+        <p:style>
+          <a:lnRef idx="1">
+            <a:schemeClr val="accent3"/>
+          </a:lnRef>
+          <a:fillRef idx="2">
+            <a:schemeClr val="accent3"/>
+          </a:fillRef>
+          <a:effectRef idx="1">
+            <a:schemeClr val="accent3"/>
+          </a:effectRef>
+          <a:fontRef idx="minor">
+            <a:schemeClr val="dk1"/>
+          </a:fontRef>
+        </p:style>
+        <p:txBody>
+          <a:bodyPr rtlCol="0" anchor="ctr"/>
+          <a:lstStyle/>
+          <a:p>
+            <a:pPr algn="ctr"/>
+            <a:r>
+              <a:rPr lang="de-CH" sz="1400" smtClean="0"/>
+              <a:t>Automatisch generiertes PDF für jeden Teilnehmer.</a:t>
+            </a:r>
+          </a:p>
+          <a:p>
+            <a:pPr algn="ctr"/>
+            <a:r>
+              <a:rPr lang="de-CH" sz="1400" smtClean="0"/>
+              <a:t>1 Seite/Frage</a:t>
+            </a:r>
+            <a:endParaRPr lang="de-CH" sz="1400"/>
+          </a:p>
+        </p:txBody>
+      </p:sp>
+    </p:spTree>
+    <p:extLst>
+      <p:ext uri="{BB962C8B-B14F-4D97-AF65-F5344CB8AC3E}">
+        <p14:creationId xmlns:p14="http://schemas.microsoft.com/office/powerpoint/2010/main" val="1426205801"/>
+      </p:ext>
+    </p:extLst>
+  </p:cSld>
+  <p:clrMapOvr>
+    <a:masterClrMapping/>
+  </p:clrMapOvr>
+  <p:timing>
+    <p:tnLst>
+      <p:par>
+        <p:cTn id="1" dur="indefinite" restart="never" nodeType="tmRoot"/>
+      </p:par>
+    </p:tnLst>
+  </p:timing>
+</p:sld>
+</file>
+
+<file path=ppt/slides/slide32.xml><?xml version="1.0" encoding="utf-8"?>
+<p:sld xmlns:a="http://schemas.openxmlformats.org/drawingml/2006/main" xmlns:r="http://schemas.openxmlformats.org/officeDocument/2006/relationships" xmlns:p="http://schemas.openxmlformats.org/presentationml/2006/main">
+  <p:cSld>
+    <p:spTree>
+      <p:nvGrpSpPr>
+        <p:cNvPr id="1" name=""/>
+        <p:cNvGrpSpPr/>
+        <p:nvPr/>
+      </p:nvGrpSpPr>
+      <p:grpSpPr>
+        <a:xfrm>
+          <a:off x="0" y="0"/>
+          <a:ext cx="0" cy="0"/>
+          <a:chOff x="0" y="0"/>
+          <a:chExt cx="0" cy="0"/>
+        </a:xfrm>
+      </p:grpSpPr>
+      <p:sp>
+        <p:nvSpPr>
+          <p:cNvPr id="4" name="Titel 3"/>
+          <p:cNvSpPr>
+            <a:spLocks noGrp="1"/>
+          </p:cNvSpPr>
+          <p:nvPr>
+            <p:ph type="ctrTitle"/>
+          </p:nvPr>
+        </p:nvSpPr>
+        <p:spPr/>
+        <p:txBody>
+          <a:bodyPr/>
+          <a:lstStyle/>
+          <a:p>
+            <a:r>
+              <a:rPr lang="de-CH" smtClean="0"/>
+              <a:t>...that's all folks</a:t>
+            </a:r>
+            <a:endParaRPr lang="de-CH"/>
+          </a:p>
+        </p:txBody>
+      </p:sp>
+      <p:sp>
+        <p:nvSpPr>
+          <p:cNvPr id="5" name="Untertitel 4"/>
+          <p:cNvSpPr>
+            <a:spLocks noGrp="1"/>
+          </p:cNvSpPr>
+          <p:nvPr>
+            <p:ph type="subTitle" idx="1"/>
+          </p:nvPr>
+        </p:nvSpPr>
+        <p:spPr/>
+        <p:txBody>
+          <a:bodyPr/>
+          <a:lstStyle/>
+          <a:p>
+            <a:endParaRPr lang="de-CH"/>
+          </a:p>
+        </p:txBody>
+      </p:sp>
+    </p:spTree>
+    <p:extLst>
+      <p:ext uri="{BB962C8B-B14F-4D97-AF65-F5344CB8AC3E}">
+        <p14:creationId xmlns:p14="http://schemas.microsoft.com/office/powerpoint/2010/main" val="4126768086"/>
       </p:ext>
     </p:extLst>
   </p:cSld>
@@ -6453,30 +8724,45 @@
         <p:spPr>
           <a:xfrm>
             <a:off x="457200" y="1200151"/>
-            <a:ext cx="4618856" cy="3394472"/>
-          </a:xfrm>
-        </p:spPr>
-        <p:txBody>
-          <a:bodyPr/>
-          <a:lstStyle/>
-          <a:p>
-            <a:r>
-              <a:rPr lang="de-CH" smtClean="0"/>
-              <a:t>Das XLS-Dokument besteht aus zwei Teilen. Im oberen Teil sind die Antworten der Teilnehmenden abgelegt. Im unteren Teil folgen Informationen zu den Fragen und Antwort-Optionen</a:t>
-            </a:r>
-          </a:p>
-          <a:p>
-            <a:r>
-              <a:rPr lang="de-CH" smtClean="0"/>
-              <a:t>Um die korrekten Antworten einzugeben braucht man den unteren Teil des Dokuments, also alles, was unterhalb von 'Legende' steht.</a:t>
-            </a:r>
-            <a:endParaRPr lang="de-CH"/>
+            <a:ext cx="3544125" cy="3394472"/>
+          </a:xfrm>
+        </p:spPr>
+        <p:txBody>
+          <a:bodyPr>
+            <a:normAutofit lnSpcReduction="10000"/>
+          </a:bodyPr>
+          <a:lstStyle/>
+          <a:p>
+            <a:pPr marL="0" indent="0">
+              <a:buNone/>
+            </a:pPr>
+            <a:r>
+              <a:rPr lang="de-CH" b="1" smtClean="0"/>
+              <a:t>Hinweis:</a:t>
+            </a:r>
+          </a:p>
+          <a:p>
+            <a:r>
+              <a:rPr lang="de-CH" smtClean="0"/>
+              <a:t>Falls keine Meldung kommt, dass die Daten im falschen Format sind, dann hat EPIS an den Daten rumgespielt und sie bereits in ein .xlsx-Dokument umgewandelt, was etwas ärgerlich ist.</a:t>
+            </a:r>
+          </a:p>
+          <a:p>
+            <a:r>
+              <a:rPr lang="de-CH" smtClean="0"/>
+              <a:t>In diesem Fall speichern Sie das Dokument nach Abschluss aller Änderungen im Format: </a:t>
+            </a:r>
+            <a:r>
+              <a:rPr lang="de-CH" b="1" i="1" smtClean="0"/>
+              <a:t>Text (Tabstopp-getrennt)</a:t>
+            </a:r>
+            <a:endParaRPr lang="de-CH" b="1" i="1"/>
           </a:p>
         </p:txBody>
       </p:sp>
       <p:pic>
         <p:nvPicPr>
-          <p:cNvPr id="3074" name="Picture 2"/>
+          <p:cNvPr id="1027" name="Picture 3"/>
           <p:cNvPicPr>
             <a:picLocks noChangeAspect="1" noChangeArrowheads="1"/>
           </p:cNvPicPr>
@@ -6497,8 +8783,8 @@
         </p:blipFill>
         <p:spPr bwMode="auto">
           <a:xfrm>
-            <a:off x="5436496" y="921915"/>
-            <a:ext cx="3600000" cy="2760206"/>
+            <a:off x="4001325" y="1144079"/>
+            <a:ext cx="5142675" cy="3945806"/>
           </a:xfrm>
           <a:prstGeom prst="rect">
             <a:avLst/>
@@ -6528,16 +8814,103 @@
           </a:extLst>
         </p:spPr>
       </p:pic>
+    </p:spTree>
+    <p:extLst>
+      <p:ext uri="{BB962C8B-B14F-4D97-AF65-F5344CB8AC3E}">
+        <p14:creationId xmlns:p14="http://schemas.microsoft.com/office/powerpoint/2010/main" val="2085998642"/>
+      </p:ext>
+    </p:extLst>
+  </p:cSld>
+  <p:clrMapOvr>
+    <a:masterClrMapping/>
+  </p:clrMapOvr>
+</p:sld>
+</file>
+
+<file path=ppt/slides/slide6.xml><?xml version="1.0" encoding="utf-8"?>
+<p:sld xmlns:a="http://schemas.openxmlformats.org/drawingml/2006/main" xmlns:r="http://schemas.openxmlformats.org/officeDocument/2006/relationships" xmlns:p="http://schemas.openxmlformats.org/presentationml/2006/main">
+  <p:cSld>
+    <p:spTree>
+      <p:nvGrpSpPr>
+        <p:cNvPr id="1" name=""/>
+        <p:cNvGrpSpPr/>
+        <p:nvPr/>
+      </p:nvGrpSpPr>
+      <p:grpSpPr>
+        <a:xfrm>
+          <a:off x="0" y="0"/>
+          <a:ext cx="0" cy="0"/>
+          <a:chOff x="0" y="0"/>
+          <a:chExt cx="0" cy="0"/>
+        </a:xfrm>
+      </p:grpSpPr>
+      <p:sp>
+        <p:nvSpPr>
+          <p:cNvPr id="2" name="Titel 1"/>
+          <p:cNvSpPr>
+            <a:spLocks noGrp="1"/>
+          </p:cNvSpPr>
+          <p:nvPr>
+            <p:ph type="title"/>
+          </p:nvPr>
+        </p:nvSpPr>
+        <p:spPr/>
+        <p:txBody>
+          <a:bodyPr/>
+          <a:lstStyle/>
+          <a:p>
+            <a:r>
+              <a:rPr lang="de-CH" smtClean="0"/>
+              <a:t>1. Schritt: Korrekte Antworten</a:t>
+            </a:r>
+            <a:endParaRPr lang="de-CH"/>
+          </a:p>
+        </p:txBody>
+      </p:sp>
+      <p:sp>
+        <p:nvSpPr>
+          <p:cNvPr id="3" name="Inhaltsplatzhalter 2"/>
+          <p:cNvSpPr>
+            <a:spLocks noGrp="1"/>
+          </p:cNvSpPr>
+          <p:nvPr>
+            <p:ph idx="1"/>
+          </p:nvPr>
+        </p:nvSpPr>
+        <p:spPr>
+          <a:xfrm>
+            <a:off x="457200" y="1200151"/>
+            <a:ext cx="4618856" cy="3394472"/>
+          </a:xfrm>
+        </p:spPr>
+        <p:txBody>
+          <a:bodyPr/>
+          <a:lstStyle/>
+          <a:p>
+            <a:r>
+              <a:rPr lang="de-CH" smtClean="0"/>
+              <a:t>Das XLS-Dokument besteht aus zwei Teilen. Im oberen Teil sind die Antworten der Teilnehmenden abgelegt. Im unteren Teil folgen Informationen zu den Fragen und Antwort-Optionen</a:t>
+            </a:r>
+          </a:p>
+          <a:p>
+            <a:r>
+              <a:rPr lang="de-CH" smtClean="0"/>
+              <a:t>Um die korrekten Antworten einzugeben braucht man den unteren Teil des Dokuments, also alles, was unterhalb von 'Legende' steht.</a:t>
+            </a:r>
+            <a:endParaRPr lang="de-CH"/>
+          </a:p>
+        </p:txBody>
+      </p:sp>
       <p:pic>
         <p:nvPicPr>
-          <p:cNvPr id="3075" name="Picture 3"/>
+          <p:cNvPr id="3074" name="Picture 2"/>
           <p:cNvPicPr>
             <a:picLocks noChangeAspect="1" noChangeArrowheads="1"/>
           </p:cNvPicPr>
           <p:nvPr/>
         </p:nvPicPr>
         <p:blipFill>
-          <a:blip r:embed="rId3">
+          <a:blip r:embed="rId2">
             <a:extLst>
               <a:ext uri="{28A0092B-C50C-407E-A947-70E740481C1C}">
                 <a14:useLocalDpi xmlns:a14="http://schemas.microsoft.com/office/drawing/2010/main" val="0"/>
@@ -6551,8 +8924,8 @@
         </p:blipFill>
         <p:spPr bwMode="auto">
           <a:xfrm>
-            <a:off x="5436496" y="3085217"/>
-            <a:ext cx="3600000" cy="2294845"/>
+            <a:off x="5436496" y="921915"/>
+            <a:ext cx="3600000" cy="2760206"/>
           </a:xfrm>
           <a:prstGeom prst="rect">
             <a:avLst/>
@@ -6582,126 +8955,64 @@
           </a:extLst>
         </p:spPr>
       </p:pic>
+      <p:pic>
+        <p:nvPicPr>
+          <p:cNvPr id="3075" name="Picture 3"/>
+          <p:cNvPicPr>
+            <a:picLocks noChangeAspect="1" noChangeArrowheads="1"/>
+          </p:cNvPicPr>
+          <p:nvPr/>
+        </p:nvPicPr>
+        <p:blipFill>
+          <a:blip r:embed="rId3">
+            <a:extLst>
+              <a:ext uri="{28A0092B-C50C-407E-A947-70E740481C1C}">
+                <a14:useLocalDpi xmlns:a14="http://schemas.microsoft.com/office/drawing/2010/main" val="0"/>
+              </a:ext>
+            </a:extLst>
+          </a:blip>
+          <a:srcRect/>
+          <a:stretch>
+            <a:fillRect/>
+          </a:stretch>
+        </p:blipFill>
+        <p:spPr bwMode="auto">
+          <a:xfrm>
+            <a:off x="5436496" y="3085217"/>
+            <a:ext cx="3600000" cy="2294845"/>
+          </a:xfrm>
+          <a:prstGeom prst="rect">
+            <a:avLst/>
+          </a:prstGeom>
+          <a:noFill/>
+          <a:ln>
+            <a:noFill/>
+          </a:ln>
+          <a:extLst>
+            <a:ext uri="{909E8E84-426E-40DD-AFC4-6F175D3DCCD1}">
+              <a14:hiddenFill xmlns:a14="http://schemas.microsoft.com/office/drawing/2010/main">
+                <a:solidFill>
+                  <a:schemeClr val="accent1"/>
+                </a:solidFill>
+              </a14:hiddenFill>
+            </a:ext>
+            <a:ext uri="{91240B29-F687-4F45-9708-019B960494DF}">
+              <a14:hiddenLine xmlns:a14="http://schemas.microsoft.com/office/drawing/2010/main" w="9525">
+                <a:solidFill>
+                  <a:schemeClr val="tx1"/>
+                </a:solidFill>
+                <a:miter lim="800000"/>
+                <a:headEnd/>
+                <a:tailEnd/>
+              </a14:hiddenLine>
+            </a:ext>
+          </a:extLst>
+        </p:spPr>
+      </p:pic>
     </p:spTree>
     <p:extLst>
       <p:ext uri="{BB962C8B-B14F-4D97-AF65-F5344CB8AC3E}">
         <p14:creationId xmlns:p14="http://schemas.microsoft.com/office/powerpoint/2010/main" val="342882693"/>
-      </p:ext>
-    </p:extLst>
-  </p:cSld>
-  <p:clrMapOvr>
-    <a:masterClrMapping/>
-  </p:clrMapOvr>
-  <p:timing>
-    <p:tnLst>
-      <p:par>
-        <p:cTn id="1" dur="indefinite" restart="never" nodeType="tmRoot"/>
-      </p:par>
-    </p:tnLst>
-  </p:timing>
-</p:sld>
-</file>
-
-<file path=ppt/slides/slide6.xml><?xml version="1.0" encoding="utf-8"?>
-<p:sld xmlns:a="http://schemas.openxmlformats.org/drawingml/2006/main" xmlns:r="http://schemas.openxmlformats.org/officeDocument/2006/relationships" xmlns:p="http://schemas.openxmlformats.org/presentationml/2006/main">
-  <p:cSld>
-    <p:spTree>
-      <p:nvGrpSpPr>
-        <p:cNvPr id="1" name=""/>
-        <p:cNvGrpSpPr/>
-        <p:nvPr/>
-      </p:nvGrpSpPr>
-      <p:grpSpPr>
-        <a:xfrm>
-          <a:off x="0" y="0"/>
-          <a:ext cx="0" cy="0"/>
-          <a:chOff x="0" y="0"/>
-          <a:chExt cx="0" cy="0"/>
-        </a:xfrm>
-      </p:grpSpPr>
-      <p:sp>
-        <p:nvSpPr>
-          <p:cNvPr id="2" name="Titel 1"/>
-          <p:cNvSpPr>
-            <a:spLocks noGrp="1"/>
-          </p:cNvSpPr>
-          <p:nvPr>
-            <p:ph type="title"/>
-          </p:nvPr>
-        </p:nvSpPr>
-        <p:spPr/>
-        <p:txBody>
-          <a:bodyPr/>
-          <a:lstStyle/>
-          <a:p>
-            <a:r>
-              <a:rPr lang="de-CH" smtClean="0"/>
-              <a:t>1. Schritt: Korrekte Antworten</a:t>
-            </a:r>
-            <a:endParaRPr lang="de-CH"/>
-          </a:p>
-        </p:txBody>
-      </p:sp>
-      <p:sp>
-        <p:nvSpPr>
-          <p:cNvPr id="3" name="Inhaltsplatzhalter 2"/>
-          <p:cNvSpPr>
-            <a:spLocks noGrp="1"/>
-          </p:cNvSpPr>
-          <p:nvPr>
-            <p:ph idx="1"/>
-          </p:nvPr>
-        </p:nvSpPr>
-        <p:spPr>
-          <a:xfrm>
-            <a:off x="457200" y="1200151"/>
-            <a:ext cx="7571184" cy="3394472"/>
-          </a:xfrm>
-        </p:spPr>
-        <p:txBody>
-          <a:bodyPr>
-            <a:normAutofit/>
-          </a:bodyPr>
-          <a:lstStyle/>
-          <a:p>
-            <a:r>
-              <a:rPr lang="de-CH" smtClean="0"/>
-              <a:t>Für jede Frage wird in der Legende eine ausführliche Zusammenfassung angezeigt mit maximaler Punktzahl, Antwortoptionen und Fragetyp.</a:t>
-            </a:r>
-          </a:p>
-          <a:p>
-            <a:r>
-              <a:rPr lang="de-CH" smtClean="0"/>
-              <a:t>Diese Einträge muss man nun auf </a:t>
-            </a:r>
-            <a:r>
-              <a:rPr lang="de-CH" b="1" smtClean="0"/>
-              <a:t>Spalte F</a:t>
-            </a:r>
-            <a:r>
-              <a:rPr lang="de-CH" smtClean="0"/>
-              <a:t> um korrekte Antworten ergänzen.</a:t>
-            </a:r>
-          </a:p>
-          <a:p>
-            <a:r>
-              <a:rPr lang="de-CH" smtClean="0"/>
-              <a:t>Die Lösungen sollten genau das Format haben, welches auch die Antworten auf die Fragen haben. Im Zweifelsfall kann man im oberen Teil nachschlagen, ob die richtige Antwort ein + oder eine 1 hat.</a:t>
-            </a:r>
-          </a:p>
-          <a:p>
-            <a:r>
-              <a:rPr lang="de-CH" b="1" smtClean="0"/>
-              <a:t>Wichtig: Die Lösungen MÜSSEN auf Spalte F sein.</a:t>
-            </a:r>
-            <a:endParaRPr lang="de-CH" b="1"/>
-          </a:p>
-        </p:txBody>
-      </p:sp>
-    </p:spTree>
-    <p:extLst>
-      <p:ext uri="{BB962C8B-B14F-4D97-AF65-F5344CB8AC3E}">
-        <p14:creationId xmlns:p14="http://schemas.microsoft.com/office/powerpoint/2010/main" val="2489166118"/>
       </p:ext>
     </p:extLst>
   </p:cSld>
@@ -6752,7 +9063,7 @@
           <a:p>
             <a:r>
               <a:rPr lang="de-CH" smtClean="0"/>
-              <a:t>Beispiele</a:t>
+              <a:t>1. Schritt: Korrekte Antworten</a:t>
             </a:r>
             <a:endParaRPr lang="de-CH"/>
           </a:p>
@@ -6771,269 +9082,53 @@
         <p:spPr>
           <a:xfrm>
             <a:off x="457200" y="1200151"/>
-            <a:ext cx="8229600" cy="507503"/>
-          </a:xfrm>
-        </p:spPr>
-        <p:txBody>
-          <a:bodyPr/>
-          <a:lstStyle/>
-          <a:p>
-            <a:pPr marL="0" indent="0">
-              <a:buNone/>
-            </a:pPr>
+            <a:ext cx="7571184" cy="3394472"/>
+          </a:xfrm>
+        </p:spPr>
+        <p:txBody>
+          <a:bodyPr>
+            <a:normAutofit/>
+          </a:bodyPr>
+          <a:lstStyle/>
+          <a:p>
+            <a:r>
+              <a:rPr lang="de-CH" smtClean="0"/>
+              <a:t>Für jede Frage wird in der Legende eine ausführliche Zusammenfassung angezeigt mit maximaler Punktzahl, Antwortoptionen und Fragetyp.</a:t>
+            </a:r>
+          </a:p>
+          <a:p>
+            <a:r>
+              <a:rPr lang="de-CH" smtClean="0"/>
+              <a:t>Diese Einträge muss man nun auf </a:t>
+            </a:r>
             <a:r>
               <a:rPr lang="de-CH" b="1" smtClean="0"/>
-              <a:t>Beispiel für einen Lückentext</a:t>
+              <a:t>Spalte F</a:t>
+            </a:r>
+            <a:r>
+              <a:rPr lang="de-CH" smtClean="0"/>
+              <a:t> um korrekte Antworten ergänzen.</a:t>
+            </a:r>
+          </a:p>
+          <a:p>
+            <a:r>
+              <a:rPr lang="de-CH" smtClean="0"/>
+              <a:t>Die Lösungen sollten genau das Format haben, welches auch die Antworten auf die Fragen haben. Im Zweifelsfall kann man im oberen Teil nachschlagen, ob die richtige Antwort ein + oder eine 1 hat.</a:t>
+            </a:r>
+          </a:p>
+          <a:p>
+            <a:r>
+              <a:rPr lang="de-CH" b="1" smtClean="0"/>
+              <a:t>Wichtig: Die Lösungen MÜSSEN auf Spalte F sein.</a:t>
             </a:r>
             <a:endParaRPr lang="de-CH" b="1"/>
-          </a:p>
-        </p:txBody>
-      </p:sp>
-      <p:pic>
-        <p:nvPicPr>
-          <p:cNvPr id="5124" name="Picture 4"/>
-          <p:cNvPicPr>
-            <a:picLocks noChangeAspect="1" noChangeArrowheads="1"/>
-          </p:cNvPicPr>
-          <p:nvPr/>
-        </p:nvPicPr>
-        <p:blipFill>
-          <a:blip r:embed="rId2">
-            <a:extLst>
-              <a:ext uri="{28A0092B-C50C-407E-A947-70E740481C1C}">
-                <a14:useLocalDpi xmlns:a14="http://schemas.microsoft.com/office/drawing/2010/main" val="0"/>
-              </a:ext>
-            </a:extLst>
-          </a:blip>
-          <a:srcRect/>
-          <a:stretch>
-            <a:fillRect/>
-          </a:stretch>
-        </p:blipFill>
-        <p:spPr bwMode="auto">
-          <a:xfrm>
-            <a:off x="1907704" y="1924794"/>
-            <a:ext cx="4829175" cy="1943100"/>
-          </a:xfrm>
-          <a:prstGeom prst="rect">
-            <a:avLst/>
-          </a:prstGeom>
-          <a:noFill/>
-          <a:ln>
-            <a:noFill/>
-          </a:ln>
-          <a:extLst>
-            <a:ext uri="{909E8E84-426E-40DD-AFC4-6F175D3DCCD1}">
-              <a14:hiddenFill xmlns:a14="http://schemas.microsoft.com/office/drawing/2010/main">
-                <a:solidFill>
-                  <a:schemeClr val="accent1"/>
-                </a:solidFill>
-              </a14:hiddenFill>
-            </a:ext>
-            <a:ext uri="{91240B29-F687-4F45-9708-019B960494DF}">
-              <a14:hiddenLine xmlns:a14="http://schemas.microsoft.com/office/drawing/2010/main" w="9525">
-                <a:solidFill>
-                  <a:schemeClr val="tx1"/>
-                </a:solidFill>
-                <a:miter lim="800000"/>
-                <a:headEnd/>
-                <a:tailEnd/>
-              </a14:hiddenLine>
-            </a:ext>
-          </a:extLst>
-        </p:spPr>
-      </p:pic>
-      <p:sp>
-        <p:nvSpPr>
-          <p:cNvPr id="4" name="Rechteckige Legende 3"/>
-          <p:cNvSpPr/>
-          <p:nvPr/>
-        </p:nvSpPr>
-        <p:spPr>
-          <a:xfrm>
-            <a:off x="3494199" y="4155926"/>
-            <a:ext cx="1656184" cy="864096"/>
-          </a:xfrm>
-          <a:prstGeom prst="wedgeRectCallout">
-            <a:avLst>
-              <a:gd name="adj1" fmla="val 73240"/>
-              <a:gd name="adj2" fmla="val -91132"/>
-            </a:avLst>
-          </a:prstGeom>
-        </p:spPr>
-        <p:style>
-          <a:lnRef idx="1">
-            <a:schemeClr val="accent3"/>
-          </a:lnRef>
-          <a:fillRef idx="2">
-            <a:schemeClr val="accent3"/>
-          </a:fillRef>
-          <a:effectRef idx="1">
-            <a:schemeClr val="accent3"/>
-          </a:effectRef>
-          <a:fontRef idx="minor">
-            <a:schemeClr val="dk1"/>
-          </a:fontRef>
-        </p:style>
-        <p:txBody>
-          <a:bodyPr rtlCol="0" anchor="ctr"/>
-          <a:lstStyle/>
-          <a:p>
-            <a:pPr algn="ctr"/>
-            <a:r>
-              <a:rPr lang="de-CH" sz="1400" smtClean="0"/>
-              <a:t>Inhalte der Lücken, die in OLAT definiert wurden.</a:t>
-            </a:r>
-            <a:endParaRPr lang="de-CH" sz="1400"/>
-          </a:p>
-        </p:txBody>
-      </p:sp>
-      <p:sp>
-        <p:nvSpPr>
-          <p:cNvPr id="8" name="Rechteckige Legende 7"/>
-          <p:cNvSpPr/>
-          <p:nvPr/>
-        </p:nvSpPr>
-        <p:spPr>
-          <a:xfrm>
-            <a:off x="6338515" y="4155926"/>
-            <a:ext cx="1656184" cy="864096"/>
-          </a:xfrm>
-          <a:prstGeom prst="wedgeRectCallout">
-            <a:avLst>
-              <a:gd name="adj1" fmla="val -47160"/>
-              <a:gd name="adj2" fmla="val -93682"/>
-            </a:avLst>
-          </a:prstGeom>
-        </p:spPr>
-        <p:style>
-          <a:lnRef idx="1">
-            <a:schemeClr val="accent3"/>
-          </a:lnRef>
-          <a:fillRef idx="2">
-            <a:schemeClr val="accent3"/>
-          </a:fillRef>
-          <a:effectRef idx="1">
-            <a:schemeClr val="accent3"/>
-          </a:effectRef>
-          <a:fontRef idx="minor">
-            <a:schemeClr val="dk1"/>
-          </a:fontRef>
-        </p:style>
-        <p:txBody>
-          <a:bodyPr rtlCol="0" anchor="ctr"/>
-          <a:lstStyle/>
-          <a:p>
-            <a:pPr algn="ctr"/>
-            <a:r>
-              <a:rPr lang="de-CH" sz="1400" smtClean="0"/>
-              <a:t>Lösungen für die Korrektur</a:t>
-            </a:r>
-            <a:endParaRPr lang="de-CH" sz="1400"/>
-          </a:p>
-        </p:txBody>
-      </p:sp>
-      <p:sp>
-        <p:nvSpPr>
-          <p:cNvPr id="9" name="Rechteckige Legende 8"/>
-          <p:cNvSpPr/>
-          <p:nvPr/>
-        </p:nvSpPr>
-        <p:spPr>
-          <a:xfrm>
-            <a:off x="7164288" y="987574"/>
-            <a:ext cx="1872208" cy="1757979"/>
-          </a:xfrm>
-          <a:prstGeom prst="wedgeRectCallout">
-            <a:avLst>
-              <a:gd name="adj1" fmla="val -73973"/>
-              <a:gd name="adj2" fmla="val 71112"/>
-            </a:avLst>
-          </a:prstGeom>
-        </p:spPr>
-        <p:style>
-          <a:lnRef idx="1">
-            <a:schemeClr val="accent3"/>
-          </a:lnRef>
-          <a:fillRef idx="2">
-            <a:schemeClr val="accent3"/>
-          </a:fillRef>
-          <a:effectRef idx="1">
-            <a:schemeClr val="accent3"/>
-          </a:effectRef>
-          <a:fontRef idx="minor">
-            <a:schemeClr val="dk1"/>
-          </a:fontRef>
-        </p:style>
-        <p:txBody>
-          <a:bodyPr rtlCol="0" anchor="ctr"/>
-          <a:lstStyle/>
-          <a:p>
-            <a:pPr algn="ctr"/>
-            <a:r>
-              <a:rPr lang="de-CH" sz="1400" smtClean="0"/>
-              <a:t>Zwei Zahlen in eckigen Klammern bedeuten, dass jede Lösung in diesem Intervall korrekt ist.</a:t>
-            </a:r>
-          </a:p>
-          <a:p>
-            <a:pPr algn="ctr"/>
-            <a:r>
-              <a:rPr lang="de-CH" sz="1400" smtClean="0"/>
-              <a:t>(2.63 wäre hier also auch richtig.)</a:t>
-            </a:r>
-            <a:endParaRPr lang="de-CH" sz="1400"/>
-          </a:p>
-        </p:txBody>
-      </p:sp>
-      <p:sp>
-        <p:nvSpPr>
-          <p:cNvPr id="10" name="Rechteckige Legende 9"/>
-          <p:cNvSpPr/>
-          <p:nvPr/>
-        </p:nvSpPr>
-        <p:spPr>
-          <a:xfrm>
-            <a:off x="7152749" y="3147991"/>
-            <a:ext cx="1872208" cy="732967"/>
-          </a:xfrm>
-          <a:prstGeom prst="wedgeRectCallout">
-            <a:avLst>
-              <a:gd name="adj1" fmla="val -73385"/>
-              <a:gd name="adj2" fmla="val 5854"/>
-            </a:avLst>
-          </a:prstGeom>
-        </p:spPr>
-        <p:style>
-          <a:lnRef idx="1">
-            <a:schemeClr val="accent3"/>
-          </a:lnRef>
-          <a:fillRef idx="2">
-            <a:schemeClr val="accent3"/>
-          </a:fillRef>
-          <a:effectRef idx="1">
-            <a:schemeClr val="accent3"/>
-          </a:effectRef>
-          <a:fontRef idx="minor">
-            <a:schemeClr val="dk1"/>
-          </a:fontRef>
-        </p:style>
-        <p:txBody>
-          <a:bodyPr rtlCol="0" anchor="ctr"/>
-          <a:lstStyle/>
-          <a:p>
-            <a:pPr algn="ctr"/>
-            <a:r>
-              <a:rPr lang="de-CH" sz="1400" smtClean="0"/>
-              <a:t>Einzelne Zahlen oder Worte müssen exakt stimmen.</a:t>
-            </a:r>
-            <a:endParaRPr lang="de-CH" sz="1400"/>
           </a:p>
         </p:txBody>
       </p:sp>
     </p:spTree>
     <p:extLst>
       <p:ext uri="{BB962C8B-B14F-4D97-AF65-F5344CB8AC3E}">
-        <p14:creationId xmlns:p14="http://schemas.microsoft.com/office/powerpoint/2010/main" val="4044800748"/>
+        <p14:creationId xmlns:p14="http://schemas.microsoft.com/office/powerpoint/2010/main" val="2489166118"/>
       </p:ext>
     </p:extLst>
   </p:cSld>
@@ -7115,149 +9210,15 @@
             </a:pPr>
             <a:r>
               <a:rPr lang="de-CH" b="1" smtClean="0"/>
-              <a:t>Beispiel für eine KPRIM-Frage</a:t>
+              <a:t>Beispiel für einen Lückentext</a:t>
             </a:r>
             <a:endParaRPr lang="de-CH" b="1"/>
-          </a:p>
-        </p:txBody>
-      </p:sp>
-      <p:sp>
-        <p:nvSpPr>
-          <p:cNvPr id="4" name="Rechteckige Legende 3"/>
-          <p:cNvSpPr/>
-          <p:nvPr/>
-        </p:nvSpPr>
-        <p:spPr>
-          <a:xfrm>
-            <a:off x="3059832" y="4011910"/>
-            <a:ext cx="1656184" cy="864096"/>
-          </a:xfrm>
-          <a:prstGeom prst="wedgeRectCallout">
-            <a:avLst>
-              <a:gd name="adj1" fmla="val 73240"/>
-              <a:gd name="adj2" fmla="val -91132"/>
-            </a:avLst>
-          </a:prstGeom>
-        </p:spPr>
-        <p:style>
-          <a:lnRef idx="1">
-            <a:schemeClr val="accent3"/>
-          </a:lnRef>
-          <a:fillRef idx="2">
-            <a:schemeClr val="accent3"/>
-          </a:fillRef>
-          <a:effectRef idx="1">
-            <a:schemeClr val="accent3"/>
-          </a:effectRef>
-          <a:fontRef idx="minor">
-            <a:schemeClr val="dk1"/>
-          </a:fontRef>
-        </p:style>
-        <p:txBody>
-          <a:bodyPr rtlCol="0" anchor="ctr"/>
-          <a:lstStyle/>
-          <a:p>
-            <a:pPr algn="ctr"/>
-            <a:r>
-              <a:rPr lang="de-CH" sz="1400" smtClean="0"/>
-              <a:t>Text der Aussage, die richtig oder falsch sein kann</a:t>
-            </a:r>
-            <a:endParaRPr lang="de-CH" sz="1400"/>
-          </a:p>
-        </p:txBody>
-      </p:sp>
-      <p:sp>
-        <p:nvSpPr>
-          <p:cNvPr id="8" name="Rechteckige Legende 7"/>
-          <p:cNvSpPr/>
-          <p:nvPr/>
-        </p:nvSpPr>
-        <p:spPr>
-          <a:xfrm>
-            <a:off x="5940152" y="4011910"/>
-            <a:ext cx="1656184" cy="864096"/>
-          </a:xfrm>
-          <a:prstGeom prst="wedgeRectCallout">
-            <a:avLst>
-              <a:gd name="adj1" fmla="val -47160"/>
-              <a:gd name="adj2" fmla="val -93682"/>
-            </a:avLst>
-          </a:prstGeom>
-        </p:spPr>
-        <p:style>
-          <a:lnRef idx="1">
-            <a:schemeClr val="accent3"/>
-          </a:lnRef>
-          <a:fillRef idx="2">
-            <a:schemeClr val="accent3"/>
-          </a:fillRef>
-          <a:effectRef idx="1">
-            <a:schemeClr val="accent3"/>
-          </a:effectRef>
-          <a:fontRef idx="minor">
-            <a:schemeClr val="dk1"/>
-          </a:fontRef>
-        </p:style>
-        <p:txBody>
-          <a:bodyPr rtlCol="0" anchor="ctr"/>
-          <a:lstStyle/>
-          <a:p>
-            <a:pPr algn="ctr"/>
-            <a:r>
-              <a:rPr lang="de-CH" sz="1400" smtClean="0"/>
-              <a:t>Lösungen für die Korrektur.</a:t>
-            </a:r>
-          </a:p>
-        </p:txBody>
-      </p:sp>
-      <p:sp>
-        <p:nvSpPr>
-          <p:cNvPr id="10" name="Rechteckige Legende 9"/>
-          <p:cNvSpPr/>
-          <p:nvPr/>
-        </p:nvSpPr>
-        <p:spPr>
-          <a:xfrm>
-            <a:off x="6948264" y="3003798"/>
-            <a:ext cx="1872208" cy="732967"/>
-          </a:xfrm>
-          <a:prstGeom prst="wedgeRectCallout">
-            <a:avLst>
-              <a:gd name="adj1" fmla="val -86919"/>
-              <a:gd name="adj2" fmla="val -13686"/>
-            </a:avLst>
-          </a:prstGeom>
-        </p:spPr>
-        <p:style>
-          <a:lnRef idx="1">
-            <a:schemeClr val="accent3"/>
-          </a:lnRef>
-          <a:fillRef idx="2">
-            <a:schemeClr val="accent3"/>
-          </a:fillRef>
-          <a:effectRef idx="1">
-            <a:schemeClr val="accent3"/>
-          </a:effectRef>
-          <a:fontRef idx="minor">
-            <a:schemeClr val="dk1"/>
-          </a:fontRef>
-        </p:style>
-        <p:txBody>
-          <a:bodyPr rtlCol="0" anchor="ctr"/>
-          <a:lstStyle/>
-          <a:p>
-            <a:pPr algn="ctr"/>
-            <a:r>
-              <a:rPr lang="de-CH" sz="1400" smtClean="0"/>
-              <a:t>Bei KPRIM müssen + und – verwendet werden.</a:t>
-            </a:r>
-            <a:endParaRPr lang="de-CH" sz="1400"/>
           </a:p>
         </p:txBody>
       </p:sp>
       <p:pic>
         <p:nvPicPr>
-          <p:cNvPr id="6146" name="Picture 2"/>
+          <p:cNvPr id="5124" name="Picture 4"/>
           <p:cNvPicPr>
             <a:picLocks noChangeAspect="1" noChangeArrowheads="1"/>
           </p:cNvPicPr>
@@ -7278,8 +9239,8 @@
         </p:blipFill>
         <p:spPr bwMode="auto">
           <a:xfrm>
-            <a:off x="1619672" y="1812103"/>
-            <a:ext cx="4810125" cy="1866900"/>
+            <a:off x="1907704" y="1924794"/>
+            <a:ext cx="4829175" cy="1943100"/>
           </a:xfrm>
           <a:prstGeom prst="rect">
             <a:avLst/>
@@ -7311,28 +9272,31 @@
       </p:pic>
       <p:sp>
         <p:nvSpPr>
-          <p:cNvPr id="9" name="Abgerundetes Rechteck 8"/>
+          <p:cNvPr id="4" name="Rechteckige Legende 3"/>
           <p:cNvSpPr/>
           <p:nvPr/>
         </p:nvSpPr>
         <p:spPr>
           <a:xfrm>
-            <a:off x="5502390" y="957787"/>
-            <a:ext cx="3606114" cy="1541955"/>
-          </a:xfrm>
-          <a:prstGeom prst="roundRect">
-            <a:avLst/>
+            <a:off x="3494199" y="4155926"/>
+            <a:ext cx="1656184" cy="864096"/>
+          </a:xfrm>
+          <a:prstGeom prst="wedgeRectCallout">
+            <a:avLst>
+              <a:gd name="adj1" fmla="val 73240"/>
+              <a:gd name="adj2" fmla="val -91132"/>
+            </a:avLst>
           </a:prstGeom>
         </p:spPr>
         <p:style>
           <a:lnRef idx="1">
-            <a:schemeClr val="accent2"/>
+            <a:schemeClr val="accent3"/>
           </a:lnRef>
           <a:fillRef idx="2">
-            <a:schemeClr val="accent2"/>
+            <a:schemeClr val="accent3"/>
           </a:fillRef>
           <a:effectRef idx="1">
-            <a:schemeClr val="accent2"/>
+            <a:schemeClr val="accent3"/>
           </a:effectRef>
           <a:fontRef idx="minor">
             <a:schemeClr val="dk1"/>
@@ -7342,19 +9306,152 @@
           <a:bodyPr rtlCol="0" anchor="ctr"/>
           <a:lstStyle/>
           <a:p>
-            <a:r>
-              <a:rPr lang="de-CH" sz="1400" b="1" smtClean="0"/>
-              <a:t>Hinweis</a:t>
-            </a:r>
+            <a:pPr algn="ctr"/>
             <a:r>
               <a:rPr lang="de-CH" sz="1400" smtClean="0"/>
-              <a:t>: Wenn man in Excel ein Minuszeichen oder Pluszeichen eingibt, macht es automatisch eine Formel draus.</a:t>
-            </a:r>
-          </a:p>
-          <a:p>
+              <a:t>Inhalte der Lücken, die in OLAT definiert wurden.</a:t>
+            </a:r>
+            <a:endParaRPr lang="de-CH" sz="1400"/>
+          </a:p>
+        </p:txBody>
+      </p:sp>
+      <p:sp>
+        <p:nvSpPr>
+          <p:cNvPr id="8" name="Rechteckige Legende 7"/>
+          <p:cNvSpPr/>
+          <p:nvPr/>
+        </p:nvSpPr>
+        <p:spPr>
+          <a:xfrm>
+            <a:off x="6338515" y="4155926"/>
+            <a:ext cx="1656184" cy="864096"/>
+          </a:xfrm>
+          <a:prstGeom prst="wedgeRectCallout">
+            <a:avLst>
+              <a:gd name="adj1" fmla="val -47160"/>
+              <a:gd name="adj2" fmla="val -93682"/>
+            </a:avLst>
+          </a:prstGeom>
+        </p:spPr>
+        <p:style>
+          <a:lnRef idx="1">
+            <a:schemeClr val="accent3"/>
+          </a:lnRef>
+          <a:fillRef idx="2">
+            <a:schemeClr val="accent3"/>
+          </a:fillRef>
+          <a:effectRef idx="1">
+            <a:schemeClr val="accent3"/>
+          </a:effectRef>
+          <a:fontRef idx="minor">
+            <a:schemeClr val="dk1"/>
+          </a:fontRef>
+        </p:style>
+        <p:txBody>
+          <a:bodyPr rtlCol="0" anchor="ctr"/>
+          <a:lstStyle/>
+          <a:p>
+            <a:pPr algn="ctr"/>
             <a:r>
               <a:rPr lang="de-CH" sz="1400" smtClean="0"/>
-              <a:t>Wenn man vor dem Zeichen ein einfaches Anführungszeichen setzt oder die Zellen als 'Text' formatiert, passiert das nicht.</a:t>
+              <a:t>Lösungen für die Korrektur</a:t>
+            </a:r>
+            <a:endParaRPr lang="de-CH" sz="1400"/>
+          </a:p>
+        </p:txBody>
+      </p:sp>
+      <p:sp>
+        <p:nvSpPr>
+          <p:cNvPr id="9" name="Rechteckige Legende 8"/>
+          <p:cNvSpPr/>
+          <p:nvPr/>
+        </p:nvSpPr>
+        <p:spPr>
+          <a:xfrm>
+            <a:off x="7164288" y="987574"/>
+            <a:ext cx="1872208" cy="1757979"/>
+          </a:xfrm>
+          <a:prstGeom prst="wedgeRectCallout">
+            <a:avLst>
+              <a:gd name="adj1" fmla="val -73973"/>
+              <a:gd name="adj2" fmla="val 71112"/>
+            </a:avLst>
+          </a:prstGeom>
+        </p:spPr>
+        <p:style>
+          <a:lnRef idx="1">
+            <a:schemeClr val="accent3"/>
+          </a:lnRef>
+          <a:fillRef idx="2">
+            <a:schemeClr val="accent3"/>
+          </a:fillRef>
+          <a:effectRef idx="1">
+            <a:schemeClr val="accent3"/>
+          </a:effectRef>
+          <a:fontRef idx="minor">
+            <a:schemeClr val="dk1"/>
+          </a:fontRef>
+        </p:style>
+        <p:txBody>
+          <a:bodyPr rtlCol="0" anchor="ctr"/>
+          <a:lstStyle/>
+          <a:p>
+            <a:pPr algn="ctr"/>
+            <a:r>
+              <a:rPr lang="de-CH" sz="1400" smtClean="0"/>
+              <a:t>Zwei Zahlen in eckigen Klammern bedeuten, dass jede Lösung in diesem Intervall korrekt ist.</a:t>
+            </a:r>
+          </a:p>
+          <a:p>
+            <a:pPr algn="ctr"/>
+            <a:r>
+              <a:rPr lang="de-CH" sz="1400" smtClean="0"/>
+              <a:t>(2.63 wäre hier also auch richtig.)</a:t>
+            </a:r>
+            <a:endParaRPr lang="de-CH" sz="1400"/>
+          </a:p>
+        </p:txBody>
+      </p:sp>
+      <p:sp>
+        <p:nvSpPr>
+          <p:cNvPr id="10" name="Rechteckige Legende 9"/>
+          <p:cNvSpPr/>
+          <p:nvPr/>
+        </p:nvSpPr>
+        <p:spPr>
+          <a:xfrm>
+            <a:off x="7152749" y="3147991"/>
+            <a:ext cx="1872208" cy="732967"/>
+          </a:xfrm>
+          <a:prstGeom prst="wedgeRectCallout">
+            <a:avLst>
+              <a:gd name="adj1" fmla="val -73385"/>
+              <a:gd name="adj2" fmla="val 5854"/>
+            </a:avLst>
+          </a:prstGeom>
+        </p:spPr>
+        <p:style>
+          <a:lnRef idx="1">
+            <a:schemeClr val="accent3"/>
+          </a:lnRef>
+          <a:fillRef idx="2">
+            <a:schemeClr val="accent3"/>
+          </a:fillRef>
+          <a:effectRef idx="1">
+            <a:schemeClr val="accent3"/>
+          </a:effectRef>
+          <a:fontRef idx="minor">
+            <a:schemeClr val="dk1"/>
+          </a:fontRef>
+        </p:style>
+        <p:txBody>
+          <a:bodyPr rtlCol="0" anchor="ctr"/>
+          <a:lstStyle/>
+          <a:p>
+            <a:pPr algn="ctr"/>
+            <a:r>
+              <a:rPr lang="de-CH" sz="1400" smtClean="0"/>
+              <a:t>Einzelne Zahlen oder Worte müssen exakt stimmen.</a:t>
             </a:r>
             <a:endParaRPr lang="de-CH" sz="1400"/>
           </a:p>
@@ -7363,7 +9460,7 @@
     </p:spTree>
     <p:extLst>
       <p:ext uri="{BB962C8B-B14F-4D97-AF65-F5344CB8AC3E}">
-        <p14:creationId xmlns:p14="http://schemas.microsoft.com/office/powerpoint/2010/main" val="1745252422"/>
+        <p14:creationId xmlns:p14="http://schemas.microsoft.com/office/powerpoint/2010/main" val="4044800748"/>
       </p:ext>
     </p:extLst>
   </p:cSld>
@@ -7445,7 +9542,7 @@
             </a:pPr>
             <a:r>
               <a:rPr lang="de-CH" b="1" smtClean="0"/>
-              <a:t>Beispiel für eine Single Choice Frage</a:t>
+              <a:t>Beispiel für eine KPRIM-Frage</a:t>
             </a:r>
             <a:endParaRPr lang="de-CH" b="1"/>
           </a:p>
@@ -7465,7 +9562,7 @@
           <a:prstGeom prst="wedgeRectCallout">
             <a:avLst>
               <a:gd name="adj1" fmla="val 73240"/>
-              <a:gd name="adj2" fmla="val -94957"/>
+              <a:gd name="adj2" fmla="val -91132"/>
             </a:avLst>
           </a:prstGeom>
         </p:spPr>
@@ -7504,7 +9601,7 @@
         </p:nvSpPr>
         <p:spPr>
           <a:xfrm>
-            <a:off x="5988107" y="4011910"/>
+            <a:off x="5940152" y="4011910"/>
             <a:ext cx="1656184" cy="864096"/>
           </a:xfrm>
           <a:prstGeom prst="wedgeRectCallout">
@@ -7548,13 +9645,13 @@
         </p:nvSpPr>
         <p:spPr>
           <a:xfrm>
-            <a:off x="6948264" y="2685108"/>
-            <a:ext cx="1872208" cy="1051658"/>
+            <a:off x="6948264" y="3003798"/>
+            <a:ext cx="1872208" cy="732967"/>
           </a:xfrm>
           <a:prstGeom prst="wedgeRectCallout">
             <a:avLst>
-              <a:gd name="adj1" fmla="val -73973"/>
-              <a:gd name="adj2" fmla="val -2163"/>
+              <a:gd name="adj1" fmla="val -86919"/>
+              <a:gd name="adj2" fmla="val -13686"/>
             </a:avLst>
           </a:prstGeom>
         </p:spPr>
@@ -7579,7 +9676,7 @@
             <a:pPr algn="ctr"/>
             <a:r>
               <a:rPr lang="de-CH" sz="1400" smtClean="0"/>
-              <a:t>Bei Single-Choice ist die korrekte Antwort eine 1, die anderen sind Nullen</a:t>
+              <a:t>Bei KPRIM müssen + und – verwendet werden.</a:t>
             </a:r>
             <a:endParaRPr lang="de-CH" sz="1400"/>
           </a:p>
@@ -7587,7 +9684,7 @@
       </p:sp>
       <p:pic>
         <p:nvPicPr>
-          <p:cNvPr id="7170" name="Picture 2"/>
+          <p:cNvPr id="6146" name="Picture 2"/>
           <p:cNvPicPr>
             <a:picLocks noChangeAspect="1" noChangeArrowheads="1"/>
           </p:cNvPicPr>
@@ -7608,8 +9705,8 @@
         </p:blipFill>
         <p:spPr bwMode="auto">
           <a:xfrm>
-            <a:off x="1691680" y="1851670"/>
-            <a:ext cx="4819650" cy="1666875"/>
+            <a:off x="1619672" y="1812103"/>
+            <a:ext cx="4810125" cy="1866900"/>
           </a:xfrm>
           <a:prstGeom prst="rect">
             <a:avLst/>
@@ -7639,10 +9736,61 @@
           </a:extLst>
         </p:spPr>
       </p:pic>
+      <p:sp>
+        <p:nvSpPr>
+          <p:cNvPr id="9" name="Abgerundetes Rechteck 8"/>
+          <p:cNvSpPr/>
+          <p:nvPr/>
+        </p:nvSpPr>
+        <p:spPr>
+          <a:xfrm>
+            <a:off x="5502390" y="957787"/>
+            <a:ext cx="3606114" cy="1541955"/>
+          </a:xfrm>
+          <a:prstGeom prst="roundRect">
+            <a:avLst/>
+          </a:prstGeom>
+        </p:spPr>
+        <p:style>
+          <a:lnRef idx="1">
+            <a:schemeClr val="accent2"/>
+          </a:lnRef>
+          <a:fillRef idx="2">
+            <a:schemeClr val="accent2"/>
+          </a:fillRef>
+          <a:effectRef idx="1">
+            <a:schemeClr val="accent2"/>
+          </a:effectRef>
+          <a:fontRef idx="minor">
+            <a:schemeClr val="dk1"/>
+          </a:fontRef>
+        </p:style>
+        <p:txBody>
+          <a:bodyPr rtlCol="0" anchor="ctr"/>
+          <a:lstStyle/>
+          <a:p>
+            <a:r>
+              <a:rPr lang="de-CH" sz="1400" b="1" smtClean="0"/>
+              <a:t>Hinweis</a:t>
+            </a:r>
+            <a:r>
+              <a:rPr lang="de-CH" sz="1400" smtClean="0"/>
+              <a:t>: Wenn man in Excel ein Minuszeichen oder Pluszeichen eingibt, macht es automatisch eine Formel draus.</a:t>
+            </a:r>
+          </a:p>
+          <a:p>
+            <a:r>
+              <a:rPr lang="de-CH" sz="1400" smtClean="0"/>
+              <a:t>Wenn man vor dem Zeichen ein einfaches Anführungszeichen setzt oder die Zellen als 'Text' formatiert, passiert das nicht.</a:t>
+            </a:r>
+            <a:endParaRPr lang="de-CH" sz="1400"/>
+          </a:p>
+        </p:txBody>
+      </p:sp>
     </p:spTree>
     <p:extLst>
       <p:ext uri="{BB962C8B-B14F-4D97-AF65-F5344CB8AC3E}">
-        <p14:creationId xmlns:p14="http://schemas.microsoft.com/office/powerpoint/2010/main" val="425027646"/>
+        <p14:creationId xmlns:p14="http://schemas.microsoft.com/office/powerpoint/2010/main" val="1745252422"/>
       </p:ext>
     </p:extLst>
   </p:cSld>
